--- a/Design Requirement/Chat/Chat - LetsDiscuss.pptx
+++ b/Design Requirement/Chat/Chat - LetsDiscuss.pptx
@@ -208,7 +208,7 @@
           <a:p>
             <a:fld id="{DB6CA646-4DB0-4081-BAF1-518ED8EEB214}" type="datetimeFigureOut">
               <a:rPr lang="en-IN" smtClean="0"/>
-              <a:t>08-06-2024</a:t>
+              <a:t>12-06-2024</a:t>
             </a:fld>
             <a:endParaRPr lang="en-IN" dirty="0"/>
           </a:p>
@@ -1505,7 +1505,7 @@
           <a:p>
             <a:fld id="{40BFCB34-1D3A-4E3D-AF01-87C69294AC55}" type="datetimeFigureOut">
               <a:rPr lang="en-IN" smtClean="0"/>
-              <a:t>08-06-2024</a:t>
+              <a:t>12-06-2024</a:t>
             </a:fld>
             <a:endParaRPr lang="en-IN" dirty="0"/>
           </a:p>
@@ -1705,7 +1705,7 @@
           <a:p>
             <a:fld id="{40BFCB34-1D3A-4E3D-AF01-87C69294AC55}" type="datetimeFigureOut">
               <a:rPr lang="en-IN" smtClean="0"/>
-              <a:t>08-06-2024</a:t>
+              <a:t>12-06-2024</a:t>
             </a:fld>
             <a:endParaRPr lang="en-IN" dirty="0"/>
           </a:p>
@@ -1915,7 +1915,7 @@
           <a:p>
             <a:fld id="{40BFCB34-1D3A-4E3D-AF01-87C69294AC55}" type="datetimeFigureOut">
               <a:rPr lang="en-IN" smtClean="0"/>
-              <a:t>08-06-2024</a:t>
+              <a:t>12-06-2024</a:t>
             </a:fld>
             <a:endParaRPr lang="en-IN" dirty="0"/>
           </a:p>
@@ -2028,7 +2028,7 @@
           <a:p>
             <a:fld id="{53685DBC-317F-4C6B-AEE2-0BEBDE6560A6}" type="datetimeFigureOut">
               <a:rPr lang="en-US" smtClean="0"/>
-              <a:t>6/8/2024</a:t>
+              <a:t>6/12/2024</a:t>
             </a:fld>
             <a:endParaRPr lang="en-US" dirty="0"/>
           </a:p>
@@ -2228,7 +2228,7 @@
           <a:p>
             <a:fld id="{40BFCB34-1D3A-4E3D-AF01-87C69294AC55}" type="datetimeFigureOut">
               <a:rPr lang="en-IN" smtClean="0"/>
-              <a:t>08-06-2024</a:t>
+              <a:t>12-06-2024</a:t>
             </a:fld>
             <a:endParaRPr lang="en-IN" dirty="0"/>
           </a:p>
@@ -2504,7 +2504,7 @@
           <a:p>
             <a:fld id="{40BFCB34-1D3A-4E3D-AF01-87C69294AC55}" type="datetimeFigureOut">
               <a:rPr lang="en-IN" smtClean="0"/>
-              <a:t>08-06-2024</a:t>
+              <a:t>12-06-2024</a:t>
             </a:fld>
             <a:endParaRPr lang="en-IN" dirty="0"/>
           </a:p>
@@ -2772,7 +2772,7 @@
           <a:p>
             <a:fld id="{40BFCB34-1D3A-4E3D-AF01-87C69294AC55}" type="datetimeFigureOut">
               <a:rPr lang="en-IN" smtClean="0"/>
-              <a:t>08-06-2024</a:t>
+              <a:t>12-06-2024</a:t>
             </a:fld>
             <a:endParaRPr lang="en-IN" dirty="0"/>
           </a:p>
@@ -3187,7 +3187,7 @@
           <a:p>
             <a:fld id="{40BFCB34-1D3A-4E3D-AF01-87C69294AC55}" type="datetimeFigureOut">
               <a:rPr lang="en-IN" smtClean="0"/>
-              <a:t>08-06-2024</a:t>
+              <a:t>12-06-2024</a:t>
             </a:fld>
             <a:endParaRPr lang="en-IN" dirty="0"/>
           </a:p>
@@ -3329,7 +3329,7 @@
           <a:p>
             <a:fld id="{40BFCB34-1D3A-4E3D-AF01-87C69294AC55}" type="datetimeFigureOut">
               <a:rPr lang="en-IN" smtClean="0"/>
-              <a:t>08-06-2024</a:t>
+              <a:t>12-06-2024</a:t>
             </a:fld>
             <a:endParaRPr lang="en-IN" dirty="0"/>
           </a:p>
@@ -3442,7 +3442,7 @@
           <a:p>
             <a:fld id="{40BFCB34-1D3A-4E3D-AF01-87C69294AC55}" type="datetimeFigureOut">
               <a:rPr lang="en-IN" smtClean="0"/>
-              <a:t>08-06-2024</a:t>
+              <a:t>12-06-2024</a:t>
             </a:fld>
             <a:endParaRPr lang="en-IN" dirty="0"/>
           </a:p>
@@ -3755,7 +3755,7 @@
           <a:p>
             <a:fld id="{40BFCB34-1D3A-4E3D-AF01-87C69294AC55}" type="datetimeFigureOut">
               <a:rPr lang="en-IN" smtClean="0"/>
-              <a:t>08-06-2024</a:t>
+              <a:t>12-06-2024</a:t>
             </a:fld>
             <a:endParaRPr lang="en-IN" dirty="0"/>
           </a:p>
@@ -4044,7 +4044,7 @@
           <a:p>
             <a:fld id="{40BFCB34-1D3A-4E3D-AF01-87C69294AC55}" type="datetimeFigureOut">
               <a:rPr lang="en-IN" smtClean="0"/>
-              <a:t>08-06-2024</a:t>
+              <a:t>12-06-2024</a:t>
             </a:fld>
             <a:endParaRPr lang="en-IN" dirty="0"/>
           </a:p>
@@ -4287,7 +4287,7 @@
           <a:p>
             <a:fld id="{40BFCB34-1D3A-4E3D-AF01-87C69294AC55}" type="datetimeFigureOut">
               <a:rPr lang="en-IN" smtClean="0"/>
-              <a:t>08-06-2024</a:t>
+              <a:t>12-06-2024</a:t>
             </a:fld>
             <a:endParaRPr lang="en-IN" dirty="0"/>
           </a:p>
@@ -4858,7 +4858,7 @@
           <a:p>
             <a:fld id="{53685DBC-317F-4C6B-AEE2-0BEBDE6560A6}" type="datetimeFigureOut">
               <a:rPr lang="en-US" smtClean="0"/>
-              <a:t>6/8/2024</a:t>
+              <a:t>6/12/2024</a:t>
             </a:fld>
             <a:endParaRPr lang="en-US" dirty="0"/>
           </a:p>
@@ -10447,6 +10447,73 @@
             </a:endParaRPr>
           </a:p>
           <a:p>
+            <a:endParaRPr lang="en-IN" sz="1200" dirty="0">
+              <a:latin typeface="Avenir Next LT Pro" panose="020B0504020202020204" pitchFamily="34" charset="0"/>
+            </a:endParaRPr>
+          </a:p>
+        </p:txBody>
+      </p:sp>
+      <p:sp>
+        <p:nvSpPr>
+          <p:cNvPr id="4" name="TextBox 3">
+            <a:extLst>
+              <a:ext uri="{FF2B5EF4-FFF2-40B4-BE49-F238E27FC236}">
+                <a16:creationId xmlns:a16="http://schemas.microsoft.com/office/drawing/2014/main" id="{E5B50F0A-636A-5280-1DEC-2B6C42EA00E9}"/>
+              </a:ext>
+            </a:extLst>
+          </p:cNvPr>
+          <p:cNvSpPr txBox="1"/>
+          <p:nvPr/>
+        </p:nvSpPr>
+        <p:spPr>
+          <a:xfrm>
+            <a:off x="55545" y="3429000"/>
+            <a:ext cx="3028320" cy="1015663"/>
+          </a:xfrm>
+          <a:prstGeom prst="rect">
+            <a:avLst/>
+          </a:prstGeom>
+          <a:noFill/>
+        </p:spPr>
+        <p:txBody>
+          <a:bodyPr wrap="square" rtlCol="0">
+            <a:spAutoFit/>
+          </a:bodyPr>
+          <a:lstStyle/>
+          <a:p>
+            <a:r>
+              <a:rPr lang="en-US" sz="1200" b="1" dirty="0">
+                <a:latin typeface="Avenir Next LT Pro" panose="020B0504020202020204" pitchFamily="34" charset="0"/>
+              </a:rPr>
+              <a:t>Requirements</a:t>
+            </a:r>
+          </a:p>
+          <a:p>
+            <a:endParaRPr lang="en-US" sz="1200" b="1" dirty="0">
+              <a:latin typeface="Avenir Next LT Pro" panose="020B0504020202020204" pitchFamily="34" charset="0"/>
+            </a:endParaRPr>
+          </a:p>
+          <a:p>
+            <a:pPr marL="171450" indent="-171450">
+              <a:buFont typeface="Arial" panose="020B0604020202020204" pitchFamily="34" charset="0"/>
+              <a:buChar char="•"/>
+            </a:pPr>
+            <a:endParaRPr lang="en-US" sz="1200" dirty="0">
+              <a:latin typeface="Avenir Next LT Pro" panose="020B0504020202020204" pitchFamily="34" charset="0"/>
+            </a:endParaRPr>
+          </a:p>
+          <a:p>
+            <a:pPr marL="228600" indent="-228600">
+              <a:buAutoNum type="arabicPeriod"/>
+            </a:pPr>
+            <a:endParaRPr lang="en-US" sz="1200" dirty="0">
+              <a:latin typeface="Avenir Next LT Pro" panose="020B0504020202020204" pitchFamily="34" charset="0"/>
+            </a:endParaRPr>
+          </a:p>
+          <a:p>
+            <a:pPr marL="228600" indent="-228600">
+              <a:buAutoNum type="arabicPeriod"/>
+            </a:pPr>
             <a:endParaRPr lang="en-IN" sz="1200" dirty="0">
               <a:latin typeface="Avenir Next LT Pro" panose="020B0504020202020204" pitchFamily="34" charset="0"/>
             </a:endParaRPr>
@@ -14844,6 +14911,23 @@
 </file>
 
 <file path=customXml/item1.xml><?xml version="1.0" encoding="utf-8"?>
+<?mso-contentType ?>
+<FormTemplates xmlns="http://schemas.microsoft.com/sharepoint/v3/contenttype/forms">
+  <Display>DocumentLibraryForm</Display>
+  <Edit>DocumentLibraryForm</Edit>
+  <New>DocumentLibraryForm</New>
+</FormTemplates>
+</file>
+
+<file path=customXml/item2.xml><?xml version="1.0" encoding="utf-8"?>
+<p:properties xmlns:p="http://schemas.microsoft.com/office/2006/metadata/properties" xmlns:xsi="http://www.w3.org/2001/XMLSchema-instance" xmlns:pc="http://schemas.microsoft.com/office/infopath/2007/PartnerControls">
+  <documentManagement>
+    <_activity xmlns="0e1bb11d-1fe8-4e80-a80d-c671e8cd2a50" xsi:nil="true"/>
+  </documentManagement>
+</p:properties>
+</file>
+
+<file path=customXml/item3.xml><?xml version="1.0" encoding="utf-8"?>
 <ct:contentTypeSchema xmlns:ct="http://schemas.microsoft.com/office/2006/metadata/contentType" xmlns:ma="http://schemas.microsoft.com/office/2006/metadata/properties/metaAttributes" ct:_="" ma:_="" ma:contentTypeName="Document" ma:contentTypeID="0x010100A855378936633F46935DE081F3F0A723" ma:contentTypeVersion="14" ma:contentTypeDescription="Create a new document." ma:contentTypeScope="" ma:versionID="55f1e6ab26213e900d3ea6b73674690f">
   <xsd:schema xmlns:xsd="http://www.w3.org/2001/XMLSchema" xmlns:xs="http://www.w3.org/2001/XMLSchema" xmlns:p="http://schemas.microsoft.com/office/2006/metadata/properties" xmlns:ns3="0e1bb11d-1fe8-4e80-a80d-c671e8cd2a50" targetNamespace="http://schemas.microsoft.com/office/2006/metadata/properties" ma:root="true" ma:fieldsID="cb5bac23893b177075308ae0464414f8" ns3:_="">
     <xsd:import namespace="0e1bb11d-1fe8-4e80-a80d-c671e8cd2a50"/>
@@ -15051,37 +15135,10 @@
 </ct:contentTypeSchema>
 </file>
 
-<file path=customXml/item2.xml><?xml version="1.0" encoding="utf-8"?>
-<p:properties xmlns:p="http://schemas.microsoft.com/office/2006/metadata/properties" xmlns:xsi="http://www.w3.org/2001/XMLSchema-instance" xmlns:pc="http://schemas.microsoft.com/office/infopath/2007/PartnerControls">
-  <documentManagement>
-    <_activity xmlns="0e1bb11d-1fe8-4e80-a80d-c671e8cd2a50" xsi:nil="true"/>
-  </documentManagement>
-</p:properties>
-</file>
-
-<file path=customXml/item3.xml><?xml version="1.0" encoding="utf-8"?>
-<?mso-contentType ?>
-<FormTemplates xmlns="http://schemas.microsoft.com/sharepoint/v3/contenttype/forms">
-  <Display>DocumentLibraryForm</Display>
-  <Edit>DocumentLibraryForm</Edit>
-  <New>DocumentLibraryForm</New>
-</FormTemplates>
-</file>
-
 <file path=customXml/itemProps1.xml><?xml version="1.0" encoding="utf-8"?>
-<ds:datastoreItem xmlns:ds="http://schemas.openxmlformats.org/officeDocument/2006/customXml" ds:itemID="{7B2E56D0-A161-47EC-9D87-E508F7ED6741}">
+<ds:datastoreItem xmlns:ds="http://schemas.openxmlformats.org/officeDocument/2006/customXml" ds:itemID="{D9A29AA5-5937-490C-A495-D5C320512737}">
   <ds:schemaRefs>
-    <ds:schemaRef ds:uri="http://schemas.microsoft.com/office/2006/metadata/contentType"/>
-    <ds:schemaRef ds:uri="http://schemas.microsoft.com/office/2006/metadata/properties/metaAttributes"/>
-    <ds:schemaRef ds:uri="http://www.w3.org/2001/XMLSchema"/>
-    <ds:schemaRef ds:uri="http://schemas.microsoft.com/office/2006/metadata/properties"/>
-    <ds:schemaRef ds:uri="0e1bb11d-1fe8-4e80-a80d-c671e8cd2a50"/>
-    <ds:schemaRef ds:uri="http://schemas.microsoft.com/office/2006/documentManagement/types"/>
-    <ds:schemaRef ds:uri="http://schemas.microsoft.com/office/infopath/2007/PartnerControls"/>
-    <ds:schemaRef ds:uri="http://schemas.openxmlformats.org/package/2006/metadata/core-properties"/>
-    <ds:schemaRef ds:uri="http://purl.org/dc/elements/1.1/"/>
-    <ds:schemaRef ds:uri="http://purl.org/dc/terms/"/>
-    <ds:schemaRef ds:uri="http://schemas.microsoft.com/internal/obd"/>
+    <ds:schemaRef ds:uri="http://schemas.microsoft.com/sharepoint/v3/contenttype/forms"/>
   </ds:schemaRefs>
 </ds:datastoreItem>
 </file>
@@ -15103,9 +15160,19 @@
 </file>
 
 <file path=customXml/itemProps3.xml><?xml version="1.0" encoding="utf-8"?>
-<ds:datastoreItem xmlns:ds="http://schemas.openxmlformats.org/officeDocument/2006/customXml" ds:itemID="{D9A29AA5-5937-490C-A495-D5C320512737}">
+<ds:datastoreItem xmlns:ds="http://schemas.openxmlformats.org/officeDocument/2006/customXml" ds:itemID="{7B2E56D0-A161-47EC-9D87-E508F7ED6741}">
   <ds:schemaRefs>
-    <ds:schemaRef ds:uri="http://schemas.microsoft.com/sharepoint/v3/contenttype/forms"/>
+    <ds:schemaRef ds:uri="http://schemas.microsoft.com/office/2006/metadata/contentType"/>
+    <ds:schemaRef ds:uri="http://schemas.microsoft.com/office/2006/metadata/properties/metaAttributes"/>
+    <ds:schemaRef ds:uri="http://www.w3.org/2001/XMLSchema"/>
+    <ds:schemaRef ds:uri="http://schemas.microsoft.com/office/2006/metadata/properties"/>
+    <ds:schemaRef ds:uri="0e1bb11d-1fe8-4e80-a80d-c671e8cd2a50"/>
+    <ds:schemaRef ds:uri="http://schemas.microsoft.com/office/2006/documentManagement/types"/>
+    <ds:schemaRef ds:uri="http://schemas.microsoft.com/office/infopath/2007/PartnerControls"/>
+    <ds:schemaRef ds:uri="http://schemas.openxmlformats.org/package/2006/metadata/core-properties"/>
+    <ds:schemaRef ds:uri="http://purl.org/dc/elements/1.1/"/>
+    <ds:schemaRef ds:uri="http://purl.org/dc/terms/"/>
+    <ds:schemaRef ds:uri="http://schemas.microsoft.com/internal/obd"/>
   </ds:schemaRefs>
 </ds:datastoreItem>
 </file>
--- a/Design Requirement/Chat/Chat - LetsDiscuss.pptx
+++ b/Design Requirement/Chat/Chat - LetsDiscuss.pptx
@@ -6,20 +6,22 @@
     <p:sldMasterId id="2147483662" r:id="rId5"/>
   </p:sldMasterIdLst>
   <p:notesMasterIdLst>
-    <p:notesMasterId r:id="rId17"/>
+    <p:notesMasterId r:id="rId19"/>
   </p:notesMasterIdLst>
   <p:sldIdLst>
     <p:sldId id="256" r:id="rId6"/>
     <p:sldId id="271" r:id="rId7"/>
     <p:sldId id="290" r:id="rId8"/>
-    <p:sldId id="291" r:id="rId9"/>
-    <p:sldId id="272" r:id="rId10"/>
-    <p:sldId id="277" r:id="rId11"/>
-    <p:sldId id="275" r:id="rId12"/>
-    <p:sldId id="276" r:id="rId13"/>
-    <p:sldId id="273" r:id="rId14"/>
-    <p:sldId id="278" r:id="rId15"/>
-    <p:sldId id="280" r:id="rId16"/>
+    <p:sldId id="293" r:id="rId9"/>
+    <p:sldId id="292" r:id="rId10"/>
+    <p:sldId id="291" r:id="rId11"/>
+    <p:sldId id="272" r:id="rId12"/>
+    <p:sldId id="277" r:id="rId13"/>
+    <p:sldId id="275" r:id="rId14"/>
+    <p:sldId id="276" r:id="rId15"/>
+    <p:sldId id="273" r:id="rId16"/>
+    <p:sldId id="278" r:id="rId17"/>
+    <p:sldId id="280" r:id="rId18"/>
   </p:sldIdLst>
   <p:sldSz cx="12192000" cy="6858000"/>
   <p:notesSz cx="6858000" cy="9144000"/>
@@ -610,7 +612,7 @@
           <a:p>
             <a:r>
               <a:rPr lang="en-US" dirty="0"/>
-              <a:t>Chat-Employee Dashboard : Default last Active Project Chat will Open, For First Time Give Msg open a chat from Project</a:t>
+              <a:t>Chat Layout</a:t>
             </a:r>
             <a:endParaRPr lang="en-IN" dirty="0"/>
           </a:p>
@@ -634,6 +636,182 @@
             <a:fld id="{65E2C0E8-241A-47C7-B504-B64E50FE720F}" type="slidenum">
               <a:rPr lang="en-IN" smtClean="0"/>
               <a:t>11</a:t>
+            </a:fld>
+            <a:endParaRPr lang="en-IN" dirty="0"/>
+          </a:p>
+        </p:txBody>
+      </p:sp>
+    </p:spTree>
+    <p:extLst>
+      <p:ext uri="{BB962C8B-B14F-4D97-AF65-F5344CB8AC3E}">
+        <p14:creationId xmlns:p14="http://schemas.microsoft.com/office/powerpoint/2010/main" val="3712816714"/>
+      </p:ext>
+    </p:extLst>
+  </p:cSld>
+  <p:clrMapOvr>
+    <a:masterClrMapping/>
+  </p:clrMapOvr>
+</p:notes>
+</file>
+
+<file path=ppt/notesSlides/notesSlide11.xml><?xml version="1.0" encoding="utf-8"?>
+<p:notes xmlns:a="http://schemas.openxmlformats.org/drawingml/2006/main" xmlns:r="http://schemas.openxmlformats.org/officeDocument/2006/relationships" xmlns:p="http://schemas.openxmlformats.org/presentationml/2006/main">
+  <p:cSld>
+    <p:spTree>
+      <p:nvGrpSpPr>
+        <p:cNvPr id="1" name=""/>
+        <p:cNvGrpSpPr/>
+        <p:nvPr/>
+      </p:nvGrpSpPr>
+      <p:grpSpPr>
+        <a:xfrm>
+          <a:off x="0" y="0"/>
+          <a:ext cx="0" cy="0"/>
+          <a:chOff x="0" y="0"/>
+          <a:chExt cx="0" cy="0"/>
+        </a:xfrm>
+      </p:grpSpPr>
+      <p:sp>
+        <p:nvSpPr>
+          <p:cNvPr id="2" name="Slide Image Placeholder 1"/>
+          <p:cNvSpPr>
+            <a:spLocks noGrp="1" noRot="1" noChangeAspect="1"/>
+          </p:cNvSpPr>
+          <p:nvPr>
+            <p:ph type="sldImg"/>
+          </p:nvPr>
+        </p:nvSpPr>
+        <p:spPr/>
+      </p:sp>
+      <p:sp>
+        <p:nvSpPr>
+          <p:cNvPr id="3" name="Notes Placeholder 2"/>
+          <p:cNvSpPr>
+            <a:spLocks noGrp="1"/>
+          </p:cNvSpPr>
+          <p:nvPr>
+            <p:ph type="body" idx="1"/>
+          </p:nvPr>
+        </p:nvSpPr>
+        <p:spPr/>
+        <p:txBody>
+          <a:bodyPr/>
+          <a:lstStyle/>
+          <a:p>
+            <a:r>
+              <a:rPr lang="en-US" dirty="0"/>
+              <a:t>Chat Layout</a:t>
+            </a:r>
+            <a:endParaRPr lang="en-IN" dirty="0"/>
+          </a:p>
+        </p:txBody>
+      </p:sp>
+      <p:sp>
+        <p:nvSpPr>
+          <p:cNvPr id="4" name="Slide Number Placeholder 3"/>
+          <p:cNvSpPr>
+            <a:spLocks noGrp="1"/>
+          </p:cNvSpPr>
+          <p:nvPr>
+            <p:ph type="sldNum" sz="quarter" idx="5"/>
+          </p:nvPr>
+        </p:nvSpPr>
+        <p:spPr/>
+        <p:txBody>
+          <a:bodyPr/>
+          <a:lstStyle/>
+          <a:p>
+            <a:fld id="{65E2C0E8-241A-47C7-B504-B64E50FE720F}" type="slidenum">
+              <a:rPr lang="en-IN" smtClean="0"/>
+              <a:t>12</a:t>
+            </a:fld>
+            <a:endParaRPr lang="en-IN" dirty="0"/>
+          </a:p>
+        </p:txBody>
+      </p:sp>
+    </p:spTree>
+    <p:extLst>
+      <p:ext uri="{BB962C8B-B14F-4D97-AF65-F5344CB8AC3E}">
+        <p14:creationId xmlns:p14="http://schemas.microsoft.com/office/powerpoint/2010/main" val="2206234419"/>
+      </p:ext>
+    </p:extLst>
+  </p:cSld>
+  <p:clrMapOvr>
+    <a:masterClrMapping/>
+  </p:clrMapOvr>
+</p:notes>
+</file>
+
+<file path=ppt/notesSlides/notesSlide12.xml><?xml version="1.0" encoding="utf-8"?>
+<p:notes xmlns:a="http://schemas.openxmlformats.org/drawingml/2006/main" xmlns:r="http://schemas.openxmlformats.org/officeDocument/2006/relationships" xmlns:p="http://schemas.openxmlformats.org/presentationml/2006/main">
+  <p:cSld>
+    <p:spTree>
+      <p:nvGrpSpPr>
+        <p:cNvPr id="1" name=""/>
+        <p:cNvGrpSpPr/>
+        <p:nvPr/>
+      </p:nvGrpSpPr>
+      <p:grpSpPr>
+        <a:xfrm>
+          <a:off x="0" y="0"/>
+          <a:ext cx="0" cy="0"/>
+          <a:chOff x="0" y="0"/>
+          <a:chExt cx="0" cy="0"/>
+        </a:xfrm>
+      </p:grpSpPr>
+      <p:sp>
+        <p:nvSpPr>
+          <p:cNvPr id="2" name="Slide Image Placeholder 1"/>
+          <p:cNvSpPr>
+            <a:spLocks noGrp="1" noRot="1" noChangeAspect="1"/>
+          </p:cNvSpPr>
+          <p:nvPr>
+            <p:ph type="sldImg"/>
+          </p:nvPr>
+        </p:nvSpPr>
+        <p:spPr/>
+      </p:sp>
+      <p:sp>
+        <p:nvSpPr>
+          <p:cNvPr id="3" name="Notes Placeholder 2"/>
+          <p:cNvSpPr>
+            <a:spLocks noGrp="1"/>
+          </p:cNvSpPr>
+          <p:nvPr>
+            <p:ph type="body" idx="1"/>
+          </p:nvPr>
+        </p:nvSpPr>
+        <p:spPr/>
+        <p:txBody>
+          <a:bodyPr/>
+          <a:lstStyle/>
+          <a:p>
+            <a:r>
+              <a:rPr lang="en-US" dirty="0"/>
+              <a:t>Chat-Employee Dashboard : Default last Active Project Chat will Open, For First Time Give Msg open a chat from Project</a:t>
+            </a:r>
+            <a:endParaRPr lang="en-IN" dirty="0"/>
+          </a:p>
+        </p:txBody>
+      </p:sp>
+      <p:sp>
+        <p:nvSpPr>
+          <p:cNvPr id="4" name="Slide Number Placeholder 3"/>
+          <p:cNvSpPr>
+            <a:spLocks noGrp="1"/>
+          </p:cNvSpPr>
+          <p:nvPr>
+            <p:ph type="sldNum" sz="quarter" idx="5"/>
+          </p:nvPr>
+        </p:nvSpPr>
+        <p:spPr/>
+        <p:txBody>
+          <a:bodyPr/>
+          <a:lstStyle/>
+          <a:p>
+            <a:fld id="{65E2C0E8-241A-47C7-B504-B64E50FE720F}" type="slidenum">
+              <a:rPr lang="en-IN" smtClean="0"/>
+              <a:t>13</a:t>
             </a:fld>
             <a:endParaRPr lang="en-IN" dirty="0"/>
           </a:p>
@@ -818,7 +996,7 @@
     </p:spTree>
     <p:extLst>
       <p:ext uri="{BB962C8B-B14F-4D97-AF65-F5344CB8AC3E}">
-        <p14:creationId xmlns:p14="http://schemas.microsoft.com/office/powerpoint/2010/main" val="1280993261"/>
+        <p14:creationId xmlns:p14="http://schemas.microsoft.com/office/powerpoint/2010/main" val="59244507"/>
       </p:ext>
     </p:extLst>
   </p:cSld>
@@ -906,7 +1084,7 @@
     </p:spTree>
     <p:extLst>
       <p:ext uri="{BB962C8B-B14F-4D97-AF65-F5344CB8AC3E}">
-        <p14:creationId xmlns:p14="http://schemas.microsoft.com/office/powerpoint/2010/main" val="2501550148"/>
+        <p14:creationId xmlns:p14="http://schemas.microsoft.com/office/powerpoint/2010/main" val="362698652"/>
       </p:ext>
     </p:extLst>
   </p:cSld>
@@ -962,7 +1140,7 @@
           <a:p>
             <a:r>
               <a:rPr lang="en-US" dirty="0"/>
-              <a:t>Chat-Project Manager Dashboard – 2 : Default last Active Project Chat will Open, For First Time Give Msg open a chat from Project</a:t>
+              <a:t>Chat-Client Dashboard</a:t>
             </a:r>
             <a:endParaRPr lang="en-IN" dirty="0"/>
           </a:p>
@@ -994,7 +1172,7 @@
     </p:spTree>
     <p:extLst>
       <p:ext uri="{BB962C8B-B14F-4D97-AF65-F5344CB8AC3E}">
-        <p14:creationId xmlns:p14="http://schemas.microsoft.com/office/powerpoint/2010/main" val="559406477"/>
+        <p14:creationId xmlns:p14="http://schemas.microsoft.com/office/powerpoint/2010/main" val="1280993261"/>
       </p:ext>
     </p:extLst>
   </p:cSld>
@@ -1050,7 +1228,7 @@
           <a:p>
             <a:r>
               <a:rPr lang="en-US" dirty="0"/>
-              <a:t>Chat-CEO Dashboard : Default last Active Project Chat will Open, For First Time Give Msg open a chat from Project</a:t>
+              <a:t>Chat-Client Dashboard</a:t>
             </a:r>
             <a:endParaRPr lang="en-IN" dirty="0"/>
           </a:p>
@@ -1082,7 +1260,7 @@
     </p:spTree>
     <p:extLst>
       <p:ext uri="{BB962C8B-B14F-4D97-AF65-F5344CB8AC3E}">
-        <p14:creationId xmlns:p14="http://schemas.microsoft.com/office/powerpoint/2010/main" val="616279707"/>
+        <p14:creationId xmlns:p14="http://schemas.microsoft.com/office/powerpoint/2010/main" val="2501550148"/>
       </p:ext>
     </p:extLst>
   </p:cSld>
@@ -1138,7 +1316,7 @@
           <a:p>
             <a:r>
               <a:rPr lang="en-US" dirty="0"/>
-              <a:t>Chat-Employee Dashboard : Default last Active Project Chat will Open, For First Time Give Msg open a chat from Project</a:t>
+              <a:t>Chat-Project Manager Dashboard – 2 : Default last Active Project Chat will Open, For First Time Give Msg open a chat from Project</a:t>
             </a:r>
             <a:endParaRPr lang="en-IN" dirty="0"/>
           </a:p>
@@ -1170,7 +1348,7 @@
     </p:spTree>
     <p:extLst>
       <p:ext uri="{BB962C8B-B14F-4D97-AF65-F5344CB8AC3E}">
-        <p14:creationId xmlns:p14="http://schemas.microsoft.com/office/powerpoint/2010/main" val="1521887151"/>
+        <p14:creationId xmlns:p14="http://schemas.microsoft.com/office/powerpoint/2010/main" val="559406477"/>
       </p:ext>
     </p:extLst>
   </p:cSld>
@@ -1226,7 +1404,7 @@
           <a:p>
             <a:r>
               <a:rPr lang="en-US" dirty="0"/>
-              <a:t>Chat Layout</a:t>
+              <a:t>Chat-CEO Dashboard : Default last Active Project Chat will Open, For First Time Give Msg open a chat from Project</a:t>
             </a:r>
             <a:endParaRPr lang="en-IN" dirty="0"/>
           </a:p>
@@ -1258,7 +1436,7 @@
     </p:spTree>
     <p:extLst>
       <p:ext uri="{BB962C8B-B14F-4D97-AF65-F5344CB8AC3E}">
-        <p14:creationId xmlns:p14="http://schemas.microsoft.com/office/powerpoint/2010/main" val="3712816714"/>
+        <p14:creationId xmlns:p14="http://schemas.microsoft.com/office/powerpoint/2010/main" val="616279707"/>
       </p:ext>
     </p:extLst>
   </p:cSld>
@@ -1314,7 +1492,7 @@
           <a:p>
             <a:r>
               <a:rPr lang="en-US" dirty="0"/>
-              <a:t>Chat Layout</a:t>
+              <a:t>Chat-Employee Dashboard : Default last Active Project Chat will Open, For First Time Give Msg open a chat from Project</a:t>
             </a:r>
             <a:endParaRPr lang="en-IN" dirty="0"/>
           </a:p>
@@ -1346,7 +1524,7 @@
     </p:spTree>
     <p:extLst>
       <p:ext uri="{BB962C8B-B14F-4D97-AF65-F5344CB8AC3E}">
-        <p14:creationId xmlns:p14="http://schemas.microsoft.com/office/powerpoint/2010/main" val="2206234419"/>
+        <p14:creationId xmlns:p14="http://schemas.microsoft.com/office/powerpoint/2010/main" val="1521887151"/>
       </p:ext>
     </p:extLst>
   </p:cSld>
@@ -5287,7 +5465,7 @@
         </p:nvSpPr>
         <p:spPr>
           <a:xfrm>
-            <a:off x="7696200" y="4595961"/>
+            <a:off x="8636476" y="4595961"/>
             <a:ext cx="2382078" cy="400110"/>
           </a:xfrm>
           <a:prstGeom prst="rect">
@@ -5366,7 +5544,7 @@
         </p:nvSpPr>
         <p:spPr>
           <a:xfrm>
-            <a:off x="3965501" y="2186611"/>
+            <a:off x="4905777" y="2186611"/>
             <a:ext cx="1600200" cy="357808"/>
           </a:xfrm>
           <a:prstGeom prst="roundRect">
@@ -5428,7 +5606,7 @@
         </p:nvSpPr>
         <p:spPr>
           <a:xfrm>
-            <a:off x="3974045" y="2670315"/>
+            <a:off x="4914321" y="2670315"/>
             <a:ext cx="1600200" cy="357808"/>
           </a:xfrm>
           <a:prstGeom prst="roundRect">
@@ -5490,7 +5668,7 @@
         </p:nvSpPr>
         <p:spPr>
           <a:xfrm>
-            <a:off x="3982589" y="3154019"/>
+            <a:off x="4922865" y="3154019"/>
             <a:ext cx="1600200" cy="357808"/>
           </a:xfrm>
           <a:prstGeom prst="roundRect">
@@ -5552,7 +5730,7 @@
         </p:nvSpPr>
         <p:spPr>
           <a:xfrm>
-            <a:off x="3991133" y="3637723"/>
+            <a:off x="4931409" y="3637723"/>
             <a:ext cx="1600200" cy="357808"/>
           </a:xfrm>
           <a:prstGeom prst="roundRect">
@@ -5614,7 +5792,7 @@
         </p:nvSpPr>
         <p:spPr>
           <a:xfrm>
-            <a:off x="3999677" y="4121427"/>
+            <a:off x="4939953" y="4121427"/>
             <a:ext cx="1600200" cy="357808"/>
           </a:xfrm>
           <a:prstGeom prst="roundRect">
@@ -5676,7 +5854,7 @@
         </p:nvSpPr>
         <p:spPr>
           <a:xfrm>
-            <a:off x="4008221" y="4605131"/>
+            <a:off x="4948497" y="4605131"/>
             <a:ext cx="1600200" cy="357808"/>
           </a:xfrm>
           <a:prstGeom prst="roundRect">
@@ -5738,7 +5916,7 @@
         </p:nvSpPr>
         <p:spPr>
           <a:xfrm>
-            <a:off x="6087456" y="3644349"/>
+            <a:off x="7027732" y="3644349"/>
             <a:ext cx="1600200" cy="357808"/>
           </a:xfrm>
           <a:prstGeom prst="roundRect">
@@ -5800,7 +5978,7 @@
         </p:nvSpPr>
         <p:spPr>
           <a:xfrm>
-            <a:off x="6096000" y="4128053"/>
+            <a:off x="7036276" y="4128053"/>
             <a:ext cx="1600200" cy="357808"/>
           </a:xfrm>
           <a:prstGeom prst="roundRect">
@@ -5864,7 +6042,7 @@
         </p:nvSpPr>
         <p:spPr>
           <a:xfrm>
-            <a:off x="6078912" y="2186611"/>
+            <a:off x="7019188" y="2186611"/>
             <a:ext cx="1600200" cy="357808"/>
           </a:xfrm>
           <a:prstGeom prst="roundRect">
@@ -5938,7 +6116,7 @@
         </p:nvSpPr>
         <p:spPr>
           <a:xfrm>
-            <a:off x="6087456" y="2670315"/>
+            <a:off x="7027732" y="2670315"/>
             <a:ext cx="1600200" cy="357808"/>
           </a:xfrm>
           <a:prstGeom prst="roundRect">
@@ -6012,7 +6190,7 @@
         </p:nvSpPr>
         <p:spPr>
           <a:xfrm>
-            <a:off x="6096000" y="4611757"/>
+            <a:off x="7036276" y="4611757"/>
             <a:ext cx="1600200" cy="357808"/>
           </a:xfrm>
           <a:prstGeom prst="roundRect">
@@ -6077,7 +6255,7 @@
         </p:nvSpPr>
         <p:spPr>
           <a:xfrm>
-            <a:off x="4126445" y="1569916"/>
+            <a:off x="5066721" y="1569916"/>
             <a:ext cx="1727600" cy="400110"/>
           </a:xfrm>
           <a:prstGeom prst="rect">
@@ -6120,7 +6298,7 @@
         </p:nvSpPr>
         <p:spPr>
           <a:xfrm>
-            <a:off x="7696200" y="2628013"/>
+            <a:off x="8636476" y="2628013"/>
             <a:ext cx="1775791" cy="400110"/>
           </a:xfrm>
           <a:prstGeom prst="rect">
@@ -6163,7 +6341,7 @@
         </p:nvSpPr>
         <p:spPr>
           <a:xfrm>
-            <a:off x="6096000" y="3160645"/>
+            <a:off x="7036276" y="3160645"/>
             <a:ext cx="1600200" cy="357808"/>
           </a:xfrm>
           <a:prstGeom prst="roundRect">
@@ -6220,6 +6398,452 @@
                   <a:lumOff val="25000"/>
                 </a:schemeClr>
               </a:solidFill>
+              <a:latin typeface="Avenir Next LT Pro" panose="020B0504020202020204" pitchFamily="34" charset="0"/>
+            </a:endParaRPr>
+          </a:p>
+        </p:txBody>
+      </p:sp>
+      <p:sp>
+        <p:nvSpPr>
+          <p:cNvPr id="3" name="Rectangle: Rounded Corners 2">
+            <a:extLst>
+              <a:ext uri="{FF2B5EF4-FFF2-40B4-BE49-F238E27FC236}">
+                <a16:creationId xmlns:a16="http://schemas.microsoft.com/office/drawing/2014/main" id="{6BA76861-06A7-8C57-31DF-E6FEE9E25E7C}"/>
+              </a:ext>
+            </a:extLst>
+          </p:cNvPr>
+          <p:cNvSpPr/>
+          <p:nvPr/>
+        </p:nvSpPr>
+        <p:spPr>
+          <a:xfrm>
+            <a:off x="3107273" y="2186611"/>
+            <a:ext cx="1600200" cy="357808"/>
+          </a:xfrm>
+          <a:prstGeom prst="roundRect">
+            <a:avLst>
+              <a:gd name="adj" fmla="val 13889"/>
+            </a:avLst>
+          </a:prstGeom>
+          <a:solidFill>
+            <a:schemeClr val="accent5">
+              <a:lumMod val="50000"/>
+            </a:schemeClr>
+          </a:solidFill>
+          <a:ln>
+            <a:noFill/>
+          </a:ln>
+        </p:spPr>
+        <p:style>
+          <a:lnRef idx="2">
+            <a:schemeClr val="accent1">
+              <a:shade val="15000"/>
+            </a:schemeClr>
+          </a:lnRef>
+          <a:fillRef idx="1">
+            <a:schemeClr val="accent1"/>
+          </a:fillRef>
+          <a:effectRef idx="0">
+            <a:schemeClr val="accent1"/>
+          </a:effectRef>
+          <a:fontRef idx="minor">
+            <a:schemeClr val="lt1"/>
+          </a:fontRef>
+        </p:style>
+        <p:txBody>
+          <a:bodyPr rtlCol="0" anchor="ctr"/>
+          <a:lstStyle/>
+          <a:p>
+            <a:pPr algn="ctr"/>
+            <a:r>
+              <a:rPr lang="en-US" dirty="0">
+                <a:latin typeface="Avenir Next LT Pro" panose="020B0504020202020204" pitchFamily="34" charset="0"/>
+              </a:rPr>
+              <a:t>#1F4E79</a:t>
+            </a:r>
+            <a:endParaRPr lang="en-IN" dirty="0">
+              <a:latin typeface="Avenir Next LT Pro" panose="020B0504020202020204" pitchFamily="34" charset="0"/>
+            </a:endParaRPr>
+          </a:p>
+        </p:txBody>
+      </p:sp>
+      <p:sp>
+        <p:nvSpPr>
+          <p:cNvPr id="13" name="Rectangle: Rounded Corners 12">
+            <a:extLst>
+              <a:ext uri="{FF2B5EF4-FFF2-40B4-BE49-F238E27FC236}">
+                <a16:creationId xmlns:a16="http://schemas.microsoft.com/office/drawing/2014/main" id="{8CE5A7CD-FA75-8574-4FE6-E030E4CF69B7}"/>
+              </a:ext>
+            </a:extLst>
+          </p:cNvPr>
+          <p:cNvSpPr/>
+          <p:nvPr/>
+        </p:nvSpPr>
+        <p:spPr>
+          <a:xfrm>
+            <a:off x="3115817" y="2670315"/>
+            <a:ext cx="1600200" cy="357808"/>
+          </a:xfrm>
+          <a:prstGeom prst="roundRect">
+            <a:avLst>
+              <a:gd name="adj" fmla="val 13889"/>
+            </a:avLst>
+          </a:prstGeom>
+          <a:solidFill>
+            <a:srgbClr val="C00000"/>
+          </a:solidFill>
+          <a:ln>
+            <a:noFill/>
+          </a:ln>
+        </p:spPr>
+        <p:style>
+          <a:lnRef idx="2">
+            <a:schemeClr val="accent1">
+              <a:shade val="15000"/>
+            </a:schemeClr>
+          </a:lnRef>
+          <a:fillRef idx="1">
+            <a:schemeClr val="accent1"/>
+          </a:fillRef>
+          <a:effectRef idx="0">
+            <a:schemeClr val="accent1"/>
+          </a:effectRef>
+          <a:fontRef idx="minor">
+            <a:schemeClr val="lt1"/>
+          </a:fontRef>
+        </p:style>
+        <p:txBody>
+          <a:bodyPr rtlCol="0" anchor="ctr"/>
+          <a:lstStyle/>
+          <a:p>
+            <a:pPr algn="ctr"/>
+            <a:r>
+              <a:rPr lang="en-US" dirty="0">
+                <a:latin typeface="Avenir Next LT Pro" panose="020B0504020202020204" pitchFamily="34" charset="0"/>
+              </a:rPr>
+              <a:t>#C00000</a:t>
+            </a:r>
+            <a:endParaRPr lang="en-IN" dirty="0">
+              <a:latin typeface="Avenir Next LT Pro" panose="020B0504020202020204" pitchFamily="34" charset="0"/>
+            </a:endParaRPr>
+          </a:p>
+        </p:txBody>
+      </p:sp>
+      <p:sp>
+        <p:nvSpPr>
+          <p:cNvPr id="14" name="Rectangle: Rounded Corners 13">
+            <a:extLst>
+              <a:ext uri="{FF2B5EF4-FFF2-40B4-BE49-F238E27FC236}">
+                <a16:creationId xmlns:a16="http://schemas.microsoft.com/office/drawing/2014/main" id="{F32ADA66-DF36-E435-E71C-A693287DE62F}"/>
+              </a:ext>
+            </a:extLst>
+          </p:cNvPr>
+          <p:cNvSpPr/>
+          <p:nvPr/>
+        </p:nvSpPr>
+        <p:spPr>
+          <a:xfrm>
+            <a:off x="3124361" y="3154019"/>
+            <a:ext cx="1600200" cy="357808"/>
+          </a:xfrm>
+          <a:prstGeom prst="roundRect">
+            <a:avLst>
+              <a:gd name="adj" fmla="val 13889"/>
+            </a:avLst>
+          </a:prstGeom>
+          <a:solidFill>
+            <a:schemeClr val="accent1">
+              <a:lumMod val="50000"/>
+            </a:schemeClr>
+          </a:solidFill>
+          <a:ln>
+            <a:noFill/>
+          </a:ln>
+        </p:spPr>
+        <p:style>
+          <a:lnRef idx="2">
+            <a:schemeClr val="accent1">
+              <a:shade val="15000"/>
+            </a:schemeClr>
+          </a:lnRef>
+          <a:fillRef idx="1">
+            <a:schemeClr val="accent1"/>
+          </a:fillRef>
+          <a:effectRef idx="0">
+            <a:schemeClr val="accent1"/>
+          </a:effectRef>
+          <a:fontRef idx="minor">
+            <a:schemeClr val="lt1"/>
+          </a:fontRef>
+        </p:style>
+        <p:txBody>
+          <a:bodyPr rtlCol="0" anchor="ctr"/>
+          <a:lstStyle/>
+          <a:p>
+            <a:pPr algn="ctr"/>
+            <a:r>
+              <a:rPr lang="en-US" dirty="0">
+                <a:latin typeface="Avenir Next LT Pro" panose="020B0504020202020204" pitchFamily="34" charset="0"/>
+              </a:rPr>
+              <a:t>#203864</a:t>
+            </a:r>
+            <a:endParaRPr lang="en-IN" dirty="0">
+              <a:latin typeface="Avenir Next LT Pro" panose="020B0504020202020204" pitchFamily="34" charset="0"/>
+            </a:endParaRPr>
+          </a:p>
+        </p:txBody>
+      </p:sp>
+      <p:sp>
+        <p:nvSpPr>
+          <p:cNvPr id="15" name="Rectangle: Rounded Corners 14">
+            <a:extLst>
+              <a:ext uri="{FF2B5EF4-FFF2-40B4-BE49-F238E27FC236}">
+                <a16:creationId xmlns:a16="http://schemas.microsoft.com/office/drawing/2014/main" id="{8C3843E1-A233-EFA4-6E68-E33B81659237}"/>
+              </a:ext>
+            </a:extLst>
+          </p:cNvPr>
+          <p:cNvSpPr/>
+          <p:nvPr/>
+        </p:nvSpPr>
+        <p:spPr>
+          <a:xfrm>
+            <a:off x="3132905" y="3637723"/>
+            <a:ext cx="1600200" cy="357808"/>
+          </a:xfrm>
+          <a:prstGeom prst="roundRect">
+            <a:avLst>
+              <a:gd name="adj" fmla="val 13889"/>
+            </a:avLst>
+          </a:prstGeom>
+          <a:solidFill>
+            <a:schemeClr val="accent4">
+              <a:lumMod val="50000"/>
+            </a:schemeClr>
+          </a:solidFill>
+          <a:ln>
+            <a:noFill/>
+          </a:ln>
+        </p:spPr>
+        <p:style>
+          <a:lnRef idx="2">
+            <a:schemeClr val="accent1">
+              <a:shade val="15000"/>
+            </a:schemeClr>
+          </a:lnRef>
+          <a:fillRef idx="1">
+            <a:schemeClr val="accent1"/>
+          </a:fillRef>
+          <a:effectRef idx="0">
+            <a:schemeClr val="accent1"/>
+          </a:effectRef>
+          <a:fontRef idx="minor">
+            <a:schemeClr val="lt1"/>
+          </a:fontRef>
+        </p:style>
+        <p:txBody>
+          <a:bodyPr rtlCol="0" anchor="ctr"/>
+          <a:lstStyle/>
+          <a:p>
+            <a:pPr algn="ctr"/>
+            <a:r>
+              <a:rPr lang="en-US" dirty="0">
+                <a:latin typeface="Avenir Next LT Pro" panose="020B0504020202020204" pitchFamily="34" charset="0"/>
+              </a:rPr>
+              <a:t>#7F6000</a:t>
+            </a:r>
+            <a:endParaRPr lang="en-IN" dirty="0">
+              <a:latin typeface="Avenir Next LT Pro" panose="020B0504020202020204" pitchFamily="34" charset="0"/>
+            </a:endParaRPr>
+          </a:p>
+        </p:txBody>
+      </p:sp>
+      <p:sp>
+        <p:nvSpPr>
+          <p:cNvPr id="18" name="Rectangle: Rounded Corners 17">
+            <a:extLst>
+              <a:ext uri="{FF2B5EF4-FFF2-40B4-BE49-F238E27FC236}">
+                <a16:creationId xmlns:a16="http://schemas.microsoft.com/office/drawing/2014/main" id="{E7E7B094-020D-383D-DED1-D9540CBD8628}"/>
+              </a:ext>
+            </a:extLst>
+          </p:cNvPr>
+          <p:cNvSpPr/>
+          <p:nvPr/>
+        </p:nvSpPr>
+        <p:spPr>
+          <a:xfrm>
+            <a:off x="3141449" y="4121427"/>
+            <a:ext cx="1600200" cy="357808"/>
+          </a:xfrm>
+          <a:prstGeom prst="roundRect">
+            <a:avLst>
+              <a:gd name="adj" fmla="val 13889"/>
+            </a:avLst>
+          </a:prstGeom>
+          <a:solidFill>
+            <a:schemeClr val="accent6">
+              <a:lumMod val="50000"/>
+            </a:schemeClr>
+          </a:solidFill>
+          <a:ln>
+            <a:noFill/>
+          </a:ln>
+        </p:spPr>
+        <p:style>
+          <a:lnRef idx="2">
+            <a:schemeClr val="accent1">
+              <a:shade val="15000"/>
+            </a:schemeClr>
+          </a:lnRef>
+          <a:fillRef idx="1">
+            <a:schemeClr val="accent1"/>
+          </a:fillRef>
+          <a:effectRef idx="0">
+            <a:schemeClr val="accent1"/>
+          </a:effectRef>
+          <a:fontRef idx="minor">
+            <a:schemeClr val="lt1"/>
+          </a:fontRef>
+        </p:style>
+        <p:txBody>
+          <a:bodyPr rtlCol="0" anchor="ctr"/>
+          <a:lstStyle/>
+          <a:p>
+            <a:pPr algn="ctr"/>
+            <a:r>
+              <a:rPr lang="en-US" dirty="0">
+                <a:latin typeface="Avenir Next LT Pro" panose="020B0504020202020204" pitchFamily="34" charset="0"/>
+              </a:rPr>
+              <a:t>#385723</a:t>
+            </a:r>
+            <a:endParaRPr lang="en-IN" dirty="0">
+              <a:latin typeface="Avenir Next LT Pro" panose="020B0504020202020204" pitchFamily="34" charset="0"/>
+            </a:endParaRPr>
+          </a:p>
+        </p:txBody>
+      </p:sp>
+      <p:sp>
+        <p:nvSpPr>
+          <p:cNvPr id="19" name="Rectangle: Rounded Corners 18">
+            <a:extLst>
+              <a:ext uri="{FF2B5EF4-FFF2-40B4-BE49-F238E27FC236}">
+                <a16:creationId xmlns:a16="http://schemas.microsoft.com/office/drawing/2014/main" id="{5234FABC-C67A-89D0-BDCC-853D2F7F5FFE}"/>
+              </a:ext>
+            </a:extLst>
+          </p:cNvPr>
+          <p:cNvSpPr/>
+          <p:nvPr/>
+        </p:nvSpPr>
+        <p:spPr>
+          <a:xfrm>
+            <a:off x="3149993" y="4605131"/>
+            <a:ext cx="1600200" cy="357808"/>
+          </a:xfrm>
+          <a:prstGeom prst="roundRect">
+            <a:avLst>
+              <a:gd name="adj" fmla="val 13889"/>
+            </a:avLst>
+          </a:prstGeom>
+          <a:solidFill>
+            <a:schemeClr val="accent2">
+              <a:lumMod val="50000"/>
+            </a:schemeClr>
+          </a:solidFill>
+          <a:ln>
+            <a:noFill/>
+          </a:ln>
+        </p:spPr>
+        <p:style>
+          <a:lnRef idx="2">
+            <a:schemeClr val="accent1">
+              <a:shade val="15000"/>
+            </a:schemeClr>
+          </a:lnRef>
+          <a:fillRef idx="1">
+            <a:schemeClr val="accent1"/>
+          </a:fillRef>
+          <a:effectRef idx="0">
+            <a:schemeClr val="accent1"/>
+          </a:effectRef>
+          <a:fontRef idx="minor">
+            <a:schemeClr val="lt1"/>
+          </a:fontRef>
+        </p:style>
+        <p:txBody>
+          <a:bodyPr rtlCol="0" anchor="ctr"/>
+          <a:lstStyle/>
+          <a:p>
+            <a:pPr algn="ctr"/>
+            <a:r>
+              <a:rPr lang="en-US" dirty="0">
+                <a:latin typeface="Avenir Next LT Pro" panose="020B0504020202020204" pitchFamily="34" charset="0"/>
+              </a:rPr>
+              <a:t>#843C0C</a:t>
+            </a:r>
+            <a:endParaRPr lang="en-IN" dirty="0">
+              <a:latin typeface="Avenir Next LT Pro" panose="020B0504020202020204" pitchFamily="34" charset="0"/>
+            </a:endParaRPr>
+          </a:p>
+        </p:txBody>
+      </p:sp>
+      <p:sp>
+        <p:nvSpPr>
+          <p:cNvPr id="20" name="Rectangle: Rounded Corners 19">
+            <a:extLst>
+              <a:ext uri="{FF2B5EF4-FFF2-40B4-BE49-F238E27FC236}">
+                <a16:creationId xmlns:a16="http://schemas.microsoft.com/office/drawing/2014/main" id="{D7B5B5BE-5844-B200-BAB0-0EE33F695F63}"/>
+              </a:ext>
+            </a:extLst>
+          </p:cNvPr>
+          <p:cNvSpPr/>
+          <p:nvPr/>
+        </p:nvSpPr>
+        <p:spPr>
+          <a:xfrm>
+            <a:off x="7036276" y="5086168"/>
+            <a:ext cx="1600200" cy="357808"/>
+          </a:xfrm>
+          <a:prstGeom prst="roundRect">
+            <a:avLst>
+              <a:gd name="adj" fmla="val 13889"/>
+            </a:avLst>
+          </a:prstGeom>
+          <a:solidFill>
+            <a:schemeClr val="tx2">
+              <a:lumMod val="50000"/>
+            </a:schemeClr>
+          </a:solidFill>
+          <a:ln>
+            <a:noFill/>
+          </a:ln>
+        </p:spPr>
+        <p:style>
+          <a:lnRef idx="2">
+            <a:schemeClr val="accent1">
+              <a:shade val="15000"/>
+            </a:schemeClr>
+          </a:lnRef>
+          <a:fillRef idx="1">
+            <a:schemeClr val="accent1"/>
+          </a:fillRef>
+          <a:effectRef idx="0">
+            <a:schemeClr val="accent1"/>
+          </a:effectRef>
+          <a:fontRef idx="minor">
+            <a:schemeClr val="lt1"/>
+          </a:fontRef>
+        </p:style>
+        <p:txBody>
+          <a:bodyPr rtlCol="0" anchor="ctr"/>
+          <a:lstStyle/>
+          <a:p>
+            <a:pPr algn="ctr"/>
+            <a:r>
+              <a:rPr lang="en-US" dirty="0">
+                <a:latin typeface="Avenir Next LT Pro" panose="020B0504020202020204" pitchFamily="34" charset="0"/>
+              </a:rPr>
+              <a:t>#404040</a:t>
+            </a:r>
+            <a:endParaRPr lang="en-IN" dirty="0">
               <a:latin typeface="Avenir Next LT Pro" panose="020B0504020202020204" pitchFamily="34" charset="0"/>
             </a:endParaRPr>
           </a:p>
@@ -6371,6 +6995,552 @@
           </a:prstGeom>
           <a:solidFill>
             <a:schemeClr val="bg1">
+              <a:lumMod val="85000"/>
+            </a:schemeClr>
+          </a:solidFill>
+          <a:ln>
+            <a:noFill/>
+          </a:ln>
+        </p:spPr>
+        <p:style>
+          <a:lnRef idx="2">
+            <a:schemeClr val="accent1">
+              <a:shade val="15000"/>
+            </a:schemeClr>
+          </a:lnRef>
+          <a:fillRef idx="1">
+            <a:schemeClr val="accent1"/>
+          </a:fillRef>
+          <a:effectRef idx="0">
+            <a:schemeClr val="accent1"/>
+          </a:effectRef>
+          <a:fontRef idx="minor">
+            <a:schemeClr val="lt1"/>
+          </a:fontRef>
+        </p:style>
+        <p:txBody>
+          <a:bodyPr rtlCol="0" anchor="ctr"/>
+          <a:lstStyle/>
+          <a:p>
+            <a:pPr algn="ctr"/>
+            <a:r>
+              <a:rPr lang="en-US" sz="1200" b="1" dirty="0">
+                <a:solidFill>
+                  <a:schemeClr val="tx1"/>
+                </a:solidFill>
+                <a:latin typeface="Avenir Next LT Pro" panose="020B0504020202020204" pitchFamily="34" charset="0"/>
+              </a:rPr>
+              <a:t>Side Nav</a:t>
+            </a:r>
+            <a:endParaRPr lang="en-IN" sz="1200" b="1" dirty="0">
+              <a:solidFill>
+                <a:schemeClr val="tx1"/>
+              </a:solidFill>
+              <a:latin typeface="Avenir Next LT Pro" panose="020B0504020202020204" pitchFamily="34" charset="0"/>
+            </a:endParaRPr>
+          </a:p>
+        </p:txBody>
+      </p:sp>
+      <p:sp>
+        <p:nvSpPr>
+          <p:cNvPr id="3" name="Rectangle 2">
+            <a:extLst>
+              <a:ext uri="{FF2B5EF4-FFF2-40B4-BE49-F238E27FC236}">
+                <a16:creationId xmlns:a16="http://schemas.microsoft.com/office/drawing/2014/main" id="{AF6568F0-4396-E509-39E7-DB8DA785C4A9}"/>
+              </a:ext>
+            </a:extLst>
+          </p:cNvPr>
+          <p:cNvSpPr/>
+          <p:nvPr/>
+        </p:nvSpPr>
+        <p:spPr>
+          <a:xfrm>
+            <a:off x="7732643" y="0"/>
+            <a:ext cx="4459358" cy="6858000"/>
+          </a:xfrm>
+          <a:prstGeom prst="rect">
+            <a:avLst/>
+          </a:prstGeom>
+          <a:solidFill>
+            <a:schemeClr val="accent5">
+              <a:lumMod val="20000"/>
+              <a:lumOff val="80000"/>
+            </a:schemeClr>
+          </a:solidFill>
+          <a:ln>
+            <a:noFill/>
+          </a:ln>
+        </p:spPr>
+        <p:style>
+          <a:lnRef idx="2">
+            <a:schemeClr val="accent1">
+              <a:shade val="15000"/>
+            </a:schemeClr>
+          </a:lnRef>
+          <a:fillRef idx="1">
+            <a:schemeClr val="accent1"/>
+          </a:fillRef>
+          <a:effectRef idx="0">
+            <a:schemeClr val="accent1"/>
+          </a:effectRef>
+          <a:fontRef idx="minor">
+            <a:schemeClr val="lt1"/>
+          </a:fontRef>
+        </p:style>
+        <p:txBody>
+          <a:bodyPr rtlCol="0" anchor="ctr"/>
+          <a:lstStyle/>
+          <a:p>
+            <a:pPr algn="ctr"/>
+            <a:r>
+              <a:rPr lang="en-US" sz="1200" b="1" dirty="0">
+                <a:solidFill>
+                  <a:schemeClr val="tx1"/>
+                </a:solidFill>
+                <a:latin typeface="Avenir Next LT Pro" panose="020B0504020202020204" pitchFamily="34" charset="0"/>
+              </a:rPr>
+              <a:t>Chat-Section</a:t>
+            </a:r>
+            <a:endParaRPr lang="en-IN" sz="1200" b="1" dirty="0">
+              <a:solidFill>
+                <a:schemeClr val="tx1"/>
+              </a:solidFill>
+              <a:latin typeface="Avenir Next LT Pro" panose="020B0504020202020204" pitchFamily="34" charset="0"/>
+            </a:endParaRPr>
+          </a:p>
+        </p:txBody>
+      </p:sp>
+      <p:sp>
+        <p:nvSpPr>
+          <p:cNvPr id="4" name="Rectangle 3">
+            <a:extLst>
+              <a:ext uri="{FF2B5EF4-FFF2-40B4-BE49-F238E27FC236}">
+                <a16:creationId xmlns:a16="http://schemas.microsoft.com/office/drawing/2014/main" id="{CC822EE7-FB44-3868-2CE2-3127AEE239CA}"/>
+              </a:ext>
+            </a:extLst>
+          </p:cNvPr>
+          <p:cNvSpPr/>
+          <p:nvPr/>
+        </p:nvSpPr>
+        <p:spPr>
+          <a:xfrm>
+            <a:off x="0" y="0"/>
+            <a:ext cx="12192000" cy="367748"/>
+          </a:xfrm>
+          <a:prstGeom prst="rect">
+            <a:avLst/>
+          </a:prstGeom>
+          <a:solidFill>
+            <a:schemeClr val="accent6">
+              <a:lumMod val="20000"/>
+              <a:lumOff val="80000"/>
+            </a:schemeClr>
+          </a:solidFill>
+          <a:ln>
+            <a:noFill/>
+          </a:ln>
+        </p:spPr>
+        <p:style>
+          <a:lnRef idx="2">
+            <a:schemeClr val="accent1">
+              <a:shade val="15000"/>
+            </a:schemeClr>
+          </a:lnRef>
+          <a:fillRef idx="1">
+            <a:schemeClr val="accent1"/>
+          </a:fillRef>
+          <a:effectRef idx="0">
+            <a:schemeClr val="accent1"/>
+          </a:effectRef>
+          <a:fontRef idx="minor">
+            <a:schemeClr val="lt1"/>
+          </a:fontRef>
+        </p:style>
+        <p:txBody>
+          <a:bodyPr rtlCol="0" anchor="ctr"/>
+          <a:lstStyle/>
+          <a:p>
+            <a:pPr algn="ctr"/>
+            <a:r>
+              <a:rPr lang="en-US" sz="1200" b="1" dirty="0">
+                <a:solidFill>
+                  <a:schemeClr val="tx1">
+                    <a:lumMod val="75000"/>
+                    <a:lumOff val="25000"/>
+                  </a:schemeClr>
+                </a:solidFill>
+                <a:latin typeface="Avenir Next LT Pro" panose="020B0504020202020204" pitchFamily="34" charset="0"/>
+              </a:rPr>
+              <a:t>Nav - Bar  (Ribbon)</a:t>
+            </a:r>
+            <a:endParaRPr lang="en-IN" sz="1200" b="1" dirty="0">
+              <a:solidFill>
+                <a:schemeClr val="tx1">
+                  <a:lumMod val="75000"/>
+                  <a:lumOff val="25000"/>
+                </a:schemeClr>
+              </a:solidFill>
+              <a:latin typeface="Avenir Next LT Pro" panose="020B0504020202020204" pitchFamily="34" charset="0"/>
+            </a:endParaRPr>
+          </a:p>
+        </p:txBody>
+      </p:sp>
+      <p:sp>
+        <p:nvSpPr>
+          <p:cNvPr id="5" name="TextBox 4">
+            <a:extLst>
+              <a:ext uri="{FF2B5EF4-FFF2-40B4-BE49-F238E27FC236}">
+                <a16:creationId xmlns:a16="http://schemas.microsoft.com/office/drawing/2014/main" id="{ACD2B91E-8B5D-5BF9-0E32-0198E8AD907C}"/>
+              </a:ext>
+            </a:extLst>
+          </p:cNvPr>
+          <p:cNvSpPr txBox="1"/>
+          <p:nvPr/>
+        </p:nvSpPr>
+        <p:spPr>
+          <a:xfrm>
+            <a:off x="4705032" y="3012709"/>
+            <a:ext cx="2242522" cy="1200329"/>
+          </a:xfrm>
+          <a:prstGeom prst="rect">
+            <a:avLst/>
+          </a:prstGeom>
+          <a:noFill/>
+        </p:spPr>
+        <p:txBody>
+          <a:bodyPr wrap="square" rtlCol="0">
+            <a:spAutoFit/>
+          </a:bodyPr>
+          <a:lstStyle/>
+          <a:p>
+            <a:r>
+              <a:rPr lang="en-US" sz="1200" b="1" dirty="0">
+                <a:latin typeface="Avenir Next LT Pro" panose="020B0504020202020204" pitchFamily="34" charset="0"/>
+              </a:rPr>
+              <a:t>Important Information Related to that chat </a:t>
+            </a:r>
+          </a:p>
+          <a:p>
+            <a:endParaRPr lang="en-US" sz="1200" b="1" dirty="0">
+              <a:latin typeface="Avenir Next LT Pro" panose="020B0504020202020204" pitchFamily="34" charset="0"/>
+            </a:endParaRPr>
+          </a:p>
+          <a:p>
+            <a:r>
+              <a:rPr lang="en-US" sz="1200" b="1" dirty="0">
+                <a:latin typeface="Avenir Next LT Pro" panose="020B0504020202020204" pitchFamily="34" charset="0"/>
+              </a:rPr>
+              <a:t>Like : Tagged items, Documents, Tasks and its Status</a:t>
+            </a:r>
+            <a:endParaRPr lang="en-IN" sz="1200" b="1" dirty="0">
+              <a:latin typeface="Avenir Next LT Pro" panose="020B0504020202020204" pitchFamily="34" charset="0"/>
+            </a:endParaRPr>
+          </a:p>
+        </p:txBody>
+      </p:sp>
+      <p:sp>
+        <p:nvSpPr>
+          <p:cNvPr id="6" name="Rectangle 5">
+            <a:extLst>
+              <a:ext uri="{FF2B5EF4-FFF2-40B4-BE49-F238E27FC236}">
+                <a16:creationId xmlns:a16="http://schemas.microsoft.com/office/drawing/2014/main" id="{9C9F684B-90AE-3101-68AF-613CABF44816}"/>
+              </a:ext>
+            </a:extLst>
+          </p:cNvPr>
+          <p:cNvSpPr/>
+          <p:nvPr/>
+        </p:nvSpPr>
+        <p:spPr>
+          <a:xfrm>
+            <a:off x="3578087" y="367748"/>
+            <a:ext cx="4154556" cy="367748"/>
+          </a:xfrm>
+          <a:prstGeom prst="rect">
+            <a:avLst/>
+          </a:prstGeom>
+          <a:solidFill>
+            <a:schemeClr val="accent2">
+              <a:lumMod val="20000"/>
+              <a:lumOff val="80000"/>
+            </a:schemeClr>
+          </a:solidFill>
+          <a:ln>
+            <a:noFill/>
+          </a:ln>
+        </p:spPr>
+        <p:style>
+          <a:lnRef idx="2">
+            <a:schemeClr val="accent1">
+              <a:shade val="15000"/>
+            </a:schemeClr>
+          </a:lnRef>
+          <a:fillRef idx="1">
+            <a:schemeClr val="accent1"/>
+          </a:fillRef>
+          <a:effectRef idx="0">
+            <a:schemeClr val="accent1"/>
+          </a:effectRef>
+          <a:fontRef idx="minor">
+            <a:schemeClr val="lt1"/>
+          </a:fontRef>
+        </p:style>
+        <p:txBody>
+          <a:bodyPr rtlCol="0" anchor="ctr"/>
+          <a:lstStyle/>
+          <a:p>
+            <a:pPr algn="ctr"/>
+            <a:r>
+              <a:rPr lang="en-US" sz="1200" b="1" dirty="0">
+                <a:solidFill>
+                  <a:schemeClr val="tx1">
+                    <a:lumMod val="75000"/>
+                    <a:lumOff val="25000"/>
+                  </a:schemeClr>
+                </a:solidFill>
+                <a:latin typeface="Avenir Next LT Pro" panose="020B0504020202020204" pitchFamily="34" charset="0"/>
+              </a:rPr>
+              <a:t>Project Manager Ribbon</a:t>
+            </a:r>
+            <a:endParaRPr lang="en-IN" sz="1200" b="1" dirty="0">
+              <a:solidFill>
+                <a:schemeClr val="tx1">
+                  <a:lumMod val="75000"/>
+                  <a:lumOff val="25000"/>
+                </a:schemeClr>
+              </a:solidFill>
+              <a:latin typeface="Avenir Next LT Pro" panose="020B0504020202020204" pitchFamily="34" charset="0"/>
+            </a:endParaRPr>
+          </a:p>
+        </p:txBody>
+      </p:sp>
+      <p:sp>
+        <p:nvSpPr>
+          <p:cNvPr id="7" name="Rectangle 6">
+            <a:extLst>
+              <a:ext uri="{FF2B5EF4-FFF2-40B4-BE49-F238E27FC236}">
+                <a16:creationId xmlns:a16="http://schemas.microsoft.com/office/drawing/2014/main" id="{4C3B1772-382D-5193-5DF9-4E7341DBD16A}"/>
+              </a:ext>
+            </a:extLst>
+          </p:cNvPr>
+          <p:cNvSpPr/>
+          <p:nvPr/>
+        </p:nvSpPr>
+        <p:spPr>
+          <a:xfrm>
+            <a:off x="1789043" y="367748"/>
+            <a:ext cx="1789044" cy="6490252"/>
+          </a:xfrm>
+          <a:prstGeom prst="rect">
+            <a:avLst/>
+          </a:prstGeom>
+          <a:solidFill>
+            <a:schemeClr val="accent2">
+              <a:lumMod val="40000"/>
+              <a:lumOff val="60000"/>
+            </a:schemeClr>
+          </a:solidFill>
+          <a:ln>
+            <a:noFill/>
+          </a:ln>
+        </p:spPr>
+        <p:style>
+          <a:lnRef idx="2">
+            <a:schemeClr val="accent1">
+              <a:shade val="15000"/>
+            </a:schemeClr>
+          </a:lnRef>
+          <a:fillRef idx="1">
+            <a:schemeClr val="accent1"/>
+          </a:fillRef>
+          <a:effectRef idx="0">
+            <a:schemeClr val="accent1"/>
+          </a:effectRef>
+          <a:fontRef idx="minor">
+            <a:schemeClr val="lt1"/>
+          </a:fontRef>
+        </p:style>
+        <p:txBody>
+          <a:bodyPr rtlCol="0" anchor="ctr"/>
+          <a:lstStyle/>
+          <a:p>
+            <a:pPr algn="ctr"/>
+            <a:r>
+              <a:rPr lang="en-US" sz="1200" b="1" dirty="0">
+                <a:solidFill>
+                  <a:schemeClr val="tx1"/>
+                </a:solidFill>
+                <a:latin typeface="Avenir Next LT Pro" panose="020B0504020202020204" pitchFamily="34" charset="0"/>
+              </a:rPr>
+              <a:t>Individuals,</a:t>
+            </a:r>
+          </a:p>
+          <a:p>
+            <a:pPr algn="ctr"/>
+            <a:r>
+              <a:rPr lang="en-US" sz="1200" b="1" dirty="0">
+                <a:solidFill>
+                  <a:schemeClr val="tx1"/>
+                </a:solidFill>
+                <a:latin typeface="Avenir Next LT Pro" panose="020B0504020202020204" pitchFamily="34" charset="0"/>
+              </a:rPr>
+              <a:t>Team Leaders,</a:t>
+            </a:r>
+          </a:p>
+          <a:p>
+            <a:pPr algn="ctr"/>
+            <a:r>
+              <a:rPr lang="en-US" sz="1200" b="1" dirty="0">
+                <a:solidFill>
+                  <a:schemeClr val="tx1"/>
+                </a:solidFill>
+                <a:latin typeface="Avenir Next LT Pro" panose="020B0504020202020204" pitchFamily="34" charset="0"/>
+              </a:rPr>
+              <a:t>Teams</a:t>
+            </a:r>
+            <a:endParaRPr lang="en-IN" sz="1200" b="1" dirty="0">
+              <a:solidFill>
+                <a:schemeClr val="tx1"/>
+              </a:solidFill>
+              <a:latin typeface="Avenir Next LT Pro" panose="020B0504020202020204" pitchFamily="34" charset="0"/>
+            </a:endParaRPr>
+          </a:p>
+        </p:txBody>
+      </p:sp>
+      <p:sp>
+        <p:nvSpPr>
+          <p:cNvPr id="8" name="Rectangle 7">
+            <a:extLst>
+              <a:ext uri="{FF2B5EF4-FFF2-40B4-BE49-F238E27FC236}">
+                <a16:creationId xmlns:a16="http://schemas.microsoft.com/office/drawing/2014/main" id="{5B718F2A-5548-69C5-6EC5-44F7A7FB5232}"/>
+              </a:ext>
+            </a:extLst>
+          </p:cNvPr>
+          <p:cNvSpPr/>
+          <p:nvPr/>
+        </p:nvSpPr>
+        <p:spPr>
+          <a:xfrm>
+            <a:off x="1789043" y="367748"/>
+            <a:ext cx="1789043" cy="367748"/>
+          </a:xfrm>
+          <a:prstGeom prst="rect">
+            <a:avLst/>
+          </a:prstGeom>
+          <a:solidFill>
+            <a:schemeClr val="accent6">
+              <a:lumMod val="40000"/>
+              <a:lumOff val="60000"/>
+            </a:schemeClr>
+          </a:solidFill>
+          <a:ln>
+            <a:noFill/>
+          </a:ln>
+        </p:spPr>
+        <p:style>
+          <a:lnRef idx="2">
+            <a:schemeClr val="accent1">
+              <a:shade val="15000"/>
+            </a:schemeClr>
+          </a:lnRef>
+          <a:fillRef idx="1">
+            <a:schemeClr val="accent1"/>
+          </a:fillRef>
+          <a:effectRef idx="0">
+            <a:schemeClr val="accent1"/>
+          </a:effectRef>
+          <a:fontRef idx="minor">
+            <a:schemeClr val="lt1"/>
+          </a:fontRef>
+        </p:style>
+        <p:txBody>
+          <a:bodyPr rtlCol="0" anchor="ctr"/>
+          <a:lstStyle/>
+          <a:p>
+            <a:pPr algn="ctr"/>
+            <a:r>
+              <a:rPr lang="en-US" sz="1200" b="1" dirty="0">
+                <a:solidFill>
+                  <a:schemeClr val="tx1">
+                    <a:lumMod val="75000"/>
+                    <a:lumOff val="25000"/>
+                  </a:schemeClr>
+                </a:solidFill>
+                <a:latin typeface="Avenir Next LT Pro" panose="020B0504020202020204" pitchFamily="34" charset="0"/>
+              </a:rPr>
+              <a:t>Changing Ribbon</a:t>
+            </a:r>
+            <a:endParaRPr lang="en-IN" sz="1200" b="1" dirty="0">
+              <a:solidFill>
+                <a:schemeClr val="tx1">
+                  <a:lumMod val="75000"/>
+                  <a:lumOff val="25000"/>
+                </a:schemeClr>
+              </a:solidFill>
+              <a:latin typeface="Avenir Next LT Pro" panose="020B0504020202020204" pitchFamily="34" charset="0"/>
+            </a:endParaRPr>
+          </a:p>
+        </p:txBody>
+      </p:sp>
+    </p:spTree>
+    <p:extLst>
+      <p:ext uri="{BB962C8B-B14F-4D97-AF65-F5344CB8AC3E}">
+        <p14:creationId xmlns:p14="http://schemas.microsoft.com/office/powerpoint/2010/main" val="3906049384"/>
+      </p:ext>
+    </p:extLst>
+  </p:cSld>
+  <p:clrMapOvr>
+    <a:masterClrMapping/>
+  </p:clrMapOvr>
+</p:sld>
+</file>
+
+<file path=ppt/slides/slide11.xml><?xml version="1.0" encoding="utf-8"?>
+<p:sld xmlns:a="http://schemas.openxmlformats.org/drawingml/2006/main" xmlns:r="http://schemas.openxmlformats.org/officeDocument/2006/relationships" xmlns:p="http://schemas.openxmlformats.org/presentationml/2006/main">
+  <p:cSld>
+    <p:bg>
+      <p:bgPr>
+        <a:solidFill>
+          <a:srgbClr val="F7F7F7"/>
+        </a:solidFill>
+        <a:effectLst/>
+      </p:bgPr>
+    </p:bg>
+    <p:spTree>
+      <p:nvGrpSpPr>
+        <p:cNvPr id="1" name=""/>
+        <p:cNvGrpSpPr/>
+        <p:nvPr/>
+      </p:nvGrpSpPr>
+      <p:grpSpPr>
+        <a:xfrm>
+          <a:off x="0" y="0"/>
+          <a:ext cx="0" cy="0"/>
+          <a:chOff x="0" y="0"/>
+          <a:chExt cx="0" cy="0"/>
+        </a:xfrm>
+      </p:grpSpPr>
+      <p:sp>
+        <p:nvSpPr>
+          <p:cNvPr id="2" name="Rectangle 1">
+            <a:extLst>
+              <a:ext uri="{FF2B5EF4-FFF2-40B4-BE49-F238E27FC236}">
+                <a16:creationId xmlns:a16="http://schemas.microsoft.com/office/drawing/2014/main" id="{0468BE06-8A41-9FB5-5E43-9F36BDFF9D2F}"/>
+              </a:ext>
+            </a:extLst>
+          </p:cNvPr>
+          <p:cNvSpPr/>
+          <p:nvPr/>
+        </p:nvSpPr>
+        <p:spPr>
+          <a:xfrm>
+            <a:off x="0" y="367748"/>
+            <a:ext cx="1789044" cy="6490252"/>
+          </a:xfrm>
+          <a:prstGeom prst="rect">
+            <a:avLst/>
+          </a:prstGeom>
+          <a:solidFill>
+            <a:schemeClr val="bg1">
               <a:lumMod val="95000"/>
             </a:schemeClr>
           </a:solidFill>
@@ -6562,7 +7732,7 @@
         <p:spPr>
           <a:xfrm>
             <a:off x="2059803" y="757596"/>
-            <a:ext cx="5123422" cy="1569660"/>
+            <a:ext cx="5123422" cy="1384995"/>
           </a:xfrm>
           <a:prstGeom prst="rect">
             <a:avLst/>
@@ -6587,73 +7757,59 @@
               <a:rPr lang="en-US" sz="1200" dirty="0">
                 <a:latin typeface="Avenir Next LT Pro" panose="020B0504020202020204" pitchFamily="34" charset="0"/>
               </a:rPr>
-              <a:t>Doc can be </a:t>
+              <a:t>Background will same for all chats</a:t>
+            </a:r>
+          </a:p>
+          <a:p>
+            <a:r>
+              <a:rPr lang="en-US" sz="1200" dirty="0">
+                <a:latin typeface="Avenir Next LT Pro" panose="020B0504020202020204" pitchFamily="34" charset="0"/>
+              </a:rPr>
+              <a:t>Border Color :</a:t>
             </a:r>
           </a:p>
           <a:p>
             <a:pPr marL="228600" indent="-228600">
+              <a:buFont typeface="+mj-lt"/>
               <a:buAutoNum type="arabicPeriod"/>
             </a:pPr>
             <a:r>
               <a:rPr lang="en-US" sz="1200" dirty="0">
                 <a:latin typeface="Avenir Next LT Pro" panose="020B0504020202020204" pitchFamily="34" charset="0"/>
               </a:rPr>
-              <a:t>PDF </a:t>
+              <a:t>CEO : Sky-Blue</a:t>
             </a:r>
           </a:p>
           <a:p>
             <a:pPr marL="228600" indent="-228600">
+              <a:buFont typeface="+mj-lt"/>
               <a:buAutoNum type="arabicPeriod"/>
             </a:pPr>
             <a:r>
               <a:rPr lang="en-US" sz="1200" dirty="0">
                 <a:latin typeface="Avenir Next LT Pro" panose="020B0504020202020204" pitchFamily="34" charset="0"/>
               </a:rPr>
-              <a:t>Word file</a:t>
+              <a:t>Client : Dark Gray</a:t>
             </a:r>
           </a:p>
           <a:p>
             <a:pPr marL="228600" indent="-228600">
+              <a:buFont typeface="+mj-lt"/>
               <a:buAutoNum type="arabicPeriod"/>
             </a:pPr>
             <a:r>
               <a:rPr lang="en-US" sz="1200" dirty="0">
                 <a:latin typeface="Avenir Next LT Pro" panose="020B0504020202020204" pitchFamily="34" charset="0"/>
               </a:rPr>
-              <a:t>Excel File</a:t>
-            </a:r>
-          </a:p>
-          <a:p>
-            <a:pPr marL="228600" indent="-228600">
-              <a:buAutoNum type="arabicPeriod"/>
-            </a:pPr>
+              <a:t>PM : Greenish </a:t>
+            </a:r>
+          </a:p>
+          <a:p>
             <a:r>
               <a:rPr lang="en-US" sz="1200" dirty="0">
                 <a:latin typeface="Avenir Next LT Pro" panose="020B0504020202020204" pitchFamily="34" charset="0"/>
               </a:rPr>
-              <a:t>PPT</a:t>
-            </a:r>
-          </a:p>
-          <a:p>
-            <a:pPr marL="228600" indent="-228600">
-              <a:buAutoNum type="arabicPeriod"/>
-            </a:pPr>
-            <a:r>
-              <a:rPr lang="en-US" sz="1200" dirty="0">
-                <a:latin typeface="Avenir Next LT Pro" panose="020B0504020202020204" pitchFamily="34" charset="0"/>
-              </a:rPr>
-              <a:t>Image</a:t>
-            </a:r>
-          </a:p>
-          <a:p>
-            <a:pPr marL="228600" indent="-228600">
-              <a:buAutoNum type="arabicPeriod"/>
-            </a:pPr>
-            <a:r>
-              <a:rPr lang="en-US" sz="1200" dirty="0">
-                <a:latin typeface="Avenir Next LT Pro" panose="020B0504020202020204" pitchFamily="34" charset="0"/>
-              </a:rPr>
-              <a:t>Collection of image</a:t>
+              <a:t> </a:t>
             </a:r>
             <a:endParaRPr lang="en-IN" sz="1200" dirty="0">
               <a:latin typeface="Avenir Next LT Pro" panose="020B0504020202020204" pitchFamily="34" charset="0"/>
@@ -6721,6 +7877,1340 @@
       </p:sp>
       <p:sp>
         <p:nvSpPr>
+          <p:cNvPr id="7" name="Speech Bubble: Rectangle with Corners Rounded 6">
+            <a:extLst>
+              <a:ext uri="{FF2B5EF4-FFF2-40B4-BE49-F238E27FC236}">
+                <a16:creationId xmlns:a16="http://schemas.microsoft.com/office/drawing/2014/main" id="{77391541-9398-B1F2-B128-2D33220761BE}"/>
+              </a:ext>
+            </a:extLst>
+          </p:cNvPr>
+          <p:cNvSpPr/>
+          <p:nvPr/>
+        </p:nvSpPr>
+        <p:spPr>
+          <a:xfrm rot="5400000">
+            <a:off x="9105286" y="922824"/>
+            <a:ext cx="1265250" cy="3469018"/>
+          </a:xfrm>
+          <a:prstGeom prst="wedgeRoundRectCallout">
+            <a:avLst>
+              <a:gd name="adj1" fmla="val -16600"/>
+              <a:gd name="adj2" fmla="val 47872"/>
+              <a:gd name="adj3" fmla="val 16667"/>
+            </a:avLst>
+          </a:prstGeom>
+          <a:solidFill>
+            <a:schemeClr val="bg1">
+              <a:lumMod val="95000"/>
+            </a:schemeClr>
+          </a:solidFill>
+          <a:ln>
+            <a:noFill/>
+          </a:ln>
+        </p:spPr>
+        <p:style>
+          <a:lnRef idx="2">
+            <a:schemeClr val="accent1">
+              <a:shade val="15000"/>
+            </a:schemeClr>
+          </a:lnRef>
+          <a:fillRef idx="1">
+            <a:schemeClr val="accent1"/>
+          </a:fillRef>
+          <a:effectRef idx="0">
+            <a:schemeClr val="accent1"/>
+          </a:effectRef>
+          <a:fontRef idx="minor">
+            <a:schemeClr val="lt1"/>
+          </a:fontRef>
+        </p:style>
+        <p:txBody>
+          <a:bodyPr rtlCol="0" anchor="ctr"/>
+          <a:lstStyle/>
+          <a:p>
+            <a:pPr algn="ctr"/>
+            <a:endParaRPr lang="en-IN" dirty="0"/>
+          </a:p>
+        </p:txBody>
+      </p:sp>
+      <p:sp>
+        <p:nvSpPr>
+          <p:cNvPr id="9" name="Speech Bubble: Rectangle with Corners Rounded 8">
+            <a:extLst>
+              <a:ext uri="{FF2B5EF4-FFF2-40B4-BE49-F238E27FC236}">
+                <a16:creationId xmlns:a16="http://schemas.microsoft.com/office/drawing/2014/main" id="{DFDFF29D-5DD6-E7B0-4C5C-67C55A41E3FA}"/>
+              </a:ext>
+            </a:extLst>
+          </p:cNvPr>
+          <p:cNvSpPr/>
+          <p:nvPr/>
+        </p:nvSpPr>
+        <p:spPr>
+          <a:xfrm rot="16200000" flipH="1">
+            <a:off x="9701872" y="2137747"/>
+            <a:ext cx="904772" cy="3469018"/>
+          </a:xfrm>
+          <a:prstGeom prst="wedgeRoundRectCallout">
+            <a:avLst>
+              <a:gd name="adj1" fmla="val -29103"/>
+              <a:gd name="adj2" fmla="val 56568"/>
+              <a:gd name="adj3" fmla="val 16667"/>
+            </a:avLst>
+          </a:prstGeom>
+          <a:solidFill>
+            <a:schemeClr val="accent2">
+              <a:lumMod val="20000"/>
+              <a:lumOff val="80000"/>
+            </a:schemeClr>
+          </a:solidFill>
+          <a:ln>
+            <a:noFill/>
+          </a:ln>
+        </p:spPr>
+        <p:style>
+          <a:lnRef idx="2">
+            <a:schemeClr val="accent1">
+              <a:shade val="15000"/>
+            </a:schemeClr>
+          </a:lnRef>
+          <a:fillRef idx="1">
+            <a:schemeClr val="accent1"/>
+          </a:fillRef>
+          <a:effectRef idx="0">
+            <a:schemeClr val="accent1"/>
+          </a:effectRef>
+          <a:fontRef idx="minor">
+            <a:schemeClr val="lt1"/>
+          </a:fontRef>
+        </p:style>
+        <p:txBody>
+          <a:bodyPr rtlCol="0" anchor="ctr"/>
+          <a:lstStyle/>
+          <a:p>
+            <a:pPr algn="ctr"/>
+            <a:endParaRPr lang="en-IN" dirty="0"/>
+          </a:p>
+        </p:txBody>
+      </p:sp>
+      <p:sp>
+        <p:nvSpPr>
+          <p:cNvPr id="10" name="Speech Bubble: Rectangle with Corners Rounded 9">
+            <a:extLst>
+              <a:ext uri="{FF2B5EF4-FFF2-40B4-BE49-F238E27FC236}">
+                <a16:creationId xmlns:a16="http://schemas.microsoft.com/office/drawing/2014/main" id="{CF8ABF2B-0E5F-3D69-287A-BC46CA6AD1E6}"/>
+              </a:ext>
+            </a:extLst>
+          </p:cNvPr>
+          <p:cNvSpPr/>
+          <p:nvPr/>
+        </p:nvSpPr>
+        <p:spPr>
+          <a:xfrm rot="16200000" flipH="1">
+            <a:off x="9482793" y="3382087"/>
+            <a:ext cx="1342930" cy="3469018"/>
+          </a:xfrm>
+          <a:prstGeom prst="wedgeRoundRectCallout">
+            <a:avLst>
+              <a:gd name="adj1" fmla="val -16600"/>
+              <a:gd name="adj2" fmla="val 47872"/>
+              <a:gd name="adj3" fmla="val 16667"/>
+            </a:avLst>
+          </a:prstGeom>
+          <a:solidFill>
+            <a:schemeClr val="accent2">
+              <a:lumMod val="20000"/>
+              <a:lumOff val="80000"/>
+            </a:schemeClr>
+          </a:solidFill>
+          <a:ln>
+            <a:noFill/>
+          </a:ln>
+        </p:spPr>
+        <p:style>
+          <a:lnRef idx="2">
+            <a:schemeClr val="accent1">
+              <a:shade val="15000"/>
+            </a:schemeClr>
+          </a:lnRef>
+          <a:fillRef idx="1">
+            <a:schemeClr val="accent1"/>
+          </a:fillRef>
+          <a:effectRef idx="0">
+            <a:schemeClr val="accent1"/>
+          </a:effectRef>
+          <a:fontRef idx="minor">
+            <a:schemeClr val="lt1"/>
+          </a:fontRef>
+        </p:style>
+        <p:txBody>
+          <a:bodyPr rtlCol="0" anchor="ctr"/>
+          <a:lstStyle/>
+          <a:p>
+            <a:pPr algn="ctr"/>
+            <a:endParaRPr lang="en-IN" dirty="0"/>
+          </a:p>
+        </p:txBody>
+      </p:sp>
+      <p:sp>
+        <p:nvSpPr>
+          <p:cNvPr id="12" name="Rectangle: Rounded Corners 11">
+            <a:extLst>
+              <a:ext uri="{FF2B5EF4-FFF2-40B4-BE49-F238E27FC236}">
+                <a16:creationId xmlns:a16="http://schemas.microsoft.com/office/drawing/2014/main" id="{C5FF79BB-94B8-BCF8-5663-D06EF17C369F}"/>
+              </a:ext>
+            </a:extLst>
+          </p:cNvPr>
+          <p:cNvSpPr/>
+          <p:nvPr/>
+        </p:nvSpPr>
+        <p:spPr>
+          <a:xfrm>
+            <a:off x="7824247" y="6378243"/>
+            <a:ext cx="4270343" cy="360000"/>
+          </a:xfrm>
+          <a:prstGeom prst="roundRect">
+            <a:avLst/>
+          </a:prstGeom>
+          <a:solidFill>
+            <a:schemeClr val="bg1"/>
+          </a:solidFill>
+          <a:ln>
+            <a:solidFill>
+              <a:srgbClr val="5D7373"/>
+            </a:solidFill>
+          </a:ln>
+        </p:spPr>
+        <p:style>
+          <a:lnRef idx="2">
+            <a:schemeClr val="accent1">
+              <a:shade val="15000"/>
+            </a:schemeClr>
+          </a:lnRef>
+          <a:fillRef idx="1">
+            <a:schemeClr val="accent1"/>
+          </a:fillRef>
+          <a:effectRef idx="0">
+            <a:schemeClr val="accent1"/>
+          </a:effectRef>
+          <a:fontRef idx="minor">
+            <a:schemeClr val="lt1"/>
+          </a:fontRef>
+        </p:style>
+        <p:txBody>
+          <a:bodyPr rtlCol="0" anchor="ctr"/>
+          <a:lstStyle/>
+          <a:p>
+            <a:pPr algn="ctr"/>
+            <a:endParaRPr lang="en-IN" dirty="0"/>
+          </a:p>
+        </p:txBody>
+      </p:sp>
+      <p:sp>
+        <p:nvSpPr>
+          <p:cNvPr id="13" name="Rectangle: Rounded Corners 12">
+            <a:extLst>
+              <a:ext uri="{FF2B5EF4-FFF2-40B4-BE49-F238E27FC236}">
+                <a16:creationId xmlns:a16="http://schemas.microsoft.com/office/drawing/2014/main" id="{A4436F80-8472-5B88-AF14-346FE95BDF81}"/>
+              </a:ext>
+            </a:extLst>
+          </p:cNvPr>
+          <p:cNvSpPr/>
+          <p:nvPr/>
+        </p:nvSpPr>
+        <p:spPr>
+          <a:xfrm>
+            <a:off x="8169914" y="869536"/>
+            <a:ext cx="3170531" cy="180000"/>
+          </a:xfrm>
+          <a:prstGeom prst="roundRect">
+            <a:avLst/>
+          </a:prstGeom>
+          <a:solidFill>
+            <a:schemeClr val="bg2"/>
+          </a:solidFill>
+          <a:ln>
+            <a:noFill/>
+          </a:ln>
+        </p:spPr>
+        <p:style>
+          <a:lnRef idx="2">
+            <a:schemeClr val="accent1">
+              <a:shade val="15000"/>
+            </a:schemeClr>
+          </a:lnRef>
+          <a:fillRef idx="1">
+            <a:schemeClr val="accent1"/>
+          </a:fillRef>
+          <a:effectRef idx="0">
+            <a:schemeClr val="accent1"/>
+          </a:effectRef>
+          <a:fontRef idx="minor">
+            <a:schemeClr val="lt1"/>
+          </a:fontRef>
+        </p:style>
+        <p:txBody>
+          <a:bodyPr rtlCol="0" anchor="ctr"/>
+          <a:lstStyle/>
+          <a:p>
+            <a:pPr algn="ctr"/>
+            <a:endParaRPr lang="en-IN" dirty="0"/>
+          </a:p>
+        </p:txBody>
+      </p:sp>
+      <p:sp>
+        <p:nvSpPr>
+          <p:cNvPr id="15" name="Rectangle: Rounded Corners 14">
+            <a:extLst>
+              <a:ext uri="{FF2B5EF4-FFF2-40B4-BE49-F238E27FC236}">
+                <a16:creationId xmlns:a16="http://schemas.microsoft.com/office/drawing/2014/main" id="{20E010B5-1146-D47D-E13A-6C1C383B497A}"/>
+              </a:ext>
+            </a:extLst>
+          </p:cNvPr>
+          <p:cNvSpPr/>
+          <p:nvPr/>
+        </p:nvSpPr>
+        <p:spPr>
+          <a:xfrm>
+            <a:off x="8169914" y="1653751"/>
+            <a:ext cx="3170531" cy="180000"/>
+          </a:xfrm>
+          <a:prstGeom prst="roundRect">
+            <a:avLst/>
+          </a:prstGeom>
+          <a:solidFill>
+            <a:schemeClr val="bg2"/>
+          </a:solidFill>
+          <a:ln>
+            <a:noFill/>
+          </a:ln>
+        </p:spPr>
+        <p:style>
+          <a:lnRef idx="2">
+            <a:schemeClr val="accent1">
+              <a:shade val="15000"/>
+            </a:schemeClr>
+          </a:lnRef>
+          <a:fillRef idx="1">
+            <a:schemeClr val="accent1"/>
+          </a:fillRef>
+          <a:effectRef idx="0">
+            <a:schemeClr val="accent1"/>
+          </a:effectRef>
+          <a:fontRef idx="minor">
+            <a:schemeClr val="lt1"/>
+          </a:fontRef>
+        </p:style>
+        <p:txBody>
+          <a:bodyPr rtlCol="0" anchor="ctr"/>
+          <a:lstStyle/>
+          <a:p>
+            <a:pPr algn="ctr"/>
+            <a:endParaRPr lang="en-IN" dirty="0"/>
+          </a:p>
+        </p:txBody>
+      </p:sp>
+      <p:sp>
+        <p:nvSpPr>
+          <p:cNvPr id="16" name="Rectangle: Rounded Corners 15">
+            <a:extLst>
+              <a:ext uri="{FF2B5EF4-FFF2-40B4-BE49-F238E27FC236}">
+                <a16:creationId xmlns:a16="http://schemas.microsoft.com/office/drawing/2014/main" id="{ABA49A18-C84E-AEFB-9AB4-2A99373B3552}"/>
+              </a:ext>
+            </a:extLst>
+          </p:cNvPr>
+          <p:cNvSpPr/>
+          <p:nvPr/>
+        </p:nvSpPr>
+        <p:spPr>
+          <a:xfrm>
+            <a:off x="8169914" y="3019599"/>
+            <a:ext cx="3170531" cy="180000"/>
+          </a:xfrm>
+          <a:prstGeom prst="roundRect">
+            <a:avLst/>
+          </a:prstGeom>
+          <a:solidFill>
+            <a:schemeClr val="bg2"/>
+          </a:solidFill>
+          <a:ln>
+            <a:noFill/>
+          </a:ln>
+        </p:spPr>
+        <p:style>
+          <a:lnRef idx="2">
+            <a:schemeClr val="accent1">
+              <a:shade val="15000"/>
+            </a:schemeClr>
+          </a:lnRef>
+          <a:fillRef idx="1">
+            <a:schemeClr val="accent1"/>
+          </a:fillRef>
+          <a:effectRef idx="0">
+            <a:schemeClr val="accent1"/>
+          </a:effectRef>
+          <a:fontRef idx="minor">
+            <a:schemeClr val="lt1"/>
+          </a:fontRef>
+        </p:style>
+        <p:txBody>
+          <a:bodyPr rtlCol="0" anchor="ctr"/>
+          <a:lstStyle/>
+          <a:p>
+            <a:pPr algn="ctr"/>
+            <a:endParaRPr lang="en-IN" dirty="0"/>
+          </a:p>
+        </p:txBody>
+      </p:sp>
+      <p:sp>
+        <p:nvSpPr>
+          <p:cNvPr id="17" name="Rectangle: Rounded Corners 16">
+            <a:extLst>
+              <a:ext uri="{FF2B5EF4-FFF2-40B4-BE49-F238E27FC236}">
+                <a16:creationId xmlns:a16="http://schemas.microsoft.com/office/drawing/2014/main" id="{26C3503B-AF3E-A4E3-A8A9-1B4A00465EB0}"/>
+              </a:ext>
+            </a:extLst>
+          </p:cNvPr>
+          <p:cNvSpPr/>
+          <p:nvPr/>
+        </p:nvSpPr>
+        <p:spPr>
+          <a:xfrm>
+            <a:off x="8177778" y="1111607"/>
+            <a:ext cx="3170531" cy="471676"/>
+          </a:xfrm>
+          <a:prstGeom prst="roundRect">
+            <a:avLst>
+              <a:gd name="adj" fmla="val 8673"/>
+            </a:avLst>
+          </a:prstGeom>
+          <a:solidFill>
+            <a:schemeClr val="bg2"/>
+          </a:solidFill>
+          <a:ln>
+            <a:noFill/>
+          </a:ln>
+        </p:spPr>
+        <p:style>
+          <a:lnRef idx="2">
+            <a:schemeClr val="accent1">
+              <a:shade val="15000"/>
+            </a:schemeClr>
+          </a:lnRef>
+          <a:fillRef idx="1">
+            <a:schemeClr val="accent1"/>
+          </a:fillRef>
+          <a:effectRef idx="0">
+            <a:schemeClr val="accent1"/>
+          </a:effectRef>
+          <a:fontRef idx="minor">
+            <a:schemeClr val="lt1"/>
+          </a:fontRef>
+        </p:style>
+        <p:txBody>
+          <a:bodyPr rtlCol="0" anchor="ctr"/>
+          <a:lstStyle/>
+          <a:p>
+            <a:pPr algn="ctr"/>
+            <a:r>
+              <a:rPr lang="en-US" sz="1200" b="1" dirty="0">
+                <a:solidFill>
+                  <a:schemeClr val="tx1"/>
+                </a:solidFill>
+                <a:latin typeface="Avenir Next LT Pro" panose="020B0504020202020204" pitchFamily="34" charset="0"/>
+              </a:rPr>
+              <a:t>Chat</a:t>
+            </a:r>
+            <a:endParaRPr lang="en-IN" sz="1200" b="1" dirty="0">
+              <a:solidFill>
+                <a:schemeClr val="tx1"/>
+              </a:solidFill>
+              <a:latin typeface="Avenir Next LT Pro" panose="020B0504020202020204" pitchFamily="34" charset="0"/>
+            </a:endParaRPr>
+          </a:p>
+        </p:txBody>
+      </p:sp>
+      <p:sp>
+        <p:nvSpPr>
+          <p:cNvPr id="18" name="Rectangle: Rounded Corners 17">
+            <a:extLst>
+              <a:ext uri="{FF2B5EF4-FFF2-40B4-BE49-F238E27FC236}">
+                <a16:creationId xmlns:a16="http://schemas.microsoft.com/office/drawing/2014/main" id="{DC4177C5-A6CD-654F-09EB-026741034DB3}"/>
+              </a:ext>
+            </a:extLst>
+          </p:cNvPr>
+          <p:cNvSpPr/>
+          <p:nvPr/>
+        </p:nvSpPr>
+        <p:spPr>
+          <a:xfrm>
+            <a:off x="8177777" y="2118885"/>
+            <a:ext cx="3170531" cy="830365"/>
+          </a:xfrm>
+          <a:prstGeom prst="roundRect">
+            <a:avLst>
+              <a:gd name="adj" fmla="val 9855"/>
+            </a:avLst>
+          </a:prstGeom>
+          <a:solidFill>
+            <a:schemeClr val="bg2"/>
+          </a:solidFill>
+          <a:ln>
+            <a:noFill/>
+          </a:ln>
+        </p:spPr>
+        <p:style>
+          <a:lnRef idx="2">
+            <a:schemeClr val="accent1">
+              <a:shade val="15000"/>
+            </a:schemeClr>
+          </a:lnRef>
+          <a:fillRef idx="1">
+            <a:schemeClr val="accent1"/>
+          </a:fillRef>
+          <a:effectRef idx="0">
+            <a:schemeClr val="accent1"/>
+          </a:effectRef>
+          <a:fontRef idx="minor">
+            <a:schemeClr val="lt1"/>
+          </a:fontRef>
+        </p:style>
+        <p:txBody>
+          <a:bodyPr rtlCol="0" anchor="ctr"/>
+          <a:lstStyle/>
+          <a:p>
+            <a:pPr algn="ctr"/>
+            <a:endParaRPr lang="en-IN" dirty="0"/>
+          </a:p>
+        </p:txBody>
+      </p:sp>
+      <p:sp>
+        <p:nvSpPr>
+          <p:cNvPr id="19" name="Rectangle: Rounded Corners 18">
+            <a:extLst>
+              <a:ext uri="{FF2B5EF4-FFF2-40B4-BE49-F238E27FC236}">
+                <a16:creationId xmlns:a16="http://schemas.microsoft.com/office/drawing/2014/main" id="{10ED8346-CEAF-0EB7-B1E1-A8C1BD3B18E0}"/>
+              </a:ext>
+            </a:extLst>
+          </p:cNvPr>
+          <p:cNvSpPr/>
+          <p:nvPr/>
+        </p:nvSpPr>
+        <p:spPr>
+          <a:xfrm>
+            <a:off x="7732643" y="375494"/>
+            <a:ext cx="4455753" cy="360000"/>
+          </a:xfrm>
+          <a:prstGeom prst="roundRect">
+            <a:avLst>
+              <a:gd name="adj" fmla="val 0"/>
+            </a:avLst>
+          </a:prstGeom>
+          <a:solidFill>
+            <a:schemeClr val="bg2"/>
+          </a:solidFill>
+          <a:ln>
+            <a:noFill/>
+          </a:ln>
+        </p:spPr>
+        <p:style>
+          <a:lnRef idx="2">
+            <a:schemeClr val="accent1">
+              <a:shade val="15000"/>
+            </a:schemeClr>
+          </a:lnRef>
+          <a:fillRef idx="1">
+            <a:schemeClr val="accent1"/>
+          </a:fillRef>
+          <a:effectRef idx="0">
+            <a:schemeClr val="accent1"/>
+          </a:effectRef>
+          <a:fontRef idx="minor">
+            <a:schemeClr val="lt1"/>
+          </a:fontRef>
+        </p:style>
+        <p:txBody>
+          <a:bodyPr rtlCol="0" anchor="ctr"/>
+          <a:lstStyle/>
+          <a:p>
+            <a:pPr algn="ctr"/>
+            <a:endParaRPr lang="en-IN" dirty="0"/>
+          </a:p>
+        </p:txBody>
+      </p:sp>
+      <p:sp>
+        <p:nvSpPr>
+          <p:cNvPr id="20" name="Rectangle: Rounded Corners 19">
+            <a:extLst>
+              <a:ext uri="{FF2B5EF4-FFF2-40B4-BE49-F238E27FC236}">
+                <a16:creationId xmlns:a16="http://schemas.microsoft.com/office/drawing/2014/main" id="{3659FD66-8FE2-A11E-947F-DE5BBA32F96D}"/>
+              </a:ext>
+            </a:extLst>
+          </p:cNvPr>
+          <p:cNvSpPr/>
+          <p:nvPr/>
+        </p:nvSpPr>
+        <p:spPr>
+          <a:xfrm>
+            <a:off x="7767685" y="4265131"/>
+            <a:ext cx="72000" cy="1800000"/>
+          </a:xfrm>
+          <a:prstGeom prst="roundRect">
+            <a:avLst/>
+          </a:prstGeom>
+          <a:solidFill>
+            <a:schemeClr val="bg2"/>
+          </a:solidFill>
+          <a:ln>
+            <a:noFill/>
+          </a:ln>
+        </p:spPr>
+        <p:style>
+          <a:lnRef idx="2">
+            <a:schemeClr val="accent1">
+              <a:shade val="15000"/>
+            </a:schemeClr>
+          </a:lnRef>
+          <a:fillRef idx="1">
+            <a:schemeClr val="accent1"/>
+          </a:fillRef>
+          <a:effectRef idx="0">
+            <a:schemeClr val="accent1"/>
+          </a:effectRef>
+          <a:fontRef idx="minor">
+            <a:schemeClr val="lt1"/>
+          </a:fontRef>
+        </p:style>
+        <p:txBody>
+          <a:bodyPr rtlCol="0" anchor="ctr"/>
+          <a:lstStyle/>
+          <a:p>
+            <a:pPr algn="ctr"/>
+            <a:endParaRPr lang="en-IN" dirty="0"/>
+          </a:p>
+        </p:txBody>
+      </p:sp>
+      <p:sp>
+        <p:nvSpPr>
+          <p:cNvPr id="22" name="Oval 21">
+            <a:extLst>
+              <a:ext uri="{FF2B5EF4-FFF2-40B4-BE49-F238E27FC236}">
+                <a16:creationId xmlns:a16="http://schemas.microsoft.com/office/drawing/2014/main" id="{2E777251-7994-7ADC-CAA9-ED2E056B9B3F}"/>
+              </a:ext>
+            </a:extLst>
+          </p:cNvPr>
+          <p:cNvSpPr/>
+          <p:nvPr/>
+        </p:nvSpPr>
+        <p:spPr>
+          <a:xfrm>
+            <a:off x="11594969" y="1111607"/>
+            <a:ext cx="360000" cy="360000"/>
+          </a:xfrm>
+          <a:prstGeom prst="ellipse">
+            <a:avLst/>
+          </a:prstGeom>
+          <a:solidFill>
+            <a:schemeClr val="bg2"/>
+          </a:solidFill>
+          <a:ln>
+            <a:noFill/>
+          </a:ln>
+        </p:spPr>
+        <p:style>
+          <a:lnRef idx="2">
+            <a:schemeClr val="accent1">
+              <a:shade val="15000"/>
+            </a:schemeClr>
+          </a:lnRef>
+          <a:fillRef idx="1">
+            <a:schemeClr val="accent1"/>
+          </a:fillRef>
+          <a:effectRef idx="0">
+            <a:schemeClr val="accent1"/>
+          </a:effectRef>
+          <a:fontRef idx="minor">
+            <a:schemeClr val="lt1"/>
+          </a:fontRef>
+        </p:style>
+        <p:txBody>
+          <a:bodyPr rtlCol="0" anchor="ctr"/>
+          <a:lstStyle/>
+          <a:p>
+            <a:pPr algn="ctr"/>
+            <a:endParaRPr lang="en-IN" dirty="0"/>
+          </a:p>
+        </p:txBody>
+      </p:sp>
+      <p:sp>
+        <p:nvSpPr>
+          <p:cNvPr id="23" name="Oval 22">
+            <a:extLst>
+              <a:ext uri="{FF2B5EF4-FFF2-40B4-BE49-F238E27FC236}">
+                <a16:creationId xmlns:a16="http://schemas.microsoft.com/office/drawing/2014/main" id="{E746A41C-76F6-EB60-786A-8685509AEF83}"/>
+              </a:ext>
+            </a:extLst>
+          </p:cNvPr>
+          <p:cNvSpPr/>
+          <p:nvPr/>
+        </p:nvSpPr>
+        <p:spPr>
+          <a:xfrm>
+            <a:off x="11594969" y="2429095"/>
+            <a:ext cx="360000" cy="360000"/>
+          </a:xfrm>
+          <a:prstGeom prst="ellipse">
+            <a:avLst/>
+          </a:prstGeom>
+          <a:solidFill>
+            <a:schemeClr val="bg2"/>
+          </a:solidFill>
+          <a:ln>
+            <a:noFill/>
+          </a:ln>
+        </p:spPr>
+        <p:style>
+          <a:lnRef idx="2">
+            <a:schemeClr val="accent1">
+              <a:shade val="15000"/>
+            </a:schemeClr>
+          </a:lnRef>
+          <a:fillRef idx="1">
+            <a:schemeClr val="accent1"/>
+          </a:fillRef>
+          <a:effectRef idx="0">
+            <a:schemeClr val="accent1"/>
+          </a:effectRef>
+          <a:fontRef idx="minor">
+            <a:schemeClr val="lt1"/>
+          </a:fontRef>
+        </p:style>
+        <p:txBody>
+          <a:bodyPr rtlCol="0" anchor="ctr"/>
+          <a:lstStyle/>
+          <a:p>
+            <a:pPr algn="ctr"/>
+            <a:endParaRPr lang="en-IN" dirty="0"/>
+          </a:p>
+        </p:txBody>
+      </p:sp>
+      <p:sp>
+        <p:nvSpPr>
+          <p:cNvPr id="25" name="Oval 24">
+            <a:extLst>
+              <a:ext uri="{FF2B5EF4-FFF2-40B4-BE49-F238E27FC236}">
+                <a16:creationId xmlns:a16="http://schemas.microsoft.com/office/drawing/2014/main" id="{D117EB3D-2A79-5228-047C-0CF01F33B379}"/>
+              </a:ext>
+            </a:extLst>
+          </p:cNvPr>
+          <p:cNvSpPr/>
+          <p:nvPr/>
+        </p:nvSpPr>
+        <p:spPr>
+          <a:xfrm>
+            <a:off x="7897977" y="3739763"/>
+            <a:ext cx="360000" cy="360000"/>
+          </a:xfrm>
+          <a:prstGeom prst="ellipse">
+            <a:avLst/>
+          </a:prstGeom>
+          <a:solidFill>
+            <a:schemeClr val="bg2"/>
+          </a:solidFill>
+          <a:ln>
+            <a:noFill/>
+          </a:ln>
+        </p:spPr>
+        <p:style>
+          <a:lnRef idx="2">
+            <a:schemeClr val="accent1">
+              <a:shade val="15000"/>
+            </a:schemeClr>
+          </a:lnRef>
+          <a:fillRef idx="1">
+            <a:schemeClr val="accent1"/>
+          </a:fillRef>
+          <a:effectRef idx="0">
+            <a:schemeClr val="accent1"/>
+          </a:effectRef>
+          <a:fontRef idx="minor">
+            <a:schemeClr val="lt1"/>
+          </a:fontRef>
+        </p:style>
+        <p:txBody>
+          <a:bodyPr rtlCol="0" anchor="ctr"/>
+          <a:lstStyle/>
+          <a:p>
+            <a:pPr algn="ctr"/>
+            <a:endParaRPr lang="en-IN" dirty="0"/>
+          </a:p>
+        </p:txBody>
+      </p:sp>
+      <p:sp>
+        <p:nvSpPr>
+          <p:cNvPr id="26" name="Oval 25">
+            <a:extLst>
+              <a:ext uri="{FF2B5EF4-FFF2-40B4-BE49-F238E27FC236}">
+                <a16:creationId xmlns:a16="http://schemas.microsoft.com/office/drawing/2014/main" id="{8A09E4B2-42E7-CE48-431D-72F81693350B}"/>
+              </a:ext>
+            </a:extLst>
+          </p:cNvPr>
+          <p:cNvSpPr/>
+          <p:nvPr/>
+        </p:nvSpPr>
+        <p:spPr>
+          <a:xfrm>
+            <a:off x="7897977" y="4983559"/>
+            <a:ext cx="360000" cy="360000"/>
+          </a:xfrm>
+          <a:prstGeom prst="ellipse">
+            <a:avLst/>
+          </a:prstGeom>
+          <a:solidFill>
+            <a:schemeClr val="bg2"/>
+          </a:solidFill>
+          <a:ln>
+            <a:noFill/>
+          </a:ln>
+        </p:spPr>
+        <p:style>
+          <a:lnRef idx="2">
+            <a:schemeClr val="accent1">
+              <a:shade val="15000"/>
+            </a:schemeClr>
+          </a:lnRef>
+          <a:fillRef idx="1">
+            <a:schemeClr val="accent1"/>
+          </a:fillRef>
+          <a:effectRef idx="0">
+            <a:schemeClr val="accent1"/>
+          </a:effectRef>
+          <a:fontRef idx="minor">
+            <a:schemeClr val="lt1"/>
+          </a:fontRef>
+        </p:style>
+        <p:txBody>
+          <a:bodyPr rtlCol="0" anchor="ctr"/>
+          <a:lstStyle/>
+          <a:p>
+            <a:pPr algn="ctr"/>
+            <a:endParaRPr lang="en-IN" dirty="0"/>
+          </a:p>
+        </p:txBody>
+      </p:sp>
+      <p:sp>
+        <p:nvSpPr>
+          <p:cNvPr id="27" name="Oval 26">
+            <a:extLst>
+              <a:ext uri="{FF2B5EF4-FFF2-40B4-BE49-F238E27FC236}">
+                <a16:creationId xmlns:a16="http://schemas.microsoft.com/office/drawing/2014/main" id="{80E69582-31EE-1E6E-B2F8-01F9F2246B3D}"/>
+              </a:ext>
+            </a:extLst>
+          </p:cNvPr>
+          <p:cNvSpPr/>
+          <p:nvPr/>
+        </p:nvSpPr>
+        <p:spPr>
+          <a:xfrm>
+            <a:off x="11765296" y="6432243"/>
+            <a:ext cx="252000" cy="252000"/>
+          </a:xfrm>
+          <a:prstGeom prst="ellipse">
+            <a:avLst/>
+          </a:prstGeom>
+          <a:solidFill>
+            <a:schemeClr val="bg2"/>
+          </a:solidFill>
+          <a:ln>
+            <a:noFill/>
+          </a:ln>
+        </p:spPr>
+        <p:style>
+          <a:lnRef idx="2">
+            <a:schemeClr val="accent1">
+              <a:shade val="15000"/>
+            </a:schemeClr>
+          </a:lnRef>
+          <a:fillRef idx="1">
+            <a:schemeClr val="accent1"/>
+          </a:fillRef>
+          <a:effectRef idx="0">
+            <a:schemeClr val="accent1"/>
+          </a:effectRef>
+          <a:fontRef idx="minor">
+            <a:schemeClr val="lt1"/>
+          </a:fontRef>
+        </p:style>
+        <p:txBody>
+          <a:bodyPr rtlCol="0" anchor="ctr"/>
+          <a:lstStyle/>
+          <a:p>
+            <a:pPr algn="ctr"/>
+            <a:endParaRPr lang="en-IN" dirty="0"/>
+          </a:p>
+        </p:txBody>
+      </p:sp>
+      <p:sp>
+        <p:nvSpPr>
+          <p:cNvPr id="28" name="Oval 27">
+            <a:extLst>
+              <a:ext uri="{FF2B5EF4-FFF2-40B4-BE49-F238E27FC236}">
+                <a16:creationId xmlns:a16="http://schemas.microsoft.com/office/drawing/2014/main" id="{CE8AAAF9-0454-609B-4D56-10CFBEBFD653}"/>
+              </a:ext>
+            </a:extLst>
+          </p:cNvPr>
+          <p:cNvSpPr/>
+          <p:nvPr/>
+        </p:nvSpPr>
+        <p:spPr>
+          <a:xfrm>
+            <a:off x="11424317" y="6436311"/>
+            <a:ext cx="252000" cy="252000"/>
+          </a:xfrm>
+          <a:prstGeom prst="ellipse">
+            <a:avLst/>
+          </a:prstGeom>
+          <a:solidFill>
+            <a:schemeClr val="bg2"/>
+          </a:solidFill>
+          <a:ln>
+            <a:noFill/>
+          </a:ln>
+        </p:spPr>
+        <p:style>
+          <a:lnRef idx="2">
+            <a:schemeClr val="accent1">
+              <a:shade val="15000"/>
+            </a:schemeClr>
+          </a:lnRef>
+          <a:fillRef idx="1">
+            <a:schemeClr val="accent1"/>
+          </a:fillRef>
+          <a:effectRef idx="0">
+            <a:schemeClr val="accent1"/>
+          </a:effectRef>
+          <a:fontRef idx="minor">
+            <a:schemeClr val="lt1"/>
+          </a:fontRef>
+        </p:style>
+        <p:txBody>
+          <a:bodyPr rtlCol="0" anchor="ctr"/>
+          <a:lstStyle/>
+          <a:p>
+            <a:pPr algn="ctr"/>
+            <a:endParaRPr lang="en-IN" dirty="0"/>
+          </a:p>
+        </p:txBody>
+      </p:sp>
+    </p:spTree>
+    <p:extLst>
+      <p:ext uri="{BB962C8B-B14F-4D97-AF65-F5344CB8AC3E}">
+        <p14:creationId xmlns:p14="http://schemas.microsoft.com/office/powerpoint/2010/main" val="3210207412"/>
+      </p:ext>
+    </p:extLst>
+  </p:cSld>
+  <p:clrMapOvr>
+    <a:masterClrMapping/>
+  </p:clrMapOvr>
+</p:sld>
+</file>
+
+<file path=ppt/slides/slide12.xml><?xml version="1.0" encoding="utf-8"?>
+<p:sld xmlns:a="http://schemas.openxmlformats.org/drawingml/2006/main" xmlns:r="http://schemas.openxmlformats.org/officeDocument/2006/relationships" xmlns:p="http://schemas.openxmlformats.org/presentationml/2006/main">
+  <p:cSld>
+    <p:bg>
+      <p:bgPr>
+        <a:solidFill>
+          <a:srgbClr val="F7F7F7"/>
+        </a:solidFill>
+        <a:effectLst/>
+      </p:bgPr>
+    </p:bg>
+    <p:spTree>
+      <p:nvGrpSpPr>
+        <p:cNvPr id="1" name=""/>
+        <p:cNvGrpSpPr/>
+        <p:nvPr/>
+      </p:nvGrpSpPr>
+      <p:grpSpPr>
+        <a:xfrm>
+          <a:off x="0" y="0"/>
+          <a:ext cx="0" cy="0"/>
+          <a:chOff x="0" y="0"/>
+          <a:chExt cx="0" cy="0"/>
+        </a:xfrm>
+      </p:grpSpPr>
+      <p:sp>
+        <p:nvSpPr>
+          <p:cNvPr id="2" name="Rectangle 1">
+            <a:extLst>
+              <a:ext uri="{FF2B5EF4-FFF2-40B4-BE49-F238E27FC236}">
+                <a16:creationId xmlns:a16="http://schemas.microsoft.com/office/drawing/2014/main" id="{0468BE06-8A41-9FB5-5E43-9F36BDFF9D2F}"/>
+              </a:ext>
+            </a:extLst>
+          </p:cNvPr>
+          <p:cNvSpPr/>
+          <p:nvPr/>
+        </p:nvSpPr>
+        <p:spPr>
+          <a:xfrm>
+            <a:off x="0" y="367748"/>
+            <a:ext cx="1789044" cy="6490252"/>
+          </a:xfrm>
+          <a:prstGeom prst="rect">
+            <a:avLst/>
+          </a:prstGeom>
+          <a:solidFill>
+            <a:schemeClr val="bg1">
+              <a:lumMod val="95000"/>
+            </a:schemeClr>
+          </a:solidFill>
+          <a:ln>
+            <a:solidFill>
+              <a:schemeClr val="bg1">
+                <a:lumMod val="65000"/>
+              </a:schemeClr>
+            </a:solidFill>
+          </a:ln>
+        </p:spPr>
+        <p:style>
+          <a:lnRef idx="2">
+            <a:schemeClr val="accent1">
+              <a:shade val="15000"/>
+            </a:schemeClr>
+          </a:lnRef>
+          <a:fillRef idx="1">
+            <a:schemeClr val="accent1"/>
+          </a:fillRef>
+          <a:effectRef idx="0">
+            <a:schemeClr val="accent1"/>
+          </a:effectRef>
+          <a:fontRef idx="minor">
+            <a:schemeClr val="lt1"/>
+          </a:fontRef>
+        </p:style>
+        <p:txBody>
+          <a:bodyPr rtlCol="0" anchor="ctr"/>
+          <a:lstStyle/>
+          <a:p>
+            <a:pPr algn="ctr"/>
+            <a:endParaRPr lang="en-IN" sz="1200" dirty="0">
+              <a:latin typeface="Avenir Next LT Pro" panose="020B0504020202020204" pitchFamily="34" charset="0"/>
+            </a:endParaRPr>
+          </a:p>
+        </p:txBody>
+      </p:sp>
+      <p:sp>
+        <p:nvSpPr>
+          <p:cNvPr id="3" name="Rectangle 2">
+            <a:extLst>
+              <a:ext uri="{FF2B5EF4-FFF2-40B4-BE49-F238E27FC236}">
+                <a16:creationId xmlns:a16="http://schemas.microsoft.com/office/drawing/2014/main" id="{AF6568F0-4396-E509-39E7-DB8DA785C4A9}"/>
+              </a:ext>
+            </a:extLst>
+          </p:cNvPr>
+          <p:cNvSpPr/>
+          <p:nvPr/>
+        </p:nvSpPr>
+        <p:spPr>
+          <a:xfrm>
+            <a:off x="7732643" y="367746"/>
+            <a:ext cx="4459358" cy="6490253"/>
+          </a:xfrm>
+          <a:prstGeom prst="rect">
+            <a:avLst/>
+          </a:prstGeom>
+          <a:solidFill>
+            <a:schemeClr val="accent6">
+              <a:lumMod val="40000"/>
+              <a:lumOff val="60000"/>
+            </a:schemeClr>
+          </a:solidFill>
+          <a:ln>
+            <a:noFill/>
+          </a:ln>
+        </p:spPr>
+        <p:style>
+          <a:lnRef idx="2">
+            <a:schemeClr val="accent1">
+              <a:shade val="15000"/>
+            </a:schemeClr>
+          </a:lnRef>
+          <a:fillRef idx="1">
+            <a:schemeClr val="accent1"/>
+          </a:fillRef>
+          <a:effectRef idx="0">
+            <a:schemeClr val="accent1"/>
+          </a:effectRef>
+          <a:fontRef idx="minor">
+            <a:schemeClr val="lt1"/>
+          </a:fontRef>
+        </p:style>
+        <p:txBody>
+          <a:bodyPr rtlCol="0" anchor="ctr"/>
+          <a:lstStyle/>
+          <a:p>
+            <a:pPr algn="ctr"/>
+            <a:endParaRPr lang="en-IN" sz="1200" b="1" dirty="0">
+              <a:solidFill>
+                <a:schemeClr val="tx1"/>
+              </a:solidFill>
+              <a:latin typeface="Avenir Next LT Pro" panose="020B0504020202020204" pitchFamily="34" charset="0"/>
+            </a:endParaRPr>
+          </a:p>
+        </p:txBody>
+      </p:sp>
+      <p:sp>
+        <p:nvSpPr>
+          <p:cNvPr id="4" name="Rectangle 3">
+            <a:extLst>
+              <a:ext uri="{FF2B5EF4-FFF2-40B4-BE49-F238E27FC236}">
+                <a16:creationId xmlns:a16="http://schemas.microsoft.com/office/drawing/2014/main" id="{CC822EE7-FB44-3868-2CE2-3127AEE239CA}"/>
+              </a:ext>
+            </a:extLst>
+          </p:cNvPr>
+          <p:cNvSpPr/>
+          <p:nvPr/>
+        </p:nvSpPr>
+        <p:spPr>
+          <a:xfrm>
+            <a:off x="0" y="0"/>
+            <a:ext cx="12192000" cy="367748"/>
+          </a:xfrm>
+          <a:prstGeom prst="rect">
+            <a:avLst/>
+          </a:prstGeom>
+          <a:solidFill>
+            <a:schemeClr val="bg1">
+              <a:lumMod val="95000"/>
+            </a:schemeClr>
+          </a:solidFill>
+          <a:ln>
+            <a:solidFill>
+              <a:schemeClr val="bg1">
+                <a:lumMod val="65000"/>
+              </a:schemeClr>
+            </a:solidFill>
+          </a:ln>
+        </p:spPr>
+        <p:style>
+          <a:lnRef idx="2">
+            <a:schemeClr val="accent1">
+              <a:shade val="15000"/>
+            </a:schemeClr>
+          </a:lnRef>
+          <a:fillRef idx="1">
+            <a:schemeClr val="accent1"/>
+          </a:fillRef>
+          <a:effectRef idx="0">
+            <a:schemeClr val="accent1"/>
+          </a:effectRef>
+          <a:fontRef idx="minor">
+            <a:schemeClr val="lt1"/>
+          </a:fontRef>
+        </p:style>
+        <p:txBody>
+          <a:bodyPr rtlCol="0" anchor="ctr"/>
+          <a:lstStyle/>
+          <a:p>
+            <a:pPr algn="ctr"/>
+            <a:r>
+              <a:rPr lang="en-US" sz="1200" b="1" dirty="0">
+                <a:solidFill>
+                  <a:schemeClr val="tx1">
+                    <a:lumMod val="75000"/>
+                    <a:lumOff val="25000"/>
+                  </a:schemeClr>
+                </a:solidFill>
+                <a:latin typeface="Avenir Next LT Pro" panose="020B0504020202020204" pitchFamily="34" charset="0"/>
+              </a:rPr>
+              <a:t>Nav - Bar  (Ribbon)</a:t>
+            </a:r>
+            <a:endParaRPr lang="en-IN" sz="1200" b="1" dirty="0">
+              <a:solidFill>
+                <a:schemeClr val="tx1">
+                  <a:lumMod val="75000"/>
+                  <a:lumOff val="25000"/>
+                </a:schemeClr>
+              </a:solidFill>
+              <a:latin typeface="Avenir Next LT Pro" panose="020B0504020202020204" pitchFamily="34" charset="0"/>
+            </a:endParaRPr>
+          </a:p>
+        </p:txBody>
+      </p:sp>
+      <p:sp>
+        <p:nvSpPr>
+          <p:cNvPr id="5" name="TextBox 4">
+            <a:extLst>
+              <a:ext uri="{FF2B5EF4-FFF2-40B4-BE49-F238E27FC236}">
+                <a16:creationId xmlns:a16="http://schemas.microsoft.com/office/drawing/2014/main" id="{ACD2B91E-8B5D-5BF9-0E32-0198E8AD907C}"/>
+              </a:ext>
+            </a:extLst>
+          </p:cNvPr>
+          <p:cNvSpPr txBox="1"/>
+          <p:nvPr/>
+        </p:nvSpPr>
+        <p:spPr>
+          <a:xfrm>
+            <a:off x="2059803" y="757596"/>
+            <a:ext cx="5123422" cy="1569660"/>
+          </a:xfrm>
+          <a:prstGeom prst="rect">
+            <a:avLst/>
+          </a:prstGeom>
+          <a:noFill/>
+        </p:spPr>
+        <p:txBody>
+          <a:bodyPr wrap="square" rtlCol="0">
+            <a:spAutoFit/>
+          </a:bodyPr>
+          <a:lstStyle/>
+          <a:p>
+            <a:r>
+              <a:rPr lang="en-US" sz="1200" b="1" dirty="0">
+                <a:latin typeface="Avenir Next LT Pro" panose="020B0504020202020204" pitchFamily="34" charset="0"/>
+              </a:rPr>
+              <a:t>Details : </a:t>
+            </a:r>
+          </a:p>
+          <a:p>
+            <a:r>
+              <a:rPr lang="en-US" sz="1200" dirty="0">
+                <a:latin typeface="Avenir Next LT Pro" panose="020B0504020202020204" pitchFamily="34" charset="0"/>
+              </a:rPr>
+              <a:t>Doc can be </a:t>
+            </a:r>
+          </a:p>
+          <a:p>
+            <a:pPr marL="228600" indent="-228600">
+              <a:buAutoNum type="arabicPeriod"/>
+            </a:pPr>
+            <a:r>
+              <a:rPr lang="en-US" sz="1200" dirty="0">
+                <a:latin typeface="Avenir Next LT Pro" panose="020B0504020202020204" pitchFamily="34" charset="0"/>
+              </a:rPr>
+              <a:t>PDF </a:t>
+            </a:r>
+          </a:p>
+          <a:p>
+            <a:pPr marL="228600" indent="-228600">
+              <a:buAutoNum type="arabicPeriod"/>
+            </a:pPr>
+            <a:r>
+              <a:rPr lang="en-US" sz="1200" dirty="0">
+                <a:latin typeface="Avenir Next LT Pro" panose="020B0504020202020204" pitchFamily="34" charset="0"/>
+              </a:rPr>
+              <a:t>Word file</a:t>
+            </a:r>
+          </a:p>
+          <a:p>
+            <a:pPr marL="228600" indent="-228600">
+              <a:buAutoNum type="arabicPeriod"/>
+            </a:pPr>
+            <a:r>
+              <a:rPr lang="en-US" sz="1200" dirty="0">
+                <a:latin typeface="Avenir Next LT Pro" panose="020B0504020202020204" pitchFamily="34" charset="0"/>
+              </a:rPr>
+              <a:t>Excel File</a:t>
+            </a:r>
+          </a:p>
+          <a:p>
+            <a:pPr marL="228600" indent="-228600">
+              <a:buAutoNum type="arabicPeriod"/>
+            </a:pPr>
+            <a:r>
+              <a:rPr lang="en-US" sz="1200" dirty="0">
+                <a:latin typeface="Avenir Next LT Pro" panose="020B0504020202020204" pitchFamily="34" charset="0"/>
+              </a:rPr>
+              <a:t>PPT</a:t>
+            </a:r>
+          </a:p>
+          <a:p>
+            <a:pPr marL="228600" indent="-228600">
+              <a:buAutoNum type="arabicPeriod"/>
+            </a:pPr>
+            <a:r>
+              <a:rPr lang="en-US" sz="1200" dirty="0">
+                <a:latin typeface="Avenir Next LT Pro" panose="020B0504020202020204" pitchFamily="34" charset="0"/>
+              </a:rPr>
+              <a:t>Image</a:t>
+            </a:r>
+          </a:p>
+          <a:p>
+            <a:pPr marL="228600" indent="-228600">
+              <a:buAutoNum type="arabicPeriod"/>
+            </a:pPr>
+            <a:r>
+              <a:rPr lang="en-US" sz="1200" dirty="0">
+                <a:latin typeface="Avenir Next LT Pro" panose="020B0504020202020204" pitchFamily="34" charset="0"/>
+              </a:rPr>
+              <a:t>Collection of image</a:t>
+            </a:r>
+            <a:endParaRPr lang="en-IN" sz="1200" dirty="0">
+              <a:latin typeface="Avenir Next LT Pro" panose="020B0504020202020204" pitchFamily="34" charset="0"/>
+            </a:endParaRPr>
+          </a:p>
+        </p:txBody>
+      </p:sp>
+      <p:sp>
+        <p:nvSpPr>
+          <p:cNvPr id="6" name="Speech Bubble: Rectangle with Corners Rounded 5">
+            <a:extLst>
+              <a:ext uri="{FF2B5EF4-FFF2-40B4-BE49-F238E27FC236}">
+                <a16:creationId xmlns:a16="http://schemas.microsoft.com/office/drawing/2014/main" id="{830158E2-703F-491E-6475-14D7695EB0FE}"/>
+              </a:ext>
+            </a:extLst>
+          </p:cNvPr>
+          <p:cNvSpPr/>
+          <p:nvPr/>
+        </p:nvSpPr>
+        <p:spPr>
+          <a:xfrm rot="5400000">
+            <a:off x="9186441" y="-381760"/>
+            <a:ext cx="1102940" cy="3469018"/>
+          </a:xfrm>
+          <a:prstGeom prst="wedgeRoundRectCallout">
+            <a:avLst>
+              <a:gd name="adj1" fmla="val -29103"/>
+              <a:gd name="adj2" fmla="val 56568"/>
+              <a:gd name="adj3" fmla="val 16667"/>
+            </a:avLst>
+          </a:prstGeom>
+          <a:solidFill>
+            <a:schemeClr val="bg1">
+              <a:lumMod val="95000"/>
+            </a:schemeClr>
+          </a:solidFill>
+          <a:ln>
+            <a:noFill/>
+          </a:ln>
+        </p:spPr>
+        <p:style>
+          <a:lnRef idx="2">
+            <a:schemeClr val="accent1">
+              <a:shade val="15000"/>
+            </a:schemeClr>
+          </a:lnRef>
+          <a:fillRef idx="1">
+            <a:schemeClr val="accent1"/>
+          </a:fillRef>
+          <a:effectRef idx="0">
+            <a:schemeClr val="accent1"/>
+          </a:effectRef>
+          <a:fontRef idx="minor">
+            <a:schemeClr val="lt1"/>
+          </a:fontRef>
+        </p:style>
+        <p:txBody>
+          <a:bodyPr rtlCol="0" anchor="ctr"/>
+          <a:lstStyle/>
+          <a:p>
+            <a:pPr algn="ctr"/>
+            <a:endParaRPr lang="en-IN" dirty="0"/>
+          </a:p>
+        </p:txBody>
+      </p:sp>
+      <p:sp>
+        <p:nvSpPr>
           <p:cNvPr id="12" name="Rectangle: Rounded Corners 11">
             <a:extLst>
               <a:ext uri="{FF2B5EF4-FFF2-40B4-BE49-F238E27FC236}">
@@ -7898,7 +10388,7 @@
 </p:sld>
 </file>
 
-<file path=ppt/slides/slide11.xml><?xml version="1.0" encoding="utf-8"?>
+<file path=ppt/slides/slide13.xml><?xml version="1.0" encoding="utf-8"?>
 <p:sld xmlns:a="http://schemas.openxmlformats.org/drawingml/2006/main" xmlns:r="http://schemas.openxmlformats.org/officeDocument/2006/relationships" xmlns:p="http://schemas.openxmlformats.org/presentationml/2006/main">
   <p:cSld>
     <p:bg>
@@ -10572,8 +13062,8 @@
         </p:nvSpPr>
         <p:spPr>
           <a:xfrm>
-            <a:off x="474004" y="514786"/>
-            <a:ext cx="6350129" cy="6001643"/>
+            <a:off x="120320" y="0"/>
+            <a:ext cx="12071680" cy="4524315"/>
           </a:xfrm>
           <a:prstGeom prst="rect">
             <a:avLst/>
@@ -10590,388 +13080,216 @@
               <a:rPr lang="en-US" sz="1200" b="1" dirty="0">
                 <a:latin typeface="Avenir Next LT Pro" panose="020B0504020202020204" pitchFamily="34" charset="0"/>
               </a:rPr>
-              <a:t>Payment</a:t>
-            </a:r>
+              <a:t>Features</a:t>
+            </a:r>
+          </a:p>
+          <a:p>
+            <a:endParaRPr lang="en-US" sz="1200" b="1" dirty="0">
+              <a:latin typeface="Avenir Next LT Pro" panose="020B0504020202020204" pitchFamily="34" charset="0"/>
+            </a:endParaRPr>
           </a:p>
           <a:p>
             <a:pPr marL="228600" indent="-228600">
               <a:buAutoNum type="arabicPeriod"/>
             </a:pPr>
+            <a:r>
+              <a:rPr lang="en-IN" sz="1200" dirty="0">
+                <a:latin typeface="Avenir Next LT Pro" panose="020B0504020202020204" pitchFamily="34" charset="0"/>
+              </a:rPr>
+              <a:t>Group &amp; Normal Chat</a:t>
+            </a:r>
+          </a:p>
+          <a:p>
+            <a:pPr marL="228600" indent="-228600">
+              <a:buAutoNum type="arabicPeriod"/>
+            </a:pPr>
+            <a:r>
+              <a:rPr lang="en-US" sz="1200" dirty="0">
+                <a:latin typeface="Avenir Next LT Pro" panose="020B0504020202020204" pitchFamily="34" charset="0"/>
+              </a:rPr>
+              <a:t>Chats : Appears by Names, option to add another name for user specific purpose</a:t>
+            </a:r>
+          </a:p>
+          <a:p>
+            <a:pPr marL="228600" indent="-228600">
+              <a:buAutoNum type="arabicPeriod"/>
+            </a:pPr>
+            <a:r>
+              <a:rPr lang="en-US" sz="1200" dirty="0">
+                <a:latin typeface="Avenir Next LT Pro" panose="020B0504020202020204" pitchFamily="34" charset="0"/>
+              </a:rPr>
+              <a:t>Fixed msg : At the top center of every chat legal msg that these chats can be challenged in court</a:t>
+            </a:r>
+          </a:p>
+          <a:p>
+            <a:pPr marL="228600" indent="-228600">
+              <a:buAutoNum type="arabicPeriod"/>
+            </a:pPr>
+            <a:r>
+              <a:rPr lang="en-US" sz="1200" dirty="0">
+                <a:latin typeface="Avenir Next LT Pro" panose="020B0504020202020204" pitchFamily="34" charset="0"/>
+              </a:rPr>
+              <a:t>Group Chat: On click of Group Icon  or User name  all the details of the user appears</a:t>
+            </a:r>
+          </a:p>
+          <a:p>
+            <a:pPr marL="228600" indent="-228600">
+              <a:buAutoNum type="arabicPeriod"/>
+            </a:pPr>
+            <a:r>
+              <a:rPr lang="en-US" sz="1200" dirty="0">
+                <a:latin typeface="Avenir Next LT Pro" panose="020B0504020202020204" pitchFamily="34" charset="0"/>
+              </a:rPr>
+              <a:t>On click of + button, pop up will appears that cover entire chat area width wise &amp; 400px height wise on click of text writing area it should close or on click of area of chats Manage internal icons such that they well fitted in larger screen as well</a:t>
+            </a:r>
+          </a:p>
+          <a:p>
+            <a:pPr marL="228600" indent="-228600">
+              <a:buAutoNum type="arabicPeriod"/>
+            </a:pPr>
+            <a:r>
+              <a:rPr lang="en-US" sz="1200" dirty="0">
+                <a:latin typeface="Avenir Next LT Pro" panose="020B0504020202020204" pitchFamily="34" charset="0"/>
+              </a:rPr>
+              <a:t>For Single Chat: on click of top of chat Information section will be appears Information 1. User Basic Details, 2. Information of Today's Present in office (skippable) or last active, 2. Yours Basic Details, 3. Tab Section: that have list of all items that can be present in + button4. Chat Lock : two types of lock General Lock that will asked on every time to open any chat or if you are inactive for last 5 minutes (this setting is adjustable by the used end) or Screen unLock,5. Lock : Specific to some chats (if this enable than general Lock will be disable)</a:t>
+            </a:r>
+          </a:p>
+          <a:p>
+            <a:pPr marL="228600" indent="-228600">
+              <a:buAutoNum type="arabicPeriod"/>
+            </a:pPr>
+            <a:r>
+              <a:rPr lang="en-US" sz="1200" dirty="0">
+                <a:latin typeface="Avenir Next LT Pro" panose="020B0504020202020204" pitchFamily="34" charset="0"/>
+              </a:rPr>
+              <a:t>Blur: Char will blur after 5 minutes of inactive movement</a:t>
+            </a:r>
+          </a:p>
+          <a:p>
+            <a:pPr marL="228600" indent="-228600">
+              <a:buAutoNum type="arabicPeriod"/>
+            </a:pPr>
+            <a:r>
+              <a:rPr lang="en-US" sz="1200" dirty="0">
+                <a:latin typeface="Avenir Next LT Pro" panose="020B0504020202020204" pitchFamily="34" charset="0"/>
+              </a:rPr>
+              <a:t>Group: All above features list of all the members that are present in the group</a:t>
+            </a:r>
+          </a:p>
+          <a:p>
+            <a:pPr marL="228600" indent="-228600">
+              <a:buAutoNum type="arabicPeriod"/>
+            </a:pPr>
+            <a:r>
+              <a:rPr lang="en-IN" sz="1200" dirty="0">
+                <a:latin typeface="Avenir Next LT Pro" panose="020B0504020202020204" pitchFamily="34" charset="0"/>
+              </a:rPr>
+              <a:t>Video &amp; Voice Callings</a:t>
+            </a:r>
             <a:endParaRPr lang="en-US" sz="1200" dirty="0">
               <a:latin typeface="Avenir Next LT Pro" panose="020B0504020202020204" pitchFamily="34" charset="0"/>
             </a:endParaRPr>
           </a:p>
           <a:p>
-            <a:endParaRPr lang="en-US" sz="1200" dirty="0">
-              <a:latin typeface="Avenir Next LT Pro" panose="020B0504020202020204" pitchFamily="34" charset="0"/>
-            </a:endParaRPr>
-          </a:p>
-          <a:p>
-            <a:r>
-              <a:rPr lang="en-US" sz="1200" dirty="0">
-                <a:latin typeface="Avenir Next LT Pro" panose="020B0504020202020204" pitchFamily="34" charset="0"/>
-              </a:rPr>
-              <a:t>Requesting for payment from client (* A : Auto selected)</a:t>
-            </a:r>
-          </a:p>
-          <a:p>
-            <a:endParaRPr lang="en-US" sz="1200" dirty="0">
-              <a:latin typeface="Avenir Next LT Pro" panose="020B0504020202020204" pitchFamily="34" charset="0"/>
-            </a:endParaRPr>
-          </a:p>
-          <a:p>
-            <a:pPr marL="171450" indent="-171450">
-              <a:buFont typeface="Arial" panose="020B0604020202020204" pitchFamily="34" charset="0"/>
-              <a:buChar char="•"/>
-            </a:pPr>
-            <a:r>
-              <a:rPr lang="en-US" sz="1200" dirty="0">
-                <a:latin typeface="Avenir Next LT Pro" panose="020B0504020202020204" pitchFamily="34" charset="0"/>
-              </a:rPr>
-              <a:t>Project Name (A)</a:t>
-            </a:r>
-          </a:p>
-          <a:p>
-            <a:pPr marL="171450" indent="-171450">
-              <a:buFont typeface="Arial" panose="020B0604020202020204" pitchFamily="34" charset="0"/>
-              <a:buChar char="•"/>
-            </a:pPr>
-            <a:r>
-              <a:rPr lang="en-US" sz="1200" dirty="0">
-                <a:latin typeface="Avenir Next LT Pro" panose="020B0504020202020204" pitchFamily="34" charset="0"/>
-              </a:rPr>
-              <a:t>Project ID (A)</a:t>
-            </a:r>
-          </a:p>
-          <a:p>
-            <a:pPr marL="171450" indent="-171450">
-              <a:buFont typeface="Arial" panose="020B0604020202020204" pitchFamily="34" charset="0"/>
-              <a:buChar char="•"/>
-            </a:pPr>
-            <a:r>
-              <a:rPr lang="en-US" sz="1200" dirty="0">
-                <a:latin typeface="Avenir Next LT Pro" panose="020B0504020202020204" pitchFamily="34" charset="0"/>
-              </a:rPr>
-              <a:t>Manager Name (A)</a:t>
-            </a:r>
-          </a:p>
-          <a:p>
-            <a:pPr marL="171450" indent="-171450">
-              <a:buFont typeface="Arial" panose="020B0604020202020204" pitchFamily="34" charset="0"/>
-              <a:buChar char="•"/>
-            </a:pPr>
-            <a:r>
-              <a:rPr lang="en-US" sz="1200" dirty="0">
-                <a:latin typeface="Avenir Next LT Pro" panose="020B0504020202020204" pitchFamily="34" charset="0"/>
-              </a:rPr>
-              <a:t>Client Name (A)</a:t>
-            </a:r>
-          </a:p>
-          <a:p>
-            <a:pPr marL="171450" indent="-171450">
-              <a:buFont typeface="Arial" panose="020B0604020202020204" pitchFamily="34" charset="0"/>
-              <a:buChar char="•"/>
-            </a:pPr>
-            <a:r>
-              <a:rPr lang="en-US" sz="1200" dirty="0">
-                <a:latin typeface="Avenir Next LT Pro" panose="020B0504020202020204" pitchFamily="34" charset="0"/>
-              </a:rPr>
-              <a:t>Total Amount (A)</a:t>
-            </a:r>
-          </a:p>
-          <a:p>
-            <a:pPr marL="171450" indent="-171450">
-              <a:buFont typeface="Arial" panose="020B0604020202020204" pitchFamily="34" charset="0"/>
-              <a:buChar char="•"/>
-            </a:pPr>
-            <a:r>
-              <a:rPr lang="en-US" sz="1200" dirty="0">
-                <a:latin typeface="Avenir Next LT Pro" panose="020B0504020202020204" pitchFamily="34" charset="0"/>
-              </a:rPr>
-              <a:t>Paid Amount (A)</a:t>
-            </a:r>
-          </a:p>
-          <a:p>
-            <a:pPr marL="171450" indent="-171450">
-              <a:buFont typeface="Arial" panose="020B0604020202020204" pitchFamily="34" charset="0"/>
-              <a:buChar char="•"/>
-            </a:pPr>
-            <a:r>
-              <a:rPr lang="en-US" sz="1200" dirty="0">
-                <a:latin typeface="Avenir Next LT Pro" panose="020B0504020202020204" pitchFamily="34" charset="0"/>
-              </a:rPr>
-              <a:t>Due Amount (A)</a:t>
-            </a:r>
-          </a:p>
-          <a:p>
-            <a:pPr marL="171450" indent="-171450">
-              <a:buFont typeface="Arial" panose="020B0604020202020204" pitchFamily="34" charset="0"/>
-              <a:buChar char="•"/>
-            </a:pPr>
-            <a:r>
-              <a:rPr lang="en-US" sz="1200" dirty="0">
-                <a:latin typeface="Avenir Next LT Pro" panose="020B0504020202020204" pitchFamily="34" charset="0"/>
-              </a:rPr>
-              <a:t>Asked Amount</a:t>
-            </a:r>
-          </a:p>
-          <a:p>
-            <a:pPr marL="171450" indent="-171450">
-              <a:buFont typeface="Arial" panose="020B0604020202020204" pitchFamily="34" charset="0"/>
-              <a:buChar char="•"/>
-            </a:pPr>
-            <a:r>
-              <a:rPr lang="en-US" sz="1200" dirty="0">
-                <a:latin typeface="Avenir Next LT Pro" panose="020B0504020202020204" pitchFamily="34" charset="0"/>
-              </a:rPr>
-              <a:t>Choose Paid Methods : Cash, UPI, Scanner, Bank</a:t>
-            </a:r>
-          </a:p>
-          <a:p>
-            <a:pPr marL="171450" indent="-171450">
-              <a:buFont typeface="Arial" panose="020B0604020202020204" pitchFamily="34" charset="0"/>
-              <a:buChar char="•"/>
-            </a:pPr>
-            <a:endParaRPr lang="en-US" sz="1200" dirty="0">
-              <a:latin typeface="Avenir Next LT Pro" panose="020B0504020202020204" pitchFamily="34" charset="0"/>
-            </a:endParaRPr>
-          </a:p>
-          <a:p>
-            <a:r>
-              <a:rPr lang="en-US" sz="1200" dirty="0">
-                <a:latin typeface="Avenir Next LT Pro" panose="020B0504020202020204" pitchFamily="34" charset="0"/>
-              </a:rPr>
-              <a:t>Requesting to update the payment</a:t>
-            </a:r>
-          </a:p>
-          <a:p>
-            <a:pPr marL="171450" indent="-171450">
-              <a:buFont typeface="Arial" panose="020B0604020202020204" pitchFamily="34" charset="0"/>
-              <a:buChar char="•"/>
-            </a:pPr>
-            <a:r>
-              <a:rPr lang="en-US" sz="1200" dirty="0">
-                <a:latin typeface="Avenir Next LT Pro" panose="020B0504020202020204" pitchFamily="34" charset="0"/>
-              </a:rPr>
-              <a:t>Option : is payment is done by Cash or Online</a:t>
-            </a:r>
-          </a:p>
-          <a:p>
-            <a:pPr marL="171450" indent="-171450">
-              <a:buFont typeface="Arial" panose="020B0604020202020204" pitchFamily="34" charset="0"/>
-              <a:buChar char="•"/>
-            </a:pPr>
-            <a:endParaRPr lang="en-US" sz="1200" dirty="0">
-              <a:latin typeface="Avenir Next LT Pro" panose="020B0504020202020204" pitchFamily="34" charset="0"/>
-            </a:endParaRPr>
-          </a:p>
-          <a:p>
-            <a:pPr marL="171450" indent="-171450">
-              <a:buFont typeface="Arial" panose="020B0604020202020204" pitchFamily="34" charset="0"/>
-              <a:buChar char="•"/>
-            </a:pPr>
-            <a:r>
-              <a:rPr lang="en-US" sz="1200" dirty="0">
-                <a:latin typeface="Avenir Next LT Pro" panose="020B0504020202020204" pitchFamily="34" charset="0"/>
-              </a:rPr>
-              <a:t>Project Name &amp; ID</a:t>
-            </a:r>
-          </a:p>
-          <a:p>
-            <a:pPr marL="171450" indent="-171450">
-              <a:buFont typeface="Arial" panose="020B0604020202020204" pitchFamily="34" charset="0"/>
-              <a:buChar char="•"/>
-            </a:pPr>
-            <a:r>
-              <a:rPr lang="en-US" sz="1200" dirty="0">
-                <a:latin typeface="Avenir Next LT Pro" panose="020B0504020202020204" pitchFamily="34" charset="0"/>
-              </a:rPr>
-              <a:t>Name (to whom you submit the amount)</a:t>
-            </a:r>
-          </a:p>
-          <a:p>
-            <a:pPr marL="171450" indent="-171450">
-              <a:buFont typeface="Arial" panose="020B0604020202020204" pitchFamily="34" charset="0"/>
-              <a:buChar char="•"/>
-            </a:pPr>
-            <a:r>
-              <a:rPr lang="en-US" sz="1200" dirty="0">
-                <a:latin typeface="Avenir Next LT Pro" panose="020B0504020202020204" pitchFamily="34" charset="0"/>
-              </a:rPr>
-              <a:t>Employee ID</a:t>
-            </a:r>
-          </a:p>
-          <a:p>
-            <a:pPr marL="171450" indent="-171450">
-              <a:buFont typeface="Arial" panose="020B0604020202020204" pitchFamily="34" charset="0"/>
-              <a:buChar char="•"/>
-            </a:pPr>
-            <a:endParaRPr lang="en-US" sz="1200" dirty="0">
-              <a:latin typeface="Avenir Next LT Pro" panose="020B0504020202020204" pitchFamily="34" charset="0"/>
-            </a:endParaRPr>
-          </a:p>
-          <a:p>
-            <a:pPr marL="171450" indent="-171450">
-              <a:buFont typeface="Arial" panose="020B0604020202020204" pitchFamily="34" charset="0"/>
-              <a:buChar char="•"/>
-            </a:pPr>
-            <a:r>
-              <a:rPr lang="en-US" sz="1200" dirty="0">
-                <a:latin typeface="Avenir Next LT Pro" panose="020B0504020202020204" pitchFamily="34" charset="0"/>
-              </a:rPr>
-              <a:t>Name (Bank User Name)</a:t>
-            </a:r>
-          </a:p>
-          <a:p>
-            <a:pPr marL="171450" indent="-171450">
-              <a:buFont typeface="Arial" panose="020B0604020202020204" pitchFamily="34" charset="0"/>
-              <a:buChar char="•"/>
-            </a:pPr>
-            <a:r>
-              <a:rPr lang="en-US" sz="1200" dirty="0">
-                <a:latin typeface="Avenir Next LT Pro" panose="020B0504020202020204" pitchFamily="34" charset="0"/>
-              </a:rPr>
-              <a:t>Amount </a:t>
-            </a:r>
-          </a:p>
-          <a:p>
-            <a:pPr marL="171450" indent="-171450">
-              <a:buFont typeface="Arial" panose="020B0604020202020204" pitchFamily="34" charset="0"/>
-              <a:buChar char="•"/>
-            </a:pPr>
-            <a:r>
-              <a:rPr lang="en-US" sz="1200" dirty="0">
-                <a:latin typeface="Avenir Next LT Pro" panose="020B0504020202020204" pitchFamily="34" charset="0"/>
-              </a:rPr>
-              <a:t>Date</a:t>
-            </a:r>
-          </a:p>
-          <a:p>
-            <a:pPr marL="171450" indent="-171450">
-              <a:buFont typeface="Arial" panose="020B0604020202020204" pitchFamily="34" charset="0"/>
-              <a:buChar char="•"/>
-            </a:pPr>
-            <a:r>
-              <a:rPr lang="en-US" sz="1200" dirty="0">
-                <a:latin typeface="Avenir Next LT Pro" panose="020B0504020202020204" pitchFamily="34" charset="0"/>
-              </a:rPr>
-              <a:t>Transaction ID (optional, if we haven’t file the record by your detail then will compulsory need this)</a:t>
-            </a:r>
-          </a:p>
-          <a:p>
-            <a:pPr marL="171450" indent="-171450">
-              <a:buFont typeface="Arial" panose="020B0604020202020204" pitchFamily="34" charset="0"/>
-              <a:buChar char="•"/>
-            </a:pPr>
-            <a:endParaRPr lang="en-US" sz="1200" dirty="0">
-              <a:latin typeface="Avenir Next LT Pro" panose="020B0504020202020204" pitchFamily="34" charset="0"/>
-            </a:endParaRPr>
-          </a:p>
-          <a:p>
-            <a:pPr marL="171450" indent="-171450">
-              <a:buFont typeface="Arial" panose="020B0604020202020204" pitchFamily="34" charset="0"/>
-              <a:buChar char="•"/>
-            </a:pPr>
-            <a:r>
-              <a:rPr lang="en-US" sz="1200" dirty="0">
-                <a:latin typeface="Avenir Next LT Pro" panose="020B0504020202020204" pitchFamily="34" charset="0"/>
-              </a:rPr>
-              <a:t> </a:t>
-            </a:r>
-          </a:p>
-          <a:p>
-            <a:endParaRPr lang="en-US" sz="1200" dirty="0">
-              <a:latin typeface="Avenir Next LT Pro" panose="020B0504020202020204" pitchFamily="34" charset="0"/>
-            </a:endParaRPr>
-          </a:p>
-          <a:p>
             <a:pPr marL="228600" indent="-228600">
               <a:buAutoNum type="arabicPeriod"/>
             </a:pPr>
-            <a:endParaRPr lang="en-US" sz="1200" dirty="0">
-              <a:latin typeface="Avenir Next LT Pro" panose="020B0504020202020204" pitchFamily="34" charset="0"/>
-            </a:endParaRPr>
+            <a:r>
+              <a:rPr lang="en-US" sz="1200" dirty="0">
+                <a:latin typeface="Avenir Next LT Pro" panose="020B0504020202020204" pitchFamily="34" charset="0"/>
+              </a:rPr>
+              <a:t>Logs: All important rights that are used comes. Like who create the, who add whom, add rights, transfer rights,   etc.</a:t>
+            </a:r>
           </a:p>
           <a:p>
             <a:pPr marL="228600" indent="-228600">
               <a:buAutoNum type="arabicPeriod"/>
             </a:pPr>
+            <a:r>
+              <a:rPr lang="en-US" sz="1200" dirty="0">
+                <a:latin typeface="Avenir Next LT Pro" panose="020B0504020202020204" pitchFamily="34" charset="0"/>
+              </a:rPr>
+              <a:t>Option to add more members, Who has the right of adding more members</a:t>
+            </a:r>
             <a:endParaRPr lang="en-IN" sz="1200" dirty="0">
               <a:latin typeface="Avenir Next LT Pro" panose="020B0504020202020204" pitchFamily="34" charset="0"/>
             </a:endParaRPr>
           </a:p>
-        </p:txBody>
-      </p:sp>
-      <p:sp>
-        <p:nvSpPr>
-          <p:cNvPr id="2" name="TextBox 1">
-            <a:extLst>
-              <a:ext uri="{FF2B5EF4-FFF2-40B4-BE49-F238E27FC236}">
-                <a16:creationId xmlns:a16="http://schemas.microsoft.com/office/drawing/2014/main" id="{4F7858C3-2840-CADC-C9D1-3B5501A30DC0}"/>
-              </a:ext>
-            </a:extLst>
-          </p:cNvPr>
-          <p:cNvSpPr txBox="1"/>
-          <p:nvPr/>
-        </p:nvSpPr>
-        <p:spPr>
-          <a:xfrm>
-            <a:off x="7315329" y="514786"/>
-            <a:ext cx="4402667" cy="1200329"/>
-          </a:xfrm>
-          <a:prstGeom prst="rect">
-            <a:avLst/>
-          </a:prstGeom>
-          <a:noFill/>
-        </p:spPr>
-        <p:txBody>
-          <a:bodyPr wrap="square" rtlCol="0">
-            <a:spAutoFit/>
-          </a:bodyPr>
-          <a:lstStyle/>
-          <a:p>
-            <a:r>
-              <a:rPr lang="en-IN" sz="1200" dirty="0">
-                <a:latin typeface="Avenir Next LT Pro" panose="020B0504020202020204" pitchFamily="34" charset="0"/>
-              </a:rPr>
-              <a:t>Details</a:t>
-            </a:r>
-          </a:p>
-          <a:p>
-            <a:endParaRPr lang="en-IN" sz="1200" dirty="0">
-              <a:latin typeface="Avenir Next LT Pro" panose="020B0504020202020204" pitchFamily="34" charset="0"/>
-            </a:endParaRPr>
-          </a:p>
           <a:p>
             <a:pPr marL="228600" indent="-228600">
               <a:buAutoNum type="arabicPeriod"/>
             </a:pPr>
-            <a:endParaRPr lang="en-IN" sz="1200" dirty="0">
-              <a:latin typeface="Avenir Next LT Pro" panose="020B0504020202020204" pitchFamily="34" charset="0"/>
-            </a:endParaRPr>
+            <a:r>
+              <a:rPr lang="en-IN" sz="1200" dirty="0">
+                <a:latin typeface="Avenir Next LT Pro" panose="020B0504020202020204" pitchFamily="34" charset="0"/>
+              </a:rPr>
+              <a:t>purpose of the group</a:t>
+            </a:r>
           </a:p>
           <a:p>
             <a:pPr marL="228600" indent="-228600">
               <a:buAutoNum type="arabicPeriod"/>
             </a:pPr>
-            <a:endParaRPr lang="en-IN" sz="1200" dirty="0">
-              <a:latin typeface="Avenir Next LT Pro" panose="020B0504020202020204" pitchFamily="34" charset="0"/>
-            </a:endParaRPr>
+            <a:r>
+              <a:rPr lang="en-US" sz="1200" dirty="0">
+                <a:latin typeface="Avenir Next LT Pro" panose="020B0504020202020204" pitchFamily="34" charset="0"/>
+              </a:rPr>
+              <a:t>separate the normal chats &amp; groups differently</a:t>
+            </a:r>
           </a:p>
           <a:p>
             <a:pPr marL="228600" indent="-228600">
               <a:buAutoNum type="arabicPeriod"/>
             </a:pPr>
-            <a:endParaRPr lang="en-IN" sz="1200" dirty="0">
-              <a:latin typeface="Avenir Next LT Pro" panose="020B0504020202020204" pitchFamily="34" charset="0"/>
-            </a:endParaRPr>
-          </a:p>
-          <a:p>
-            <a:r>
-              <a:rPr lang="en-IN" sz="1200" dirty="0">
-                <a:latin typeface="Avenir Next LT Pro" panose="020B0504020202020204" pitchFamily="34" charset="0"/>
-              </a:rPr>
-              <a:t> </a:t>
+            <a:r>
+              <a:rPr lang="en-US" sz="1200" dirty="0">
+                <a:latin typeface="Avenir Next LT Pro" panose="020B0504020202020204" pitchFamily="34" charset="0"/>
+              </a:rPr>
+              <a:t>Cluster: user can create clusters for different type of chats eg : group, single chat, pins, Option to make clusters from users</a:t>
+            </a:r>
+          </a:p>
+          <a:p>
+            <a:pPr marL="228600" indent="-228600">
+              <a:buAutoNum type="arabicPeriod"/>
+            </a:pPr>
+            <a:r>
+              <a:rPr lang="en-US" sz="1200" dirty="0">
+                <a:latin typeface="Avenir Next LT Pro" panose="020B0504020202020204" pitchFamily="34" charset="0"/>
+              </a:rPr>
+              <a:t>client, employee type, department wise,</a:t>
+            </a:r>
+          </a:p>
+          <a:p>
+            <a:pPr marL="228600" indent="-228600">
+              <a:buAutoNum type="arabicPeriod"/>
+            </a:pPr>
+            <a:r>
+              <a:rPr lang="en-US" sz="1200" dirty="0">
+                <a:latin typeface="Avenir Next LT Pro" panose="020B0504020202020204" pitchFamily="34" charset="0"/>
+              </a:rPr>
+              <a:t>You cannot exit or leave the group only Admins can remove you from the group with a reason to leave and this will save as a record</a:t>
+            </a:r>
+          </a:p>
+          <a:p>
+            <a:pPr marL="228600" indent="-228600">
+              <a:buAutoNum type="arabicPeriod"/>
+            </a:pPr>
+            <a:r>
+              <a:rPr lang="en-US" sz="1200" dirty="0">
+                <a:latin typeface="Avenir Next LT Pro" panose="020B0504020202020204" pitchFamily="34" charset="0"/>
+              </a:rPr>
+              <a:t>Print : Chat print Option (for legal purposes) - While printing the chat basic details of all the user also attached on the top</a:t>
+            </a:r>
+          </a:p>
+          <a:p>
+            <a:pPr marL="228600" indent="-228600">
+              <a:buAutoNum type="arabicPeriod"/>
+            </a:pPr>
+            <a:r>
+              <a:rPr lang="en-US" sz="1200" dirty="0">
+                <a:latin typeface="Avenir Next LT Pro" panose="020B0504020202020204" pitchFamily="34" charset="0"/>
+              </a:rPr>
+              <a:t>Search : by name,  ID, Mobile Number, department</a:t>
             </a:r>
           </a:p>
         </p:txBody>
@@ -10979,7 +13297,7 @@
     </p:spTree>
     <p:extLst>
       <p:ext uri="{BB962C8B-B14F-4D97-AF65-F5344CB8AC3E}">
-        <p14:creationId xmlns:p14="http://schemas.microsoft.com/office/powerpoint/2010/main" val="934270244"/>
+        <p14:creationId xmlns:p14="http://schemas.microsoft.com/office/powerpoint/2010/main" val="1982091787"/>
       </p:ext>
     </p:extLst>
   </p:cSld>
@@ -11016,232 +13334,20 @@
       </p:grpSpPr>
       <p:sp>
         <p:nvSpPr>
-          <p:cNvPr id="2" name="Rectangle 1">
-            <a:extLst>
-              <a:ext uri="{FF2B5EF4-FFF2-40B4-BE49-F238E27FC236}">
-                <a16:creationId xmlns:a16="http://schemas.microsoft.com/office/drawing/2014/main" id="{0468BE06-8A41-9FB5-5E43-9F36BDFF9D2F}"/>
-              </a:ext>
-            </a:extLst>
-          </p:cNvPr>
-          <p:cNvSpPr/>
+          <p:cNvPr id="5" name="TextBox 4">
+            <a:extLst>
+              <a:ext uri="{FF2B5EF4-FFF2-40B4-BE49-F238E27FC236}">
+                <a16:creationId xmlns:a16="http://schemas.microsoft.com/office/drawing/2014/main" id="{ACD2B91E-8B5D-5BF9-0E32-0198E8AD907C}"/>
+              </a:ext>
+            </a:extLst>
+          </p:cNvPr>
+          <p:cNvSpPr txBox="1"/>
           <p:nvPr/>
         </p:nvSpPr>
         <p:spPr>
           <a:xfrm>
-            <a:off x="0" y="367748"/>
-            <a:ext cx="1789044" cy="6490252"/>
-          </a:xfrm>
-          <a:prstGeom prst="rect">
-            <a:avLst/>
-          </a:prstGeom>
-          <a:solidFill>
-            <a:schemeClr val="bg1">
-              <a:lumMod val="85000"/>
-            </a:schemeClr>
-          </a:solidFill>
-          <a:ln>
-            <a:noFill/>
-          </a:ln>
-        </p:spPr>
-        <p:style>
-          <a:lnRef idx="2">
-            <a:schemeClr val="accent1">
-              <a:shade val="15000"/>
-            </a:schemeClr>
-          </a:lnRef>
-          <a:fillRef idx="1">
-            <a:schemeClr val="accent1"/>
-          </a:fillRef>
-          <a:effectRef idx="0">
-            <a:schemeClr val="accent1"/>
-          </a:effectRef>
-          <a:fontRef idx="minor">
-            <a:schemeClr val="lt1"/>
-          </a:fontRef>
-        </p:style>
-        <p:txBody>
-          <a:bodyPr rtlCol="0" anchor="ctr"/>
-          <a:lstStyle/>
-          <a:p>
-            <a:pPr algn="ctr"/>
-            <a:r>
-              <a:rPr lang="en-US" sz="1200" b="1" dirty="0">
-                <a:solidFill>
-                  <a:schemeClr val="tx1"/>
-                </a:solidFill>
-                <a:latin typeface="Avenir Next LT Pro" panose="020B0504020202020204" pitchFamily="34" charset="0"/>
-              </a:rPr>
-              <a:t>Side Nav</a:t>
-            </a:r>
-            <a:endParaRPr lang="en-IN" sz="1200" b="1" dirty="0">
-              <a:solidFill>
-                <a:schemeClr val="tx1"/>
-              </a:solidFill>
-              <a:latin typeface="Avenir Next LT Pro" panose="020B0504020202020204" pitchFamily="34" charset="0"/>
-            </a:endParaRPr>
-          </a:p>
-        </p:txBody>
-      </p:sp>
-      <p:sp>
-        <p:nvSpPr>
-          <p:cNvPr id="3" name="Rectangle 2">
-            <a:extLst>
-              <a:ext uri="{FF2B5EF4-FFF2-40B4-BE49-F238E27FC236}">
-                <a16:creationId xmlns:a16="http://schemas.microsoft.com/office/drawing/2014/main" id="{AF6568F0-4396-E509-39E7-DB8DA785C4A9}"/>
-              </a:ext>
-            </a:extLst>
-          </p:cNvPr>
-          <p:cNvSpPr/>
-          <p:nvPr/>
-        </p:nvSpPr>
-        <p:spPr>
-          <a:xfrm>
-            <a:off x="7732643" y="0"/>
-            <a:ext cx="4459358" cy="6858000"/>
-          </a:xfrm>
-          <a:prstGeom prst="rect">
-            <a:avLst/>
-          </a:prstGeom>
-          <a:solidFill>
-            <a:schemeClr val="accent5">
-              <a:lumMod val="20000"/>
-              <a:lumOff val="80000"/>
-            </a:schemeClr>
-          </a:solidFill>
-          <a:ln>
-            <a:noFill/>
-          </a:ln>
-        </p:spPr>
-        <p:style>
-          <a:lnRef idx="2">
-            <a:schemeClr val="accent1">
-              <a:shade val="15000"/>
-            </a:schemeClr>
-          </a:lnRef>
-          <a:fillRef idx="1">
-            <a:schemeClr val="accent1"/>
-          </a:fillRef>
-          <a:effectRef idx="0">
-            <a:schemeClr val="accent1"/>
-          </a:effectRef>
-          <a:fontRef idx="minor">
-            <a:schemeClr val="lt1"/>
-          </a:fontRef>
-        </p:style>
-        <p:txBody>
-          <a:bodyPr rtlCol="0" anchor="ctr"/>
-          <a:lstStyle/>
-          <a:p>
-            <a:pPr algn="ctr"/>
-            <a:r>
-              <a:rPr lang="en-US" sz="1200" b="1" dirty="0">
-                <a:solidFill>
-                  <a:schemeClr val="tx1"/>
-                </a:solidFill>
-                <a:latin typeface="Avenir Next LT Pro" panose="020B0504020202020204" pitchFamily="34" charset="0"/>
-              </a:rPr>
-              <a:t>Chat-Section</a:t>
-            </a:r>
-            <a:endParaRPr lang="en-IN" sz="1200" b="1" dirty="0">
-              <a:solidFill>
-                <a:schemeClr val="tx1"/>
-              </a:solidFill>
-              <a:latin typeface="Avenir Next LT Pro" panose="020B0504020202020204" pitchFamily="34" charset="0"/>
-            </a:endParaRPr>
-          </a:p>
-        </p:txBody>
-      </p:sp>
-      <p:sp>
-        <p:nvSpPr>
-          <p:cNvPr id="4" name="Rectangle 3">
-            <a:extLst>
-              <a:ext uri="{FF2B5EF4-FFF2-40B4-BE49-F238E27FC236}">
-                <a16:creationId xmlns:a16="http://schemas.microsoft.com/office/drawing/2014/main" id="{CC822EE7-FB44-3868-2CE2-3127AEE239CA}"/>
-              </a:ext>
-            </a:extLst>
-          </p:cNvPr>
-          <p:cNvSpPr/>
-          <p:nvPr/>
-        </p:nvSpPr>
-        <p:spPr>
-          <a:xfrm>
-            <a:off x="0" y="0"/>
-            <a:ext cx="12192000" cy="367748"/>
-          </a:xfrm>
-          <a:prstGeom prst="rect">
-            <a:avLst/>
-          </a:prstGeom>
-          <a:solidFill>
-            <a:schemeClr val="accent6">
-              <a:lumMod val="20000"/>
-              <a:lumOff val="80000"/>
-            </a:schemeClr>
-          </a:solidFill>
-          <a:ln>
-            <a:noFill/>
-          </a:ln>
-        </p:spPr>
-        <p:style>
-          <a:lnRef idx="2">
-            <a:schemeClr val="accent1">
-              <a:shade val="15000"/>
-            </a:schemeClr>
-          </a:lnRef>
-          <a:fillRef idx="1">
-            <a:schemeClr val="accent1"/>
-          </a:fillRef>
-          <a:effectRef idx="0">
-            <a:schemeClr val="accent1"/>
-          </a:effectRef>
-          <a:fontRef idx="minor">
-            <a:schemeClr val="lt1"/>
-          </a:fontRef>
-        </p:style>
-        <p:txBody>
-          <a:bodyPr rtlCol="0" anchor="ctr"/>
-          <a:lstStyle/>
-          <a:p>
-            <a:pPr algn="ctr"/>
-            <a:r>
-              <a:rPr lang="en-US" sz="1200" b="1" dirty="0">
-                <a:solidFill>
-                  <a:schemeClr val="tx1">
-                    <a:lumMod val="75000"/>
-                    <a:lumOff val="25000"/>
-                  </a:schemeClr>
-                </a:solidFill>
-                <a:latin typeface="Avenir Next LT Pro" panose="020B0504020202020204" pitchFamily="34" charset="0"/>
-              </a:rPr>
-              <a:t>Nav - Bar  (Ribbon)</a:t>
-            </a:r>
-            <a:endParaRPr lang="en-IN" sz="1200" b="1" dirty="0">
-              <a:solidFill>
-                <a:schemeClr val="tx1">
-                  <a:lumMod val="75000"/>
-                  <a:lumOff val="25000"/>
-                </a:schemeClr>
-              </a:solidFill>
-              <a:latin typeface="Avenir Next LT Pro" panose="020B0504020202020204" pitchFamily="34" charset="0"/>
-            </a:endParaRPr>
-          </a:p>
-        </p:txBody>
-      </p:sp>
-      <p:sp>
-        <p:nvSpPr>
-          <p:cNvPr id="5" name="TextBox 4">
-            <a:extLst>
-              <a:ext uri="{FF2B5EF4-FFF2-40B4-BE49-F238E27FC236}">
-                <a16:creationId xmlns:a16="http://schemas.microsoft.com/office/drawing/2014/main" id="{ACD2B91E-8B5D-5BF9-0E32-0198E8AD907C}"/>
-              </a:ext>
-            </a:extLst>
-          </p:cNvPr>
-          <p:cNvSpPr txBox="1"/>
-          <p:nvPr/>
-        </p:nvSpPr>
-        <p:spPr>
-          <a:xfrm>
-            <a:off x="4075043" y="3220278"/>
-            <a:ext cx="1768689" cy="276999"/>
+            <a:off x="120320" y="0"/>
+            <a:ext cx="12071680" cy="3231654"/>
           </a:xfrm>
           <a:prstGeom prst="rect">
             <a:avLst/>
@@ -11249,7 +13355,7 @@
           <a:noFill/>
         </p:spPr>
         <p:txBody>
-          <a:bodyPr wrap="none" rtlCol="0">
+          <a:bodyPr wrap="square" rtlCol="0">
             <a:spAutoFit/>
           </a:bodyPr>
           <a:lstStyle/>
@@ -11258,84 +13364,133 @@
               <a:rPr lang="en-US" sz="1200" b="1" dirty="0">
                 <a:latin typeface="Avenir Next LT Pro" panose="020B0504020202020204" pitchFamily="34" charset="0"/>
               </a:rPr>
-              <a:t>Active Project Details</a:t>
-            </a:r>
-            <a:endParaRPr lang="en-IN" sz="1200" b="1" dirty="0">
+              <a:t>Features (Others)</a:t>
+            </a:r>
+          </a:p>
+          <a:p>
+            <a:endParaRPr lang="en-US" sz="1200" dirty="0">
               <a:latin typeface="Avenir Next LT Pro" panose="020B0504020202020204" pitchFamily="34" charset="0"/>
             </a:endParaRPr>
           </a:p>
-        </p:txBody>
-      </p:sp>
-      <p:sp>
-        <p:nvSpPr>
-          <p:cNvPr id="6" name="Rectangle 5">
-            <a:extLst>
-              <a:ext uri="{FF2B5EF4-FFF2-40B4-BE49-F238E27FC236}">
-                <a16:creationId xmlns:a16="http://schemas.microsoft.com/office/drawing/2014/main" id="{3A3BB026-526A-669E-F86F-201AC9B70B00}"/>
-              </a:ext>
-            </a:extLst>
-          </p:cNvPr>
-          <p:cNvSpPr/>
-          <p:nvPr/>
-        </p:nvSpPr>
-        <p:spPr>
-          <a:xfrm>
-            <a:off x="1789044" y="367748"/>
-            <a:ext cx="5943599" cy="367748"/>
-          </a:xfrm>
-          <a:prstGeom prst="rect">
-            <a:avLst/>
-          </a:prstGeom>
-          <a:solidFill>
-            <a:schemeClr val="accent2">
-              <a:lumMod val="20000"/>
-              <a:lumOff val="80000"/>
-            </a:schemeClr>
-          </a:solidFill>
-          <a:ln>
-            <a:noFill/>
-          </a:ln>
-        </p:spPr>
-        <p:style>
-          <a:lnRef idx="2">
-            <a:schemeClr val="accent1">
-              <a:shade val="15000"/>
-            </a:schemeClr>
-          </a:lnRef>
-          <a:fillRef idx="1">
-            <a:schemeClr val="accent1"/>
-          </a:fillRef>
-          <a:effectRef idx="0">
-            <a:schemeClr val="accent1"/>
-          </a:effectRef>
-          <a:fontRef idx="minor">
-            <a:schemeClr val="lt1"/>
-          </a:fontRef>
-        </p:style>
-        <p:txBody>
-          <a:bodyPr rtlCol="0" anchor="ctr"/>
-          <a:lstStyle/>
-          <a:p>
-            <a:pPr algn="ctr"/>
-            <a:r>
-              <a:rPr lang="en-US" sz="1200" b="1" dirty="0">
-                <a:solidFill>
-                  <a:schemeClr val="tx1">
-                    <a:lumMod val="75000"/>
-                    <a:lumOff val="25000"/>
-                  </a:schemeClr>
-                </a:solidFill>
-                <a:latin typeface="Avenir Next LT Pro" panose="020B0504020202020204" pitchFamily="34" charset="0"/>
-              </a:rPr>
-              <a:t>Project Manager Ribbon</a:t>
-            </a:r>
-            <a:endParaRPr lang="en-IN" sz="1200" b="1" dirty="0">
-              <a:solidFill>
-                <a:schemeClr val="tx1">
-                  <a:lumMod val="75000"/>
-                  <a:lumOff val="25000"/>
-                </a:schemeClr>
-              </a:solidFill>
+          <a:p>
+            <a:pPr marL="228600" indent="-228600">
+              <a:buAutoNum type="arabicPeriod"/>
+            </a:pPr>
+            <a:r>
+              <a:rPr lang="en-US" sz="1200" dirty="0">
+                <a:latin typeface="Avenir Next LT Pro" panose="020B0504020202020204" pitchFamily="34" charset="0"/>
+              </a:rPr>
+              <a:t>Most Important thing of this is the integration</a:t>
+            </a:r>
+          </a:p>
+          <a:p>
+            <a:pPr marL="228600" indent="-228600">
+              <a:buAutoNum type="arabicPeriod"/>
+            </a:pPr>
+            <a:r>
+              <a:rPr lang="en-US" sz="1200" dirty="0" err="1">
+                <a:latin typeface="Avenir Next LT Pro" panose="020B0504020202020204" pitchFamily="34" charset="0"/>
+              </a:rPr>
+              <a:t>LetsDiscuss</a:t>
+            </a:r>
+            <a:r>
+              <a:rPr lang="en-US" sz="1200" dirty="0">
+                <a:latin typeface="Avenir Next LT Pro" panose="020B0504020202020204" pitchFamily="34" charset="0"/>
+              </a:rPr>
+              <a:t> have its own 1. Chat App2. Calender3. Meeting4. Phone  Note Making 5. and lot more and they will communicate with each other to make production highly effective</a:t>
+            </a:r>
+            <a:endParaRPr lang="en-IN" sz="1200" dirty="0">
+              <a:latin typeface="Avenir Next LT Pro" panose="020B0504020202020204" pitchFamily="34" charset="0"/>
+            </a:endParaRPr>
+          </a:p>
+          <a:p>
+            <a:pPr marL="228600" indent="-228600">
+              <a:buAutoNum type="arabicPeriod"/>
+            </a:pPr>
+            <a:r>
+              <a:rPr lang="en-IN" sz="1200" dirty="0">
+                <a:latin typeface="Avenir Next LT Pro" panose="020B0504020202020204" pitchFamily="34" charset="0"/>
+              </a:rPr>
+              <a:t>Inbuild Calander</a:t>
+            </a:r>
+            <a:r>
+              <a:rPr lang="en-US" sz="1200" dirty="0">
+                <a:latin typeface="Avenir Next LT Pro" panose="020B0504020202020204" pitchFamily="34" charset="0"/>
+              </a:rPr>
+              <a:t> - if we have any active related to date with other members then that activity will be added to other members calendars Who creates the meeting will also get to know that the availability of that person for that time and tell the employee the importance of that meeting If the meeting collides then members can shift their meeting with other person</a:t>
+            </a:r>
+          </a:p>
+          <a:p>
+            <a:pPr marL="228600" indent="-228600">
+              <a:buAutoNum type="arabicPeriod"/>
+            </a:pPr>
+            <a:r>
+              <a:rPr lang="en-US" sz="1200" dirty="0">
+                <a:latin typeface="Avenir Next LT Pro" panose="020B0504020202020204" pitchFamily="34" charset="0"/>
+              </a:rPr>
+              <a:t>Notes Making: Meeting Notes very powerful &amp; feature rich note making, that are accessible shareable, downloadable, printable, etc.</a:t>
+            </a:r>
+          </a:p>
+          <a:p>
+            <a:pPr marL="228600" indent="-228600">
+              <a:buAutoNum type="arabicPeriod"/>
+            </a:pPr>
+            <a:r>
+              <a:rPr lang="en-IN" sz="1200" dirty="0">
+                <a:latin typeface="Avenir Next LT Pro" panose="020B0504020202020204" pitchFamily="34" charset="0"/>
+              </a:rPr>
+              <a:t>Emojis</a:t>
+            </a:r>
+          </a:p>
+          <a:p>
+            <a:pPr marL="228600" indent="-228600">
+              <a:buAutoNum type="arabicPeriod"/>
+            </a:pPr>
+            <a:r>
+              <a:rPr lang="en-US" sz="1200" dirty="0">
+                <a:latin typeface="Avenir Next LT Pro" panose="020B0504020202020204" pitchFamily="34" charset="0"/>
+              </a:rPr>
+              <a:t>Phones : Add a reminder to call someone, purpose of call date &amp; time of calls</a:t>
+            </a:r>
+          </a:p>
+          <a:p>
+            <a:pPr marL="228600" indent="-228600">
+              <a:buAutoNum type="arabicPeriod"/>
+            </a:pPr>
+            <a:r>
+              <a:rPr lang="en-US" sz="1200" dirty="0">
+                <a:latin typeface="Avenir Next LT Pro" panose="020B0504020202020204" pitchFamily="34" charset="0"/>
+              </a:rPr>
+              <a:t>AI will understand the call &amp; conclude that in text  and that text will appears as a separate conversation with that person, After Conclusion generated by AI  it ask user to verify it on the same time or later on</a:t>
+            </a:r>
+          </a:p>
+          <a:p>
+            <a:pPr marL="228600" indent="-228600">
+              <a:buAutoNum type="arabicPeriod"/>
+            </a:pPr>
+            <a:r>
+              <a:rPr lang="en-US" sz="1200" dirty="0">
+                <a:latin typeface="Avenir Next LT Pro" panose="020B0504020202020204" pitchFamily="34" charset="0"/>
+              </a:rPr>
+              <a:t>Extract the important information from the text and make that bullet points &amp; we also can train the employee how talk on the call so that user can get maximum benefits of the AI</a:t>
+            </a:r>
+          </a:p>
+          <a:p>
+            <a:pPr marL="228600" indent="-228600">
+              <a:buAutoNum type="arabicPeriod"/>
+            </a:pPr>
+            <a:r>
+              <a:rPr lang="en-US" sz="1200" dirty="0">
+                <a:latin typeface="Avenir Next LT Pro" panose="020B0504020202020204" pitchFamily="34" charset="0"/>
+              </a:rPr>
+              <a:t>This conversation summary will be appears on the phone app as well</a:t>
+            </a:r>
+          </a:p>
+          <a:p>
+            <a:pPr marL="228600" indent="-228600">
+              <a:buAutoNum type="arabicPeriod"/>
+            </a:pPr>
+            <a:endParaRPr lang="en-IN" sz="1200" dirty="0">
               <a:latin typeface="Avenir Next LT Pro" panose="020B0504020202020204" pitchFamily="34" charset="0"/>
             </a:endParaRPr>
           </a:p>
@@ -11344,7 +13499,7 @@
     </p:spTree>
     <p:extLst>
       <p:ext uri="{BB962C8B-B14F-4D97-AF65-F5344CB8AC3E}">
-        <p14:creationId xmlns:p14="http://schemas.microsoft.com/office/powerpoint/2010/main" val="2712249354"/>
+        <p14:creationId xmlns:p14="http://schemas.microsoft.com/office/powerpoint/2010/main" val="1094389117"/>
       </p:ext>
     </p:extLst>
   </p:cSld>
@@ -11381,232 +13536,20 @@
       </p:grpSpPr>
       <p:sp>
         <p:nvSpPr>
-          <p:cNvPr id="2" name="Rectangle 1">
-            <a:extLst>
-              <a:ext uri="{FF2B5EF4-FFF2-40B4-BE49-F238E27FC236}">
-                <a16:creationId xmlns:a16="http://schemas.microsoft.com/office/drawing/2014/main" id="{0468BE06-8A41-9FB5-5E43-9F36BDFF9D2F}"/>
-              </a:ext>
-            </a:extLst>
-          </p:cNvPr>
-          <p:cNvSpPr/>
+          <p:cNvPr id="5" name="TextBox 4">
+            <a:extLst>
+              <a:ext uri="{FF2B5EF4-FFF2-40B4-BE49-F238E27FC236}">
+                <a16:creationId xmlns:a16="http://schemas.microsoft.com/office/drawing/2014/main" id="{ACD2B91E-8B5D-5BF9-0E32-0198E8AD907C}"/>
+              </a:ext>
+            </a:extLst>
+          </p:cNvPr>
+          <p:cNvSpPr txBox="1"/>
           <p:nvPr/>
         </p:nvSpPr>
         <p:spPr>
           <a:xfrm>
-            <a:off x="0" y="367748"/>
-            <a:ext cx="1789044" cy="6490252"/>
-          </a:xfrm>
-          <a:prstGeom prst="rect">
-            <a:avLst/>
-          </a:prstGeom>
-          <a:solidFill>
-            <a:schemeClr val="bg1">
-              <a:lumMod val="85000"/>
-            </a:schemeClr>
-          </a:solidFill>
-          <a:ln>
-            <a:noFill/>
-          </a:ln>
-        </p:spPr>
-        <p:style>
-          <a:lnRef idx="2">
-            <a:schemeClr val="accent1">
-              <a:shade val="15000"/>
-            </a:schemeClr>
-          </a:lnRef>
-          <a:fillRef idx="1">
-            <a:schemeClr val="accent1"/>
-          </a:fillRef>
-          <a:effectRef idx="0">
-            <a:schemeClr val="accent1"/>
-          </a:effectRef>
-          <a:fontRef idx="minor">
-            <a:schemeClr val="lt1"/>
-          </a:fontRef>
-        </p:style>
-        <p:txBody>
-          <a:bodyPr rtlCol="0" anchor="ctr"/>
-          <a:lstStyle/>
-          <a:p>
-            <a:pPr algn="ctr"/>
-            <a:r>
-              <a:rPr lang="en-US" sz="1200" b="1" dirty="0">
-                <a:solidFill>
-                  <a:schemeClr val="tx1"/>
-                </a:solidFill>
-                <a:latin typeface="Avenir Next LT Pro" panose="020B0504020202020204" pitchFamily="34" charset="0"/>
-              </a:rPr>
-              <a:t>Side Nav</a:t>
-            </a:r>
-            <a:endParaRPr lang="en-IN" sz="1200" b="1" dirty="0">
-              <a:solidFill>
-                <a:schemeClr val="tx1"/>
-              </a:solidFill>
-              <a:latin typeface="Avenir Next LT Pro" panose="020B0504020202020204" pitchFamily="34" charset="0"/>
-            </a:endParaRPr>
-          </a:p>
-        </p:txBody>
-      </p:sp>
-      <p:sp>
-        <p:nvSpPr>
-          <p:cNvPr id="3" name="Rectangle 2">
-            <a:extLst>
-              <a:ext uri="{FF2B5EF4-FFF2-40B4-BE49-F238E27FC236}">
-                <a16:creationId xmlns:a16="http://schemas.microsoft.com/office/drawing/2014/main" id="{AF6568F0-4396-E509-39E7-DB8DA785C4A9}"/>
-              </a:ext>
-            </a:extLst>
-          </p:cNvPr>
-          <p:cNvSpPr/>
-          <p:nvPr/>
-        </p:nvSpPr>
-        <p:spPr>
-          <a:xfrm>
-            <a:off x="7732643" y="0"/>
-            <a:ext cx="4459358" cy="6858000"/>
-          </a:xfrm>
-          <a:prstGeom prst="rect">
-            <a:avLst/>
-          </a:prstGeom>
-          <a:solidFill>
-            <a:schemeClr val="accent5">
-              <a:lumMod val="20000"/>
-              <a:lumOff val="80000"/>
-            </a:schemeClr>
-          </a:solidFill>
-          <a:ln>
-            <a:noFill/>
-          </a:ln>
-        </p:spPr>
-        <p:style>
-          <a:lnRef idx="2">
-            <a:schemeClr val="accent1">
-              <a:shade val="15000"/>
-            </a:schemeClr>
-          </a:lnRef>
-          <a:fillRef idx="1">
-            <a:schemeClr val="accent1"/>
-          </a:fillRef>
-          <a:effectRef idx="0">
-            <a:schemeClr val="accent1"/>
-          </a:effectRef>
-          <a:fontRef idx="minor">
-            <a:schemeClr val="lt1"/>
-          </a:fontRef>
-        </p:style>
-        <p:txBody>
-          <a:bodyPr rtlCol="0" anchor="ctr"/>
-          <a:lstStyle/>
-          <a:p>
-            <a:pPr algn="ctr"/>
-            <a:r>
-              <a:rPr lang="en-US" sz="1200" b="1" dirty="0">
-                <a:solidFill>
-                  <a:schemeClr val="tx1"/>
-                </a:solidFill>
-                <a:latin typeface="Avenir Next LT Pro" panose="020B0504020202020204" pitchFamily="34" charset="0"/>
-              </a:rPr>
-              <a:t>Chat-Section</a:t>
-            </a:r>
-            <a:endParaRPr lang="en-IN" sz="1200" b="1" dirty="0">
-              <a:solidFill>
-                <a:schemeClr val="tx1"/>
-              </a:solidFill>
-              <a:latin typeface="Avenir Next LT Pro" panose="020B0504020202020204" pitchFamily="34" charset="0"/>
-            </a:endParaRPr>
-          </a:p>
-        </p:txBody>
-      </p:sp>
-      <p:sp>
-        <p:nvSpPr>
-          <p:cNvPr id="4" name="Rectangle 3">
-            <a:extLst>
-              <a:ext uri="{FF2B5EF4-FFF2-40B4-BE49-F238E27FC236}">
-                <a16:creationId xmlns:a16="http://schemas.microsoft.com/office/drawing/2014/main" id="{CC822EE7-FB44-3868-2CE2-3127AEE239CA}"/>
-              </a:ext>
-            </a:extLst>
-          </p:cNvPr>
-          <p:cNvSpPr/>
-          <p:nvPr/>
-        </p:nvSpPr>
-        <p:spPr>
-          <a:xfrm>
-            <a:off x="0" y="0"/>
-            <a:ext cx="12192000" cy="367748"/>
-          </a:xfrm>
-          <a:prstGeom prst="rect">
-            <a:avLst/>
-          </a:prstGeom>
-          <a:solidFill>
-            <a:schemeClr val="accent6">
-              <a:lumMod val="20000"/>
-              <a:lumOff val="80000"/>
-            </a:schemeClr>
-          </a:solidFill>
-          <a:ln>
-            <a:noFill/>
-          </a:ln>
-        </p:spPr>
-        <p:style>
-          <a:lnRef idx="2">
-            <a:schemeClr val="accent1">
-              <a:shade val="15000"/>
-            </a:schemeClr>
-          </a:lnRef>
-          <a:fillRef idx="1">
-            <a:schemeClr val="accent1"/>
-          </a:fillRef>
-          <a:effectRef idx="0">
-            <a:schemeClr val="accent1"/>
-          </a:effectRef>
-          <a:fontRef idx="minor">
-            <a:schemeClr val="lt1"/>
-          </a:fontRef>
-        </p:style>
-        <p:txBody>
-          <a:bodyPr rtlCol="0" anchor="ctr"/>
-          <a:lstStyle/>
-          <a:p>
-            <a:pPr algn="ctr"/>
-            <a:r>
-              <a:rPr lang="en-US" sz="1200" b="1" dirty="0">
-                <a:solidFill>
-                  <a:schemeClr val="tx1">
-                    <a:lumMod val="75000"/>
-                    <a:lumOff val="25000"/>
-                  </a:schemeClr>
-                </a:solidFill>
-                <a:latin typeface="Avenir Next LT Pro" panose="020B0504020202020204" pitchFamily="34" charset="0"/>
-              </a:rPr>
-              <a:t>Nav - Bar  (Ribbon)</a:t>
-            </a:r>
-            <a:endParaRPr lang="en-IN" sz="1200" b="1" dirty="0">
-              <a:solidFill>
-                <a:schemeClr val="tx1">
-                  <a:lumMod val="75000"/>
-                  <a:lumOff val="25000"/>
-                </a:schemeClr>
-              </a:solidFill>
-              <a:latin typeface="Avenir Next LT Pro" panose="020B0504020202020204" pitchFamily="34" charset="0"/>
-            </a:endParaRPr>
-          </a:p>
-        </p:txBody>
-      </p:sp>
-      <p:sp>
-        <p:nvSpPr>
-          <p:cNvPr id="5" name="TextBox 4">
-            <a:extLst>
-              <a:ext uri="{FF2B5EF4-FFF2-40B4-BE49-F238E27FC236}">
-                <a16:creationId xmlns:a16="http://schemas.microsoft.com/office/drawing/2014/main" id="{ACD2B91E-8B5D-5BF9-0E32-0198E8AD907C}"/>
-              </a:ext>
-            </a:extLst>
-          </p:cNvPr>
-          <p:cNvSpPr txBox="1"/>
-          <p:nvPr/>
-        </p:nvSpPr>
-        <p:spPr>
-          <a:xfrm>
-            <a:off x="4075043" y="3220278"/>
-            <a:ext cx="1768689" cy="276999"/>
+            <a:off x="474004" y="514786"/>
+            <a:ext cx="6350129" cy="6001643"/>
           </a:xfrm>
           <a:prstGeom prst="rect">
             <a:avLst/>
@@ -11614,7 +13557,7 @@
           <a:noFill/>
         </p:spPr>
         <p:txBody>
-          <a:bodyPr wrap="none" rtlCol="0">
+          <a:bodyPr wrap="square" rtlCol="0">
             <a:spAutoFit/>
           </a:bodyPr>
           <a:lstStyle/>
@@ -11623,93 +13566,396 @@
               <a:rPr lang="en-US" sz="1200" b="1" dirty="0">
                 <a:latin typeface="Avenir Next LT Pro" panose="020B0504020202020204" pitchFamily="34" charset="0"/>
               </a:rPr>
-              <a:t>Active Project Details</a:t>
-            </a:r>
-            <a:endParaRPr lang="en-IN" sz="1200" b="1" dirty="0">
+              <a:t>Payment</a:t>
+            </a:r>
+          </a:p>
+          <a:p>
+            <a:pPr marL="228600" indent="-228600">
+              <a:buAutoNum type="arabicPeriod"/>
+            </a:pPr>
+            <a:endParaRPr lang="en-US" sz="1200" dirty="0">
               <a:latin typeface="Avenir Next LT Pro" panose="020B0504020202020204" pitchFamily="34" charset="0"/>
             </a:endParaRPr>
           </a:p>
-        </p:txBody>
-      </p:sp>
-      <p:sp>
-        <p:nvSpPr>
-          <p:cNvPr id="6" name="Rectangle 5">
-            <a:extLst>
-              <a:ext uri="{FF2B5EF4-FFF2-40B4-BE49-F238E27FC236}">
-                <a16:creationId xmlns:a16="http://schemas.microsoft.com/office/drawing/2014/main" id="{9C9F684B-90AE-3101-68AF-613CABF44816}"/>
-              </a:ext>
-            </a:extLst>
-          </p:cNvPr>
-          <p:cNvSpPr/>
+          <a:p>
+            <a:endParaRPr lang="en-US" sz="1200" dirty="0">
+              <a:latin typeface="Avenir Next LT Pro" panose="020B0504020202020204" pitchFamily="34" charset="0"/>
+            </a:endParaRPr>
+          </a:p>
+          <a:p>
+            <a:r>
+              <a:rPr lang="en-US" sz="1200" dirty="0">
+                <a:latin typeface="Avenir Next LT Pro" panose="020B0504020202020204" pitchFamily="34" charset="0"/>
+              </a:rPr>
+              <a:t>Requesting for payment from client (* A : Auto selected)</a:t>
+            </a:r>
+          </a:p>
+          <a:p>
+            <a:endParaRPr lang="en-US" sz="1200" dirty="0">
+              <a:latin typeface="Avenir Next LT Pro" panose="020B0504020202020204" pitchFamily="34" charset="0"/>
+            </a:endParaRPr>
+          </a:p>
+          <a:p>
+            <a:pPr marL="171450" indent="-171450">
+              <a:buFont typeface="Arial" panose="020B0604020202020204" pitchFamily="34" charset="0"/>
+              <a:buChar char="•"/>
+            </a:pPr>
+            <a:r>
+              <a:rPr lang="en-US" sz="1200" dirty="0">
+                <a:latin typeface="Avenir Next LT Pro" panose="020B0504020202020204" pitchFamily="34" charset="0"/>
+              </a:rPr>
+              <a:t>Project Name (A)</a:t>
+            </a:r>
+          </a:p>
+          <a:p>
+            <a:pPr marL="171450" indent="-171450">
+              <a:buFont typeface="Arial" panose="020B0604020202020204" pitchFamily="34" charset="0"/>
+              <a:buChar char="•"/>
+            </a:pPr>
+            <a:r>
+              <a:rPr lang="en-US" sz="1200" dirty="0">
+                <a:latin typeface="Avenir Next LT Pro" panose="020B0504020202020204" pitchFamily="34" charset="0"/>
+              </a:rPr>
+              <a:t>Project ID (A)</a:t>
+            </a:r>
+          </a:p>
+          <a:p>
+            <a:pPr marL="171450" indent="-171450">
+              <a:buFont typeface="Arial" panose="020B0604020202020204" pitchFamily="34" charset="0"/>
+              <a:buChar char="•"/>
+            </a:pPr>
+            <a:r>
+              <a:rPr lang="en-US" sz="1200" dirty="0">
+                <a:latin typeface="Avenir Next LT Pro" panose="020B0504020202020204" pitchFamily="34" charset="0"/>
+              </a:rPr>
+              <a:t>Manager Name (A)</a:t>
+            </a:r>
+          </a:p>
+          <a:p>
+            <a:pPr marL="171450" indent="-171450">
+              <a:buFont typeface="Arial" panose="020B0604020202020204" pitchFamily="34" charset="0"/>
+              <a:buChar char="•"/>
+            </a:pPr>
+            <a:r>
+              <a:rPr lang="en-US" sz="1200" dirty="0">
+                <a:latin typeface="Avenir Next LT Pro" panose="020B0504020202020204" pitchFamily="34" charset="0"/>
+              </a:rPr>
+              <a:t>Client Name (A)</a:t>
+            </a:r>
+          </a:p>
+          <a:p>
+            <a:pPr marL="171450" indent="-171450">
+              <a:buFont typeface="Arial" panose="020B0604020202020204" pitchFamily="34" charset="0"/>
+              <a:buChar char="•"/>
+            </a:pPr>
+            <a:r>
+              <a:rPr lang="en-US" sz="1200" dirty="0">
+                <a:latin typeface="Avenir Next LT Pro" panose="020B0504020202020204" pitchFamily="34" charset="0"/>
+              </a:rPr>
+              <a:t>Total Amount (A)</a:t>
+            </a:r>
+          </a:p>
+          <a:p>
+            <a:pPr marL="171450" indent="-171450">
+              <a:buFont typeface="Arial" panose="020B0604020202020204" pitchFamily="34" charset="0"/>
+              <a:buChar char="•"/>
+            </a:pPr>
+            <a:r>
+              <a:rPr lang="en-US" sz="1200" dirty="0">
+                <a:latin typeface="Avenir Next LT Pro" panose="020B0504020202020204" pitchFamily="34" charset="0"/>
+              </a:rPr>
+              <a:t>Paid Amount (A)</a:t>
+            </a:r>
+          </a:p>
+          <a:p>
+            <a:pPr marL="171450" indent="-171450">
+              <a:buFont typeface="Arial" panose="020B0604020202020204" pitchFamily="34" charset="0"/>
+              <a:buChar char="•"/>
+            </a:pPr>
+            <a:r>
+              <a:rPr lang="en-US" sz="1200" dirty="0">
+                <a:latin typeface="Avenir Next LT Pro" panose="020B0504020202020204" pitchFamily="34" charset="0"/>
+              </a:rPr>
+              <a:t>Due Amount (A)</a:t>
+            </a:r>
+          </a:p>
+          <a:p>
+            <a:pPr marL="171450" indent="-171450">
+              <a:buFont typeface="Arial" panose="020B0604020202020204" pitchFamily="34" charset="0"/>
+              <a:buChar char="•"/>
+            </a:pPr>
+            <a:r>
+              <a:rPr lang="en-US" sz="1200" dirty="0">
+                <a:latin typeface="Avenir Next LT Pro" panose="020B0504020202020204" pitchFamily="34" charset="0"/>
+              </a:rPr>
+              <a:t>Asked Amount</a:t>
+            </a:r>
+          </a:p>
+          <a:p>
+            <a:pPr marL="171450" indent="-171450">
+              <a:buFont typeface="Arial" panose="020B0604020202020204" pitchFamily="34" charset="0"/>
+              <a:buChar char="•"/>
+            </a:pPr>
+            <a:r>
+              <a:rPr lang="en-US" sz="1200" dirty="0">
+                <a:latin typeface="Avenir Next LT Pro" panose="020B0504020202020204" pitchFamily="34" charset="0"/>
+              </a:rPr>
+              <a:t>Choose Paid Methods : Cash, UPI, Scanner, Bank</a:t>
+            </a:r>
+          </a:p>
+          <a:p>
+            <a:pPr marL="171450" indent="-171450">
+              <a:buFont typeface="Arial" panose="020B0604020202020204" pitchFamily="34" charset="0"/>
+              <a:buChar char="•"/>
+            </a:pPr>
+            <a:endParaRPr lang="en-US" sz="1200" dirty="0">
+              <a:latin typeface="Avenir Next LT Pro" panose="020B0504020202020204" pitchFamily="34" charset="0"/>
+            </a:endParaRPr>
+          </a:p>
+          <a:p>
+            <a:r>
+              <a:rPr lang="en-US" sz="1200" dirty="0">
+                <a:latin typeface="Avenir Next LT Pro" panose="020B0504020202020204" pitchFamily="34" charset="0"/>
+              </a:rPr>
+              <a:t>Requesting to update the payment</a:t>
+            </a:r>
+          </a:p>
+          <a:p>
+            <a:pPr marL="171450" indent="-171450">
+              <a:buFont typeface="Arial" panose="020B0604020202020204" pitchFamily="34" charset="0"/>
+              <a:buChar char="•"/>
+            </a:pPr>
+            <a:r>
+              <a:rPr lang="en-US" sz="1200" dirty="0">
+                <a:latin typeface="Avenir Next LT Pro" panose="020B0504020202020204" pitchFamily="34" charset="0"/>
+              </a:rPr>
+              <a:t>Option : is payment is done by Cash or Online</a:t>
+            </a:r>
+          </a:p>
+          <a:p>
+            <a:pPr marL="171450" indent="-171450">
+              <a:buFont typeface="Arial" panose="020B0604020202020204" pitchFamily="34" charset="0"/>
+              <a:buChar char="•"/>
+            </a:pPr>
+            <a:endParaRPr lang="en-US" sz="1200" dirty="0">
+              <a:latin typeface="Avenir Next LT Pro" panose="020B0504020202020204" pitchFamily="34" charset="0"/>
+            </a:endParaRPr>
+          </a:p>
+          <a:p>
+            <a:pPr marL="171450" indent="-171450">
+              <a:buFont typeface="Arial" panose="020B0604020202020204" pitchFamily="34" charset="0"/>
+              <a:buChar char="•"/>
+            </a:pPr>
+            <a:r>
+              <a:rPr lang="en-US" sz="1200" dirty="0">
+                <a:latin typeface="Avenir Next LT Pro" panose="020B0504020202020204" pitchFamily="34" charset="0"/>
+              </a:rPr>
+              <a:t>Project Name &amp; ID</a:t>
+            </a:r>
+          </a:p>
+          <a:p>
+            <a:pPr marL="171450" indent="-171450">
+              <a:buFont typeface="Arial" panose="020B0604020202020204" pitchFamily="34" charset="0"/>
+              <a:buChar char="•"/>
+            </a:pPr>
+            <a:r>
+              <a:rPr lang="en-US" sz="1200" dirty="0">
+                <a:latin typeface="Avenir Next LT Pro" panose="020B0504020202020204" pitchFamily="34" charset="0"/>
+              </a:rPr>
+              <a:t>Name (to whom you submit the amount)</a:t>
+            </a:r>
+          </a:p>
+          <a:p>
+            <a:pPr marL="171450" indent="-171450">
+              <a:buFont typeface="Arial" panose="020B0604020202020204" pitchFamily="34" charset="0"/>
+              <a:buChar char="•"/>
+            </a:pPr>
+            <a:r>
+              <a:rPr lang="en-US" sz="1200" dirty="0">
+                <a:latin typeface="Avenir Next LT Pro" panose="020B0504020202020204" pitchFamily="34" charset="0"/>
+              </a:rPr>
+              <a:t>Employee ID</a:t>
+            </a:r>
+          </a:p>
+          <a:p>
+            <a:pPr marL="171450" indent="-171450">
+              <a:buFont typeface="Arial" panose="020B0604020202020204" pitchFamily="34" charset="0"/>
+              <a:buChar char="•"/>
+            </a:pPr>
+            <a:endParaRPr lang="en-US" sz="1200" dirty="0">
+              <a:latin typeface="Avenir Next LT Pro" panose="020B0504020202020204" pitchFamily="34" charset="0"/>
+            </a:endParaRPr>
+          </a:p>
+          <a:p>
+            <a:pPr marL="171450" indent="-171450">
+              <a:buFont typeface="Arial" panose="020B0604020202020204" pitchFamily="34" charset="0"/>
+              <a:buChar char="•"/>
+            </a:pPr>
+            <a:r>
+              <a:rPr lang="en-US" sz="1200" dirty="0">
+                <a:latin typeface="Avenir Next LT Pro" panose="020B0504020202020204" pitchFamily="34" charset="0"/>
+              </a:rPr>
+              <a:t>Name (Bank User Name)</a:t>
+            </a:r>
+          </a:p>
+          <a:p>
+            <a:pPr marL="171450" indent="-171450">
+              <a:buFont typeface="Arial" panose="020B0604020202020204" pitchFamily="34" charset="0"/>
+              <a:buChar char="•"/>
+            </a:pPr>
+            <a:r>
+              <a:rPr lang="en-US" sz="1200" dirty="0">
+                <a:latin typeface="Avenir Next LT Pro" panose="020B0504020202020204" pitchFamily="34" charset="0"/>
+              </a:rPr>
+              <a:t>Amount </a:t>
+            </a:r>
+          </a:p>
+          <a:p>
+            <a:pPr marL="171450" indent="-171450">
+              <a:buFont typeface="Arial" panose="020B0604020202020204" pitchFamily="34" charset="0"/>
+              <a:buChar char="•"/>
+            </a:pPr>
+            <a:r>
+              <a:rPr lang="en-US" sz="1200" dirty="0">
+                <a:latin typeface="Avenir Next LT Pro" panose="020B0504020202020204" pitchFamily="34" charset="0"/>
+              </a:rPr>
+              <a:t>Date</a:t>
+            </a:r>
+          </a:p>
+          <a:p>
+            <a:pPr marL="171450" indent="-171450">
+              <a:buFont typeface="Arial" panose="020B0604020202020204" pitchFamily="34" charset="0"/>
+              <a:buChar char="•"/>
+            </a:pPr>
+            <a:r>
+              <a:rPr lang="en-US" sz="1200" dirty="0">
+                <a:latin typeface="Avenir Next LT Pro" panose="020B0504020202020204" pitchFamily="34" charset="0"/>
+              </a:rPr>
+              <a:t>Transaction ID (optional, if we haven’t file the record by your detail then will compulsory need this)</a:t>
+            </a:r>
+          </a:p>
+          <a:p>
+            <a:pPr marL="171450" indent="-171450">
+              <a:buFont typeface="Arial" panose="020B0604020202020204" pitchFamily="34" charset="0"/>
+              <a:buChar char="•"/>
+            </a:pPr>
+            <a:endParaRPr lang="en-US" sz="1200" dirty="0">
+              <a:latin typeface="Avenir Next LT Pro" panose="020B0504020202020204" pitchFamily="34" charset="0"/>
+            </a:endParaRPr>
+          </a:p>
+          <a:p>
+            <a:pPr marL="171450" indent="-171450">
+              <a:buFont typeface="Arial" panose="020B0604020202020204" pitchFamily="34" charset="0"/>
+              <a:buChar char="•"/>
+            </a:pPr>
+            <a:r>
+              <a:rPr lang="en-US" sz="1200" dirty="0">
+                <a:latin typeface="Avenir Next LT Pro" panose="020B0504020202020204" pitchFamily="34" charset="0"/>
+              </a:rPr>
+              <a:t> </a:t>
+            </a:r>
+          </a:p>
+          <a:p>
+            <a:endParaRPr lang="en-US" sz="1200" dirty="0">
+              <a:latin typeface="Avenir Next LT Pro" panose="020B0504020202020204" pitchFamily="34" charset="0"/>
+            </a:endParaRPr>
+          </a:p>
+          <a:p>
+            <a:pPr marL="228600" indent="-228600">
+              <a:buAutoNum type="arabicPeriod"/>
+            </a:pPr>
+            <a:endParaRPr lang="en-US" sz="1200" dirty="0">
+              <a:latin typeface="Avenir Next LT Pro" panose="020B0504020202020204" pitchFamily="34" charset="0"/>
+            </a:endParaRPr>
+          </a:p>
+          <a:p>
+            <a:pPr marL="228600" indent="-228600">
+              <a:buAutoNum type="arabicPeriod"/>
+            </a:pPr>
+            <a:endParaRPr lang="en-IN" sz="1200" dirty="0">
+              <a:latin typeface="Avenir Next LT Pro" panose="020B0504020202020204" pitchFamily="34" charset="0"/>
+            </a:endParaRPr>
+          </a:p>
+        </p:txBody>
+      </p:sp>
+      <p:sp>
+        <p:nvSpPr>
+          <p:cNvPr id="2" name="TextBox 1">
+            <a:extLst>
+              <a:ext uri="{FF2B5EF4-FFF2-40B4-BE49-F238E27FC236}">
+                <a16:creationId xmlns:a16="http://schemas.microsoft.com/office/drawing/2014/main" id="{4F7858C3-2840-CADC-C9D1-3B5501A30DC0}"/>
+              </a:ext>
+            </a:extLst>
+          </p:cNvPr>
+          <p:cNvSpPr txBox="1"/>
           <p:nvPr/>
         </p:nvSpPr>
         <p:spPr>
           <a:xfrm>
-            <a:off x="1789044" y="367748"/>
-            <a:ext cx="5943599" cy="367748"/>
+            <a:off x="7315329" y="514786"/>
+            <a:ext cx="4402667" cy="1200329"/>
           </a:xfrm>
           <a:prstGeom prst="rect">
             <a:avLst/>
           </a:prstGeom>
-          <a:solidFill>
-            <a:schemeClr val="accent2">
-              <a:lumMod val="20000"/>
-              <a:lumOff val="80000"/>
-            </a:schemeClr>
-          </a:solidFill>
-          <a:ln>
-            <a:noFill/>
-          </a:ln>
+          <a:noFill/>
         </p:spPr>
-        <p:style>
-          <a:lnRef idx="2">
-            <a:schemeClr val="accent1">
-              <a:shade val="15000"/>
-            </a:schemeClr>
-          </a:lnRef>
-          <a:fillRef idx="1">
-            <a:schemeClr val="accent1"/>
-          </a:fillRef>
-          <a:effectRef idx="0">
-            <a:schemeClr val="accent1"/>
-          </a:effectRef>
-          <a:fontRef idx="minor">
-            <a:schemeClr val="lt1"/>
-          </a:fontRef>
-        </p:style>
-        <p:txBody>
-          <a:bodyPr rtlCol="0" anchor="ctr"/>
-          <a:lstStyle/>
-          <a:p>
-            <a:pPr algn="ctr"/>
-            <a:r>
-              <a:rPr lang="en-US" sz="1200" b="1" dirty="0">
-                <a:solidFill>
-                  <a:schemeClr val="tx1">
-                    <a:lumMod val="75000"/>
-                    <a:lumOff val="25000"/>
-                  </a:schemeClr>
-                </a:solidFill>
-                <a:latin typeface="Avenir Next LT Pro" panose="020B0504020202020204" pitchFamily="34" charset="0"/>
-              </a:rPr>
-              <a:t>Project Manager Ribbon</a:t>
-            </a:r>
-            <a:endParaRPr lang="en-IN" sz="1200" b="1" dirty="0">
-              <a:solidFill>
-                <a:schemeClr val="tx1">
-                  <a:lumMod val="75000"/>
-                  <a:lumOff val="25000"/>
-                </a:schemeClr>
-              </a:solidFill>
+        <p:txBody>
+          <a:bodyPr wrap="square" rtlCol="0">
+            <a:spAutoFit/>
+          </a:bodyPr>
+          <a:lstStyle/>
+          <a:p>
+            <a:r>
+              <a:rPr lang="en-IN" sz="1200" dirty="0">
+                <a:latin typeface="Avenir Next LT Pro" panose="020B0504020202020204" pitchFamily="34" charset="0"/>
+              </a:rPr>
+              <a:t>Details</a:t>
+            </a:r>
+          </a:p>
+          <a:p>
+            <a:endParaRPr lang="en-IN" sz="1200" dirty="0">
               <a:latin typeface="Avenir Next LT Pro" panose="020B0504020202020204" pitchFamily="34" charset="0"/>
             </a:endParaRPr>
+          </a:p>
+          <a:p>
+            <a:pPr marL="228600" indent="-228600">
+              <a:buAutoNum type="arabicPeriod"/>
+            </a:pPr>
+            <a:endParaRPr lang="en-IN" sz="1200" dirty="0">
+              <a:latin typeface="Avenir Next LT Pro" panose="020B0504020202020204" pitchFamily="34" charset="0"/>
+            </a:endParaRPr>
+          </a:p>
+          <a:p>
+            <a:pPr marL="228600" indent="-228600">
+              <a:buAutoNum type="arabicPeriod"/>
+            </a:pPr>
+            <a:endParaRPr lang="en-IN" sz="1200" dirty="0">
+              <a:latin typeface="Avenir Next LT Pro" panose="020B0504020202020204" pitchFamily="34" charset="0"/>
+            </a:endParaRPr>
+          </a:p>
+          <a:p>
+            <a:pPr marL="228600" indent="-228600">
+              <a:buAutoNum type="arabicPeriod"/>
+            </a:pPr>
+            <a:endParaRPr lang="en-IN" sz="1200" dirty="0">
+              <a:latin typeface="Avenir Next LT Pro" panose="020B0504020202020204" pitchFamily="34" charset="0"/>
+            </a:endParaRPr>
+          </a:p>
+          <a:p>
+            <a:r>
+              <a:rPr lang="en-IN" sz="1200" dirty="0">
+                <a:latin typeface="Avenir Next LT Pro" panose="020B0504020202020204" pitchFamily="34" charset="0"/>
+              </a:rPr>
+              <a:t> </a:t>
+            </a:r>
           </a:p>
         </p:txBody>
       </p:sp>
     </p:spTree>
     <p:extLst>
       <p:ext uri="{BB962C8B-B14F-4D97-AF65-F5344CB8AC3E}">
-        <p14:creationId xmlns:p14="http://schemas.microsoft.com/office/powerpoint/2010/main" val="3424326034"/>
+        <p14:creationId xmlns:p14="http://schemas.microsoft.com/office/powerpoint/2010/main" val="934270244"/>
       </p:ext>
     </p:extLst>
   </p:cSld>
@@ -12001,7 +14247,7 @@
           <p:cNvPr id="6" name="Rectangle 5">
             <a:extLst>
               <a:ext uri="{FF2B5EF4-FFF2-40B4-BE49-F238E27FC236}">
-                <a16:creationId xmlns:a16="http://schemas.microsoft.com/office/drawing/2014/main" id="{9C9F684B-90AE-3101-68AF-613CABF44816}"/>
+                <a16:creationId xmlns:a16="http://schemas.microsoft.com/office/drawing/2014/main" id="{3A3BB026-526A-669E-F86F-201AC9B70B00}"/>
               </a:ext>
             </a:extLst>
           </p:cNvPr>
@@ -12010,8 +14256,8 @@
         </p:nvSpPr>
         <p:spPr>
           <a:xfrm>
-            <a:off x="2149043" y="367748"/>
-            <a:ext cx="5583600" cy="367748"/>
+            <a:off x="1789044" y="367748"/>
+            <a:ext cx="5943599" cy="367748"/>
           </a:xfrm>
           <a:prstGeom prst="rect">
             <a:avLst/>
@@ -12071,85 +14317,10 @@
           </a:p>
         </p:txBody>
       </p:sp>
-      <p:sp>
-        <p:nvSpPr>
-          <p:cNvPr id="7" name="Rectangle 6">
-            <a:extLst>
-              <a:ext uri="{FF2B5EF4-FFF2-40B4-BE49-F238E27FC236}">
-                <a16:creationId xmlns:a16="http://schemas.microsoft.com/office/drawing/2014/main" id="{1E64072F-C5F6-441C-4D56-C4317CC18867}"/>
-              </a:ext>
-            </a:extLst>
-          </p:cNvPr>
-          <p:cNvSpPr/>
-          <p:nvPr/>
-        </p:nvSpPr>
-        <p:spPr>
-          <a:xfrm>
-            <a:off x="1789043" y="367748"/>
-            <a:ext cx="360000" cy="6490252"/>
-          </a:xfrm>
-          <a:prstGeom prst="rect">
-            <a:avLst/>
-          </a:prstGeom>
-          <a:solidFill>
-            <a:schemeClr val="accent5">
-              <a:lumMod val="40000"/>
-              <a:lumOff val="60000"/>
-            </a:schemeClr>
-          </a:solidFill>
-          <a:ln>
-            <a:noFill/>
-          </a:ln>
-        </p:spPr>
-        <p:style>
-          <a:lnRef idx="2">
-            <a:schemeClr val="accent1">
-              <a:shade val="15000"/>
-            </a:schemeClr>
-          </a:lnRef>
-          <a:fillRef idx="1">
-            <a:schemeClr val="accent1"/>
-          </a:fillRef>
-          <a:effectRef idx="0">
-            <a:schemeClr val="accent1"/>
-          </a:effectRef>
-          <a:fontRef idx="minor">
-            <a:schemeClr val="lt1"/>
-          </a:fontRef>
-        </p:style>
-        <p:txBody>
-          <a:bodyPr vert="vert270" rtlCol="0" anchor="ctr"/>
-          <a:lstStyle/>
-          <a:p>
-            <a:pPr algn="ctr"/>
-            <a:r>
-              <a:rPr lang="en-US" sz="1200" b="1" dirty="0">
-                <a:solidFill>
-                  <a:schemeClr val="tx1">
-                    <a:lumMod val="75000"/>
-                    <a:lumOff val="25000"/>
-                  </a:schemeClr>
-                </a:solidFill>
-                <a:latin typeface="Avenir Next LT Pro" panose="020B0504020202020204" pitchFamily="34" charset="0"/>
-              </a:rPr>
-              <a:t>Management Ribbon</a:t>
-            </a:r>
-            <a:endParaRPr lang="en-IN" sz="1200" b="1" dirty="0">
-              <a:solidFill>
-                <a:schemeClr val="tx1">
-                  <a:lumMod val="75000"/>
-                  <a:lumOff val="25000"/>
-                </a:schemeClr>
-              </a:solidFill>
-              <a:latin typeface="Avenir Next LT Pro" panose="020B0504020202020204" pitchFamily="34" charset="0"/>
-            </a:endParaRPr>
-          </a:p>
-        </p:txBody>
-      </p:sp>
     </p:spTree>
     <p:extLst>
       <p:ext uri="{BB962C8B-B14F-4D97-AF65-F5344CB8AC3E}">
-        <p14:creationId xmlns:p14="http://schemas.microsoft.com/office/powerpoint/2010/main" val="1987782092"/>
+        <p14:creationId xmlns:p14="http://schemas.microsoft.com/office/powerpoint/2010/main" val="2712249354"/>
       </p:ext>
     </p:extLst>
   </p:cSld>
@@ -12410,8 +14581,8 @@
         </p:nvSpPr>
         <p:spPr>
           <a:xfrm>
-            <a:off x="4705032" y="3012709"/>
-            <a:ext cx="2242522" cy="1200329"/>
+            <a:off x="4075043" y="3220278"/>
+            <a:ext cx="1768689" cy="276999"/>
           </a:xfrm>
           <a:prstGeom prst="rect">
             <a:avLst/>
@@ -12419,7 +14590,7 @@
           <a:noFill/>
         </p:spPr>
         <p:txBody>
-          <a:bodyPr wrap="square" rtlCol="0">
+          <a:bodyPr wrap="none" rtlCol="0">
             <a:spAutoFit/>
           </a:bodyPr>
           <a:lstStyle/>
@@ -12428,20 +14599,7 @@
               <a:rPr lang="en-US" sz="1200" b="1" dirty="0">
                 <a:latin typeface="Avenir Next LT Pro" panose="020B0504020202020204" pitchFamily="34" charset="0"/>
               </a:rPr>
-              <a:t>Important Information Related to that chat </a:t>
-            </a:r>
-          </a:p>
-          <a:p>
-            <a:endParaRPr lang="en-US" sz="1200" b="1" dirty="0">
-              <a:latin typeface="Avenir Next LT Pro" panose="020B0504020202020204" pitchFamily="34" charset="0"/>
-            </a:endParaRPr>
-          </a:p>
-          <a:p>
-            <a:r>
-              <a:rPr lang="en-US" sz="1200" b="1" dirty="0">
-                <a:latin typeface="Avenir Next LT Pro" panose="020B0504020202020204" pitchFamily="34" charset="0"/>
-              </a:rPr>
-              <a:t>Like : Tagged items, Documents, Tasks and its Status</a:t>
+              <a:t>Active Project Details</a:t>
             </a:r>
             <a:endParaRPr lang="en-IN" sz="1200" b="1" dirty="0">
               <a:latin typeface="Avenir Next LT Pro" panose="020B0504020202020204" pitchFamily="34" charset="0"/>
@@ -12463,8 +14621,8 @@
         </p:nvSpPr>
         <p:spPr>
           <a:xfrm>
-            <a:off x="3578087" y="367748"/>
-            <a:ext cx="4154556" cy="367748"/>
+            <a:off x="1789044" y="367748"/>
+            <a:ext cx="5943599" cy="367748"/>
           </a:xfrm>
           <a:prstGeom prst="rect">
             <a:avLst/>
@@ -12524,178 +14682,10 @@
           </a:p>
         </p:txBody>
       </p:sp>
-      <p:sp>
-        <p:nvSpPr>
-          <p:cNvPr id="7" name="Rectangle 6">
-            <a:extLst>
-              <a:ext uri="{FF2B5EF4-FFF2-40B4-BE49-F238E27FC236}">
-                <a16:creationId xmlns:a16="http://schemas.microsoft.com/office/drawing/2014/main" id="{4C3B1772-382D-5193-5DF9-4E7341DBD16A}"/>
-              </a:ext>
-            </a:extLst>
-          </p:cNvPr>
-          <p:cNvSpPr/>
-          <p:nvPr/>
-        </p:nvSpPr>
-        <p:spPr>
-          <a:xfrm>
-            <a:off x="1789043" y="367748"/>
-            <a:ext cx="1789044" cy="6490252"/>
-          </a:xfrm>
-          <a:prstGeom prst="rect">
-            <a:avLst/>
-          </a:prstGeom>
-          <a:solidFill>
-            <a:schemeClr val="accent2">
-              <a:lumMod val="40000"/>
-              <a:lumOff val="60000"/>
-            </a:schemeClr>
-          </a:solidFill>
-          <a:ln>
-            <a:noFill/>
-          </a:ln>
-        </p:spPr>
-        <p:style>
-          <a:lnRef idx="2">
-            <a:schemeClr val="accent1">
-              <a:shade val="15000"/>
-            </a:schemeClr>
-          </a:lnRef>
-          <a:fillRef idx="1">
-            <a:schemeClr val="accent1"/>
-          </a:fillRef>
-          <a:effectRef idx="0">
-            <a:schemeClr val="accent1"/>
-          </a:effectRef>
-          <a:fontRef idx="minor">
-            <a:schemeClr val="lt1"/>
-          </a:fontRef>
-        </p:style>
-        <p:txBody>
-          <a:bodyPr rtlCol="0" anchor="ctr"/>
-          <a:lstStyle/>
-          <a:p>
-            <a:pPr algn="ctr"/>
-            <a:r>
-              <a:rPr lang="en-US" sz="1200" b="1" dirty="0">
-                <a:solidFill>
-                  <a:schemeClr val="tx1"/>
-                </a:solidFill>
-                <a:latin typeface="Avenir Next LT Pro" panose="020B0504020202020204" pitchFamily="34" charset="0"/>
-              </a:rPr>
-              <a:t>Individuals,</a:t>
-            </a:r>
-          </a:p>
-          <a:p>
-            <a:pPr algn="ctr"/>
-            <a:r>
-              <a:rPr lang="en-US" sz="1200" b="1" dirty="0">
-                <a:solidFill>
-                  <a:schemeClr val="tx1"/>
-                </a:solidFill>
-                <a:latin typeface="Avenir Next LT Pro" panose="020B0504020202020204" pitchFamily="34" charset="0"/>
-              </a:rPr>
-              <a:t>Team Leaders,</a:t>
-            </a:r>
-          </a:p>
-          <a:p>
-            <a:pPr algn="ctr"/>
-            <a:r>
-              <a:rPr lang="en-US" sz="1200" b="1" dirty="0">
-                <a:solidFill>
-                  <a:schemeClr val="tx1"/>
-                </a:solidFill>
-                <a:latin typeface="Avenir Next LT Pro" panose="020B0504020202020204" pitchFamily="34" charset="0"/>
-              </a:rPr>
-              <a:t>Teams</a:t>
-            </a:r>
-            <a:endParaRPr lang="en-IN" sz="1200" b="1" dirty="0">
-              <a:solidFill>
-                <a:schemeClr val="tx1"/>
-              </a:solidFill>
-              <a:latin typeface="Avenir Next LT Pro" panose="020B0504020202020204" pitchFamily="34" charset="0"/>
-            </a:endParaRPr>
-          </a:p>
-        </p:txBody>
-      </p:sp>
-      <p:sp>
-        <p:nvSpPr>
-          <p:cNvPr id="8" name="Rectangle 7">
-            <a:extLst>
-              <a:ext uri="{FF2B5EF4-FFF2-40B4-BE49-F238E27FC236}">
-                <a16:creationId xmlns:a16="http://schemas.microsoft.com/office/drawing/2014/main" id="{5B718F2A-5548-69C5-6EC5-44F7A7FB5232}"/>
-              </a:ext>
-            </a:extLst>
-          </p:cNvPr>
-          <p:cNvSpPr/>
-          <p:nvPr/>
-        </p:nvSpPr>
-        <p:spPr>
-          <a:xfrm>
-            <a:off x="1789043" y="367748"/>
-            <a:ext cx="1789043" cy="367748"/>
-          </a:xfrm>
-          <a:prstGeom prst="rect">
-            <a:avLst/>
-          </a:prstGeom>
-          <a:solidFill>
-            <a:schemeClr val="accent6">
-              <a:lumMod val="40000"/>
-              <a:lumOff val="60000"/>
-            </a:schemeClr>
-          </a:solidFill>
-          <a:ln>
-            <a:noFill/>
-          </a:ln>
-        </p:spPr>
-        <p:style>
-          <a:lnRef idx="2">
-            <a:schemeClr val="accent1">
-              <a:shade val="15000"/>
-            </a:schemeClr>
-          </a:lnRef>
-          <a:fillRef idx="1">
-            <a:schemeClr val="accent1"/>
-          </a:fillRef>
-          <a:effectRef idx="0">
-            <a:schemeClr val="accent1"/>
-          </a:effectRef>
-          <a:fontRef idx="minor">
-            <a:schemeClr val="lt1"/>
-          </a:fontRef>
-        </p:style>
-        <p:txBody>
-          <a:bodyPr rtlCol="0" anchor="ctr"/>
-          <a:lstStyle/>
-          <a:p>
-            <a:pPr algn="ctr"/>
-            <a:r>
-              <a:rPr lang="en-US" sz="1200" b="1" dirty="0">
-                <a:solidFill>
-                  <a:schemeClr val="tx1">
-                    <a:lumMod val="75000"/>
-                    <a:lumOff val="25000"/>
-                  </a:schemeClr>
-                </a:solidFill>
-                <a:latin typeface="Avenir Next LT Pro" panose="020B0504020202020204" pitchFamily="34" charset="0"/>
-              </a:rPr>
-              <a:t>Changing Ribbon</a:t>
-            </a:r>
-            <a:endParaRPr lang="en-IN" sz="1200" b="1" dirty="0">
-              <a:solidFill>
-                <a:schemeClr val="tx1">
-                  <a:lumMod val="75000"/>
-                  <a:lumOff val="25000"/>
-                </a:schemeClr>
-              </a:solidFill>
-              <a:latin typeface="Avenir Next LT Pro" panose="020B0504020202020204" pitchFamily="34" charset="0"/>
-            </a:endParaRPr>
-          </a:p>
-        </p:txBody>
-      </p:sp>
     </p:spTree>
     <p:extLst>
       <p:ext uri="{BB962C8B-B14F-4D97-AF65-F5344CB8AC3E}">
-        <p14:creationId xmlns:p14="http://schemas.microsoft.com/office/powerpoint/2010/main" val="3906049384"/>
+        <p14:creationId xmlns:p14="http://schemas.microsoft.com/office/powerpoint/2010/main" val="3424326034"/>
       </p:ext>
     </p:extLst>
   </p:cSld>
@@ -12752,68 +14742,7 @@
           </a:prstGeom>
           <a:solidFill>
             <a:schemeClr val="bg1">
-              <a:lumMod val="95000"/>
-            </a:schemeClr>
-          </a:solidFill>
-          <a:ln>
-            <a:solidFill>
-              <a:schemeClr val="bg1">
-                <a:lumMod val="65000"/>
-              </a:schemeClr>
-            </a:solidFill>
-          </a:ln>
-        </p:spPr>
-        <p:style>
-          <a:lnRef idx="2">
-            <a:schemeClr val="accent1">
-              <a:shade val="15000"/>
-            </a:schemeClr>
-          </a:lnRef>
-          <a:fillRef idx="1">
-            <a:schemeClr val="accent1"/>
-          </a:fillRef>
-          <a:effectRef idx="0">
-            <a:schemeClr val="accent1"/>
-          </a:effectRef>
-          <a:fontRef idx="minor">
-            <a:schemeClr val="lt1"/>
-          </a:fontRef>
-        </p:style>
-        <p:txBody>
-          <a:bodyPr rtlCol="0" anchor="ctr"/>
-          <a:lstStyle/>
-          <a:p>
-            <a:pPr algn="ctr"/>
-            <a:endParaRPr lang="en-IN" sz="1200" dirty="0">
-              <a:latin typeface="Avenir Next LT Pro" panose="020B0504020202020204" pitchFamily="34" charset="0"/>
-            </a:endParaRPr>
-          </a:p>
-        </p:txBody>
-      </p:sp>
-      <p:sp>
-        <p:nvSpPr>
-          <p:cNvPr id="3" name="Rectangle 2">
-            <a:extLst>
-              <a:ext uri="{FF2B5EF4-FFF2-40B4-BE49-F238E27FC236}">
-                <a16:creationId xmlns:a16="http://schemas.microsoft.com/office/drawing/2014/main" id="{AF6568F0-4396-E509-39E7-DB8DA785C4A9}"/>
-              </a:ext>
-            </a:extLst>
-          </p:cNvPr>
-          <p:cNvSpPr/>
-          <p:nvPr/>
-        </p:nvSpPr>
-        <p:spPr>
-          <a:xfrm>
-            <a:off x="7732643" y="367746"/>
-            <a:ext cx="4459358" cy="6490253"/>
-          </a:xfrm>
-          <a:prstGeom prst="rect">
-            <a:avLst/>
-          </a:prstGeom>
-          <a:solidFill>
-            <a:schemeClr val="accent6">
-              <a:lumMod val="40000"/>
-              <a:lumOff val="60000"/>
+              <a:lumMod val="85000"/>
             </a:schemeClr>
           </a:solidFill>
           <a:ln>
@@ -12841,6 +14770,15 @@
           <a:lstStyle/>
           <a:p>
             <a:pPr algn="ctr"/>
+            <a:r>
+              <a:rPr lang="en-US" sz="1200" b="1" dirty="0">
+                <a:solidFill>
+                  <a:schemeClr val="tx1"/>
+                </a:solidFill>
+                <a:latin typeface="Avenir Next LT Pro" panose="020B0504020202020204" pitchFamily="34" charset="0"/>
+              </a:rPr>
+              <a:t>Side Nav</a:t>
+            </a:r>
             <a:endParaRPr lang="en-IN" sz="1200" b="1" dirty="0">
               <a:solidFill>
                 <a:schemeClr val="tx1"/>
@@ -12852,10 +14790,10 @@
       </p:sp>
       <p:sp>
         <p:nvSpPr>
-          <p:cNvPr id="4" name="Rectangle 3">
-            <a:extLst>
-              <a:ext uri="{FF2B5EF4-FFF2-40B4-BE49-F238E27FC236}">
-                <a16:creationId xmlns:a16="http://schemas.microsoft.com/office/drawing/2014/main" id="{CC822EE7-FB44-3868-2CE2-3127AEE239CA}"/>
+          <p:cNvPr id="3" name="Rectangle 2">
+            <a:extLst>
+              <a:ext uri="{FF2B5EF4-FFF2-40B4-BE49-F238E27FC236}">
+                <a16:creationId xmlns:a16="http://schemas.microsoft.com/office/drawing/2014/main" id="{AF6568F0-4396-E509-39E7-DB8DA785C4A9}"/>
               </a:ext>
             </a:extLst>
           </p:cNvPr>
@@ -12864,197 +14802,16 @@
         </p:nvSpPr>
         <p:spPr>
           <a:xfrm>
-            <a:off x="0" y="0"/>
-            <a:ext cx="12192000" cy="367748"/>
+            <a:off x="7732643" y="0"/>
+            <a:ext cx="4459358" cy="6858000"/>
           </a:xfrm>
           <a:prstGeom prst="rect">
             <a:avLst/>
           </a:prstGeom>
           <a:solidFill>
-            <a:schemeClr val="bg1">
-              <a:lumMod val="95000"/>
-            </a:schemeClr>
-          </a:solidFill>
-          <a:ln>
-            <a:solidFill>
-              <a:schemeClr val="bg1">
-                <a:lumMod val="65000"/>
-              </a:schemeClr>
-            </a:solidFill>
-          </a:ln>
-        </p:spPr>
-        <p:style>
-          <a:lnRef idx="2">
-            <a:schemeClr val="accent1">
-              <a:shade val="15000"/>
-            </a:schemeClr>
-          </a:lnRef>
-          <a:fillRef idx="1">
-            <a:schemeClr val="accent1"/>
-          </a:fillRef>
-          <a:effectRef idx="0">
-            <a:schemeClr val="accent1"/>
-          </a:effectRef>
-          <a:fontRef idx="minor">
-            <a:schemeClr val="lt1"/>
-          </a:fontRef>
-        </p:style>
-        <p:txBody>
-          <a:bodyPr rtlCol="0" anchor="ctr"/>
-          <a:lstStyle/>
-          <a:p>
-            <a:pPr algn="ctr"/>
-            <a:r>
-              <a:rPr lang="en-US" sz="1200" b="1" dirty="0">
-                <a:solidFill>
-                  <a:schemeClr val="tx1">
-                    <a:lumMod val="75000"/>
-                    <a:lumOff val="25000"/>
-                  </a:schemeClr>
-                </a:solidFill>
-                <a:latin typeface="Avenir Next LT Pro" panose="020B0504020202020204" pitchFamily="34" charset="0"/>
-              </a:rPr>
-              <a:t>Nav - Bar  (Ribbon)</a:t>
-            </a:r>
-            <a:endParaRPr lang="en-IN" sz="1200" b="1" dirty="0">
-              <a:solidFill>
-                <a:schemeClr val="tx1">
-                  <a:lumMod val="75000"/>
-                  <a:lumOff val="25000"/>
-                </a:schemeClr>
-              </a:solidFill>
-              <a:latin typeface="Avenir Next LT Pro" panose="020B0504020202020204" pitchFamily="34" charset="0"/>
-            </a:endParaRPr>
-          </a:p>
-        </p:txBody>
-      </p:sp>
-      <p:sp>
-        <p:nvSpPr>
-          <p:cNvPr id="5" name="TextBox 4">
-            <a:extLst>
-              <a:ext uri="{FF2B5EF4-FFF2-40B4-BE49-F238E27FC236}">
-                <a16:creationId xmlns:a16="http://schemas.microsoft.com/office/drawing/2014/main" id="{ACD2B91E-8B5D-5BF9-0E32-0198E8AD907C}"/>
-              </a:ext>
-            </a:extLst>
-          </p:cNvPr>
-          <p:cNvSpPr txBox="1"/>
-          <p:nvPr/>
-        </p:nvSpPr>
-        <p:spPr>
-          <a:xfrm>
-            <a:off x="2059803" y="757596"/>
-            <a:ext cx="5123422" cy="1384995"/>
-          </a:xfrm>
-          <a:prstGeom prst="rect">
-            <a:avLst/>
-          </a:prstGeom>
-          <a:noFill/>
-        </p:spPr>
-        <p:txBody>
-          <a:bodyPr wrap="square" rtlCol="0">
-            <a:spAutoFit/>
-          </a:bodyPr>
-          <a:lstStyle/>
-          <a:p>
-            <a:r>
-              <a:rPr lang="en-US" sz="1200" b="1" dirty="0">
-                <a:latin typeface="Avenir Next LT Pro" panose="020B0504020202020204" pitchFamily="34" charset="0"/>
-              </a:rPr>
-              <a:t>Details : </a:t>
-            </a:r>
-          </a:p>
-          <a:p>
-            <a:r>
-              <a:rPr lang="en-US" sz="1200" dirty="0">
-                <a:latin typeface="Avenir Next LT Pro" panose="020B0504020202020204" pitchFamily="34" charset="0"/>
-              </a:rPr>
-              <a:t>Background will same for all chats</a:t>
-            </a:r>
-          </a:p>
-          <a:p>
-            <a:r>
-              <a:rPr lang="en-US" sz="1200" dirty="0">
-                <a:latin typeface="Avenir Next LT Pro" panose="020B0504020202020204" pitchFamily="34" charset="0"/>
-              </a:rPr>
-              <a:t>Border Color :</a:t>
-            </a:r>
-          </a:p>
-          <a:p>
-            <a:pPr marL="228600" indent="-228600">
-              <a:buFont typeface="+mj-lt"/>
-              <a:buAutoNum type="arabicPeriod"/>
-            </a:pPr>
-            <a:r>
-              <a:rPr lang="en-US" sz="1200" dirty="0">
-                <a:latin typeface="Avenir Next LT Pro" panose="020B0504020202020204" pitchFamily="34" charset="0"/>
-              </a:rPr>
-              <a:t>CEO : Sky-Blue</a:t>
-            </a:r>
-          </a:p>
-          <a:p>
-            <a:pPr marL="228600" indent="-228600">
-              <a:buFont typeface="+mj-lt"/>
-              <a:buAutoNum type="arabicPeriod"/>
-            </a:pPr>
-            <a:r>
-              <a:rPr lang="en-US" sz="1200" dirty="0">
-                <a:latin typeface="Avenir Next LT Pro" panose="020B0504020202020204" pitchFamily="34" charset="0"/>
-              </a:rPr>
-              <a:t>Client : Dark Gray</a:t>
-            </a:r>
-          </a:p>
-          <a:p>
-            <a:pPr marL="228600" indent="-228600">
-              <a:buFont typeface="+mj-lt"/>
-              <a:buAutoNum type="arabicPeriod"/>
-            </a:pPr>
-            <a:r>
-              <a:rPr lang="en-US" sz="1200" dirty="0">
-                <a:latin typeface="Avenir Next LT Pro" panose="020B0504020202020204" pitchFamily="34" charset="0"/>
-              </a:rPr>
-              <a:t>PM : Greenish </a:t>
-            </a:r>
-          </a:p>
-          <a:p>
-            <a:r>
-              <a:rPr lang="en-US" sz="1200" dirty="0">
-                <a:latin typeface="Avenir Next LT Pro" panose="020B0504020202020204" pitchFamily="34" charset="0"/>
-              </a:rPr>
-              <a:t> </a:t>
-            </a:r>
-            <a:endParaRPr lang="en-IN" sz="1200" dirty="0">
-              <a:latin typeface="Avenir Next LT Pro" panose="020B0504020202020204" pitchFamily="34" charset="0"/>
-            </a:endParaRPr>
-          </a:p>
-        </p:txBody>
-      </p:sp>
-      <p:sp>
-        <p:nvSpPr>
-          <p:cNvPr id="6" name="Speech Bubble: Rectangle with Corners Rounded 5">
-            <a:extLst>
-              <a:ext uri="{FF2B5EF4-FFF2-40B4-BE49-F238E27FC236}">
-                <a16:creationId xmlns:a16="http://schemas.microsoft.com/office/drawing/2014/main" id="{830158E2-703F-491E-6475-14D7695EB0FE}"/>
-              </a:ext>
-            </a:extLst>
-          </p:cNvPr>
-          <p:cNvSpPr/>
-          <p:nvPr/>
-        </p:nvSpPr>
-        <p:spPr>
-          <a:xfrm rot="5400000">
-            <a:off x="9186441" y="-381760"/>
-            <a:ext cx="1102940" cy="3469018"/>
-          </a:xfrm>
-          <a:prstGeom prst="wedgeRoundRectCallout">
-            <a:avLst>
-              <a:gd name="adj1" fmla="val -29103"/>
-              <a:gd name="adj2" fmla="val 56568"/>
-              <a:gd name="adj3" fmla="val 16667"/>
-            </a:avLst>
-          </a:prstGeom>
-          <a:solidFill>
-            <a:schemeClr val="bg1">
-              <a:lumMod val="95000"/>
+            <a:schemeClr val="accent5">
+              <a:lumMod val="20000"/>
+              <a:lumOff val="80000"/>
             </a:schemeClr>
           </a:solidFill>
           <a:ln>
@@ -13082,16 +14839,30 @@
           <a:lstStyle/>
           <a:p>
             <a:pPr algn="ctr"/>
-            <a:endParaRPr lang="en-IN" dirty="0"/>
-          </a:p>
-        </p:txBody>
-      </p:sp>
-      <p:sp>
-        <p:nvSpPr>
-          <p:cNvPr id="7" name="Speech Bubble: Rectangle with Corners Rounded 6">
-            <a:extLst>
-              <a:ext uri="{FF2B5EF4-FFF2-40B4-BE49-F238E27FC236}">
-                <a16:creationId xmlns:a16="http://schemas.microsoft.com/office/drawing/2014/main" id="{77391541-9398-B1F2-B128-2D33220761BE}"/>
+            <a:r>
+              <a:rPr lang="en-US" sz="1200" b="1" dirty="0">
+                <a:solidFill>
+                  <a:schemeClr val="tx1"/>
+                </a:solidFill>
+                <a:latin typeface="Avenir Next LT Pro" panose="020B0504020202020204" pitchFamily="34" charset="0"/>
+              </a:rPr>
+              <a:t>Chat-Section</a:t>
+            </a:r>
+            <a:endParaRPr lang="en-IN" sz="1200" b="1" dirty="0">
+              <a:solidFill>
+                <a:schemeClr val="tx1"/>
+              </a:solidFill>
+              <a:latin typeface="Avenir Next LT Pro" panose="020B0504020202020204" pitchFamily="34" charset="0"/>
+            </a:endParaRPr>
+          </a:p>
+        </p:txBody>
+      </p:sp>
+      <p:sp>
+        <p:nvSpPr>
+          <p:cNvPr id="4" name="Rectangle 3">
+            <a:extLst>
+              <a:ext uri="{FF2B5EF4-FFF2-40B4-BE49-F238E27FC236}">
+                <a16:creationId xmlns:a16="http://schemas.microsoft.com/office/drawing/2014/main" id="{CC822EE7-FB44-3868-2CE2-3127AEE239CA}"/>
               </a:ext>
             </a:extLst>
           </p:cNvPr>
@@ -13099,20 +14870,17 @@
           <p:nvPr/>
         </p:nvSpPr>
         <p:spPr>
-          <a:xfrm rot="5400000">
-            <a:off x="9105286" y="922824"/>
-            <a:ext cx="1265250" cy="3469018"/>
+          <a:xfrm>
+            <a:off x="0" y="0"/>
+            <a:ext cx="12192000" cy="367748"/>
           </a:xfrm>
-          <a:prstGeom prst="wedgeRoundRectCallout">
-            <a:avLst>
-              <a:gd name="adj1" fmla="val -16600"/>
-              <a:gd name="adj2" fmla="val 47872"/>
-              <a:gd name="adj3" fmla="val 16667"/>
-            </a:avLst>
+          <a:prstGeom prst="rect">
+            <a:avLst/>
           </a:prstGeom>
           <a:solidFill>
-            <a:schemeClr val="bg1">
-              <a:lumMod val="95000"/>
+            <a:schemeClr val="accent6">
+              <a:lumMod val="20000"/>
+              <a:lumOff val="80000"/>
             </a:schemeClr>
           </a:solidFill>
           <a:ln>
@@ -13140,16 +14908,76 @@
           <a:lstStyle/>
           <a:p>
             <a:pPr algn="ctr"/>
-            <a:endParaRPr lang="en-IN" dirty="0"/>
-          </a:p>
-        </p:txBody>
-      </p:sp>
-      <p:sp>
-        <p:nvSpPr>
-          <p:cNvPr id="9" name="Speech Bubble: Rectangle with Corners Rounded 8">
-            <a:extLst>
-              <a:ext uri="{FF2B5EF4-FFF2-40B4-BE49-F238E27FC236}">
-                <a16:creationId xmlns:a16="http://schemas.microsoft.com/office/drawing/2014/main" id="{DFDFF29D-5DD6-E7B0-4C5C-67C55A41E3FA}"/>
+            <a:r>
+              <a:rPr lang="en-US" sz="1200" b="1" dirty="0">
+                <a:solidFill>
+                  <a:schemeClr val="tx1">
+                    <a:lumMod val="75000"/>
+                    <a:lumOff val="25000"/>
+                  </a:schemeClr>
+                </a:solidFill>
+                <a:latin typeface="Avenir Next LT Pro" panose="020B0504020202020204" pitchFamily="34" charset="0"/>
+              </a:rPr>
+              <a:t>Nav - Bar  (Ribbon)</a:t>
+            </a:r>
+            <a:endParaRPr lang="en-IN" sz="1200" b="1" dirty="0">
+              <a:solidFill>
+                <a:schemeClr val="tx1">
+                  <a:lumMod val="75000"/>
+                  <a:lumOff val="25000"/>
+                </a:schemeClr>
+              </a:solidFill>
+              <a:latin typeface="Avenir Next LT Pro" panose="020B0504020202020204" pitchFamily="34" charset="0"/>
+            </a:endParaRPr>
+          </a:p>
+        </p:txBody>
+      </p:sp>
+      <p:sp>
+        <p:nvSpPr>
+          <p:cNvPr id="5" name="TextBox 4">
+            <a:extLst>
+              <a:ext uri="{FF2B5EF4-FFF2-40B4-BE49-F238E27FC236}">
+                <a16:creationId xmlns:a16="http://schemas.microsoft.com/office/drawing/2014/main" id="{ACD2B91E-8B5D-5BF9-0E32-0198E8AD907C}"/>
+              </a:ext>
+            </a:extLst>
+          </p:cNvPr>
+          <p:cNvSpPr txBox="1"/>
+          <p:nvPr/>
+        </p:nvSpPr>
+        <p:spPr>
+          <a:xfrm>
+            <a:off x="4075043" y="3220278"/>
+            <a:ext cx="1768689" cy="276999"/>
+          </a:xfrm>
+          <a:prstGeom prst="rect">
+            <a:avLst/>
+          </a:prstGeom>
+          <a:noFill/>
+        </p:spPr>
+        <p:txBody>
+          <a:bodyPr wrap="none" rtlCol="0">
+            <a:spAutoFit/>
+          </a:bodyPr>
+          <a:lstStyle/>
+          <a:p>
+            <a:r>
+              <a:rPr lang="en-US" sz="1200" b="1" dirty="0">
+                <a:latin typeface="Avenir Next LT Pro" panose="020B0504020202020204" pitchFamily="34" charset="0"/>
+              </a:rPr>
+              <a:t>Active Project Details</a:t>
+            </a:r>
+            <a:endParaRPr lang="en-IN" sz="1200" b="1" dirty="0">
+              <a:latin typeface="Avenir Next LT Pro" panose="020B0504020202020204" pitchFamily="34" charset="0"/>
+            </a:endParaRPr>
+          </a:p>
+        </p:txBody>
+      </p:sp>
+      <p:sp>
+        <p:nvSpPr>
+          <p:cNvPr id="6" name="Rectangle 5">
+            <a:extLst>
+              <a:ext uri="{FF2B5EF4-FFF2-40B4-BE49-F238E27FC236}">
+                <a16:creationId xmlns:a16="http://schemas.microsoft.com/office/drawing/2014/main" id="{9C9F684B-90AE-3101-68AF-613CABF44816}"/>
               </a:ext>
             </a:extLst>
           </p:cNvPr>
@@ -13157,16 +14985,12 @@
           <p:nvPr/>
         </p:nvSpPr>
         <p:spPr>
-          <a:xfrm rot="16200000" flipH="1">
-            <a:off x="9701872" y="2137747"/>
-            <a:ext cx="904772" cy="3469018"/>
+          <a:xfrm>
+            <a:off x="2149043" y="367748"/>
+            <a:ext cx="5583600" cy="367748"/>
           </a:xfrm>
-          <a:prstGeom prst="wedgeRoundRectCallout">
-            <a:avLst>
-              <a:gd name="adj1" fmla="val -29103"/>
-              <a:gd name="adj2" fmla="val 56568"/>
-              <a:gd name="adj3" fmla="val 16667"/>
-            </a:avLst>
+          <a:prstGeom prst="rect">
+            <a:avLst/>
           </a:prstGeom>
           <a:solidFill>
             <a:schemeClr val="accent2">
@@ -13199,16 +15023,36 @@
           <a:lstStyle/>
           <a:p>
             <a:pPr algn="ctr"/>
-            <a:endParaRPr lang="en-IN" dirty="0"/>
-          </a:p>
-        </p:txBody>
-      </p:sp>
-      <p:sp>
-        <p:nvSpPr>
-          <p:cNvPr id="10" name="Speech Bubble: Rectangle with Corners Rounded 9">
-            <a:extLst>
-              <a:ext uri="{FF2B5EF4-FFF2-40B4-BE49-F238E27FC236}">
-                <a16:creationId xmlns:a16="http://schemas.microsoft.com/office/drawing/2014/main" id="{CF8ABF2B-0E5F-3D69-287A-BC46CA6AD1E6}"/>
+            <a:r>
+              <a:rPr lang="en-US" sz="1200" b="1" dirty="0">
+                <a:solidFill>
+                  <a:schemeClr val="tx1">
+                    <a:lumMod val="75000"/>
+                    <a:lumOff val="25000"/>
+                  </a:schemeClr>
+                </a:solidFill>
+                <a:latin typeface="Avenir Next LT Pro" panose="020B0504020202020204" pitchFamily="34" charset="0"/>
+              </a:rPr>
+              <a:t>Project Manager Ribbon</a:t>
+            </a:r>
+            <a:endParaRPr lang="en-IN" sz="1200" b="1" dirty="0">
+              <a:solidFill>
+                <a:schemeClr val="tx1">
+                  <a:lumMod val="75000"/>
+                  <a:lumOff val="25000"/>
+                </a:schemeClr>
+              </a:solidFill>
+              <a:latin typeface="Avenir Next LT Pro" panose="020B0504020202020204" pitchFamily="34" charset="0"/>
+            </a:endParaRPr>
+          </a:p>
+        </p:txBody>
+      </p:sp>
+      <p:sp>
+        <p:nvSpPr>
+          <p:cNvPr id="7" name="Rectangle 6">
+            <a:extLst>
+              <a:ext uri="{FF2B5EF4-FFF2-40B4-BE49-F238E27FC236}">
+                <a16:creationId xmlns:a16="http://schemas.microsoft.com/office/drawing/2014/main" id="{1E64072F-C5F6-441C-4D56-C4317CC18867}"/>
               </a:ext>
             </a:extLst>
           </p:cNvPr>
@@ -13216,21 +15060,17 @@
           <p:nvPr/>
         </p:nvSpPr>
         <p:spPr>
-          <a:xfrm rot="16200000" flipH="1">
-            <a:off x="9482793" y="3382087"/>
-            <a:ext cx="1342930" cy="3469018"/>
+          <a:xfrm>
+            <a:off x="1789043" y="367748"/>
+            <a:ext cx="360000" cy="6490252"/>
           </a:xfrm>
-          <a:prstGeom prst="wedgeRoundRectCallout">
-            <a:avLst>
-              <a:gd name="adj1" fmla="val -16600"/>
-              <a:gd name="adj2" fmla="val 47872"/>
-              <a:gd name="adj3" fmla="val 16667"/>
-            </a:avLst>
+          <a:prstGeom prst="rect">
+            <a:avLst/>
           </a:prstGeom>
           <a:solidFill>
-            <a:schemeClr val="accent2">
-              <a:lumMod val="20000"/>
-              <a:lumOff val="80000"/>
+            <a:schemeClr val="accent5">
+              <a:lumMod val="40000"/>
+              <a:lumOff val="60000"/>
             </a:schemeClr>
           </a:solidFill>
           <a:ln>
@@ -13254,768 +15094,38 @@
           </a:fontRef>
         </p:style>
         <p:txBody>
-          <a:bodyPr rtlCol="0" anchor="ctr"/>
-          <a:lstStyle/>
-          <a:p>
-            <a:pPr algn="ctr"/>
-            <a:endParaRPr lang="en-IN" dirty="0"/>
-          </a:p>
-        </p:txBody>
-      </p:sp>
-      <p:sp>
-        <p:nvSpPr>
-          <p:cNvPr id="12" name="Rectangle: Rounded Corners 11">
-            <a:extLst>
-              <a:ext uri="{FF2B5EF4-FFF2-40B4-BE49-F238E27FC236}">
-                <a16:creationId xmlns:a16="http://schemas.microsoft.com/office/drawing/2014/main" id="{C5FF79BB-94B8-BCF8-5663-D06EF17C369F}"/>
-              </a:ext>
-            </a:extLst>
-          </p:cNvPr>
-          <p:cNvSpPr/>
-          <p:nvPr/>
-        </p:nvSpPr>
-        <p:spPr>
-          <a:xfrm>
-            <a:off x="7824247" y="6378243"/>
-            <a:ext cx="4270343" cy="360000"/>
-          </a:xfrm>
-          <a:prstGeom prst="roundRect">
-            <a:avLst/>
-          </a:prstGeom>
-          <a:solidFill>
-            <a:schemeClr val="bg1"/>
-          </a:solidFill>
-          <a:ln>
-            <a:solidFill>
-              <a:srgbClr val="5D7373"/>
-            </a:solidFill>
-          </a:ln>
-        </p:spPr>
-        <p:style>
-          <a:lnRef idx="2">
-            <a:schemeClr val="accent1">
-              <a:shade val="15000"/>
-            </a:schemeClr>
-          </a:lnRef>
-          <a:fillRef idx="1">
-            <a:schemeClr val="accent1"/>
-          </a:fillRef>
-          <a:effectRef idx="0">
-            <a:schemeClr val="accent1"/>
-          </a:effectRef>
-          <a:fontRef idx="minor">
-            <a:schemeClr val="lt1"/>
-          </a:fontRef>
-        </p:style>
-        <p:txBody>
-          <a:bodyPr rtlCol="0" anchor="ctr"/>
-          <a:lstStyle/>
-          <a:p>
-            <a:pPr algn="ctr"/>
-            <a:endParaRPr lang="en-IN" dirty="0"/>
-          </a:p>
-        </p:txBody>
-      </p:sp>
-      <p:sp>
-        <p:nvSpPr>
-          <p:cNvPr id="13" name="Rectangle: Rounded Corners 12">
-            <a:extLst>
-              <a:ext uri="{FF2B5EF4-FFF2-40B4-BE49-F238E27FC236}">
-                <a16:creationId xmlns:a16="http://schemas.microsoft.com/office/drawing/2014/main" id="{A4436F80-8472-5B88-AF14-346FE95BDF81}"/>
-              </a:ext>
-            </a:extLst>
-          </p:cNvPr>
-          <p:cNvSpPr/>
-          <p:nvPr/>
-        </p:nvSpPr>
-        <p:spPr>
-          <a:xfrm>
-            <a:off x="8169914" y="869536"/>
-            <a:ext cx="3170531" cy="180000"/>
-          </a:xfrm>
-          <a:prstGeom prst="roundRect">
-            <a:avLst/>
-          </a:prstGeom>
-          <a:solidFill>
-            <a:schemeClr val="bg2"/>
-          </a:solidFill>
-          <a:ln>
-            <a:noFill/>
-          </a:ln>
-        </p:spPr>
-        <p:style>
-          <a:lnRef idx="2">
-            <a:schemeClr val="accent1">
-              <a:shade val="15000"/>
-            </a:schemeClr>
-          </a:lnRef>
-          <a:fillRef idx="1">
-            <a:schemeClr val="accent1"/>
-          </a:fillRef>
-          <a:effectRef idx="0">
-            <a:schemeClr val="accent1"/>
-          </a:effectRef>
-          <a:fontRef idx="minor">
-            <a:schemeClr val="lt1"/>
-          </a:fontRef>
-        </p:style>
-        <p:txBody>
-          <a:bodyPr rtlCol="0" anchor="ctr"/>
-          <a:lstStyle/>
-          <a:p>
-            <a:pPr algn="ctr"/>
-            <a:endParaRPr lang="en-IN" dirty="0"/>
-          </a:p>
-        </p:txBody>
-      </p:sp>
-      <p:sp>
-        <p:nvSpPr>
-          <p:cNvPr id="15" name="Rectangle: Rounded Corners 14">
-            <a:extLst>
-              <a:ext uri="{FF2B5EF4-FFF2-40B4-BE49-F238E27FC236}">
-                <a16:creationId xmlns:a16="http://schemas.microsoft.com/office/drawing/2014/main" id="{20E010B5-1146-D47D-E13A-6C1C383B497A}"/>
-              </a:ext>
-            </a:extLst>
-          </p:cNvPr>
-          <p:cNvSpPr/>
-          <p:nvPr/>
-        </p:nvSpPr>
-        <p:spPr>
-          <a:xfrm>
-            <a:off x="8169914" y="1653751"/>
-            <a:ext cx="3170531" cy="180000"/>
-          </a:xfrm>
-          <a:prstGeom prst="roundRect">
-            <a:avLst/>
-          </a:prstGeom>
-          <a:solidFill>
-            <a:schemeClr val="bg2"/>
-          </a:solidFill>
-          <a:ln>
-            <a:noFill/>
-          </a:ln>
-        </p:spPr>
-        <p:style>
-          <a:lnRef idx="2">
-            <a:schemeClr val="accent1">
-              <a:shade val="15000"/>
-            </a:schemeClr>
-          </a:lnRef>
-          <a:fillRef idx="1">
-            <a:schemeClr val="accent1"/>
-          </a:fillRef>
-          <a:effectRef idx="0">
-            <a:schemeClr val="accent1"/>
-          </a:effectRef>
-          <a:fontRef idx="minor">
-            <a:schemeClr val="lt1"/>
-          </a:fontRef>
-        </p:style>
-        <p:txBody>
-          <a:bodyPr rtlCol="0" anchor="ctr"/>
-          <a:lstStyle/>
-          <a:p>
-            <a:pPr algn="ctr"/>
-            <a:endParaRPr lang="en-IN" dirty="0"/>
-          </a:p>
-        </p:txBody>
-      </p:sp>
-      <p:sp>
-        <p:nvSpPr>
-          <p:cNvPr id="16" name="Rectangle: Rounded Corners 15">
-            <a:extLst>
-              <a:ext uri="{FF2B5EF4-FFF2-40B4-BE49-F238E27FC236}">
-                <a16:creationId xmlns:a16="http://schemas.microsoft.com/office/drawing/2014/main" id="{ABA49A18-C84E-AEFB-9AB4-2A99373B3552}"/>
-              </a:ext>
-            </a:extLst>
-          </p:cNvPr>
-          <p:cNvSpPr/>
-          <p:nvPr/>
-        </p:nvSpPr>
-        <p:spPr>
-          <a:xfrm>
-            <a:off x="8169914" y="3019599"/>
-            <a:ext cx="3170531" cy="180000"/>
-          </a:xfrm>
-          <a:prstGeom prst="roundRect">
-            <a:avLst/>
-          </a:prstGeom>
-          <a:solidFill>
-            <a:schemeClr val="bg2"/>
-          </a:solidFill>
-          <a:ln>
-            <a:noFill/>
-          </a:ln>
-        </p:spPr>
-        <p:style>
-          <a:lnRef idx="2">
-            <a:schemeClr val="accent1">
-              <a:shade val="15000"/>
-            </a:schemeClr>
-          </a:lnRef>
-          <a:fillRef idx="1">
-            <a:schemeClr val="accent1"/>
-          </a:fillRef>
-          <a:effectRef idx="0">
-            <a:schemeClr val="accent1"/>
-          </a:effectRef>
-          <a:fontRef idx="minor">
-            <a:schemeClr val="lt1"/>
-          </a:fontRef>
-        </p:style>
-        <p:txBody>
-          <a:bodyPr rtlCol="0" anchor="ctr"/>
-          <a:lstStyle/>
-          <a:p>
-            <a:pPr algn="ctr"/>
-            <a:endParaRPr lang="en-IN" dirty="0"/>
-          </a:p>
-        </p:txBody>
-      </p:sp>
-      <p:sp>
-        <p:nvSpPr>
-          <p:cNvPr id="17" name="Rectangle: Rounded Corners 16">
-            <a:extLst>
-              <a:ext uri="{FF2B5EF4-FFF2-40B4-BE49-F238E27FC236}">
-                <a16:creationId xmlns:a16="http://schemas.microsoft.com/office/drawing/2014/main" id="{26C3503B-AF3E-A4E3-A8A9-1B4A00465EB0}"/>
-              </a:ext>
-            </a:extLst>
-          </p:cNvPr>
-          <p:cNvSpPr/>
-          <p:nvPr/>
-        </p:nvSpPr>
-        <p:spPr>
-          <a:xfrm>
-            <a:off x="8177778" y="1111607"/>
-            <a:ext cx="3170531" cy="471676"/>
-          </a:xfrm>
-          <a:prstGeom prst="roundRect">
-            <a:avLst>
-              <a:gd name="adj" fmla="val 8673"/>
-            </a:avLst>
-          </a:prstGeom>
-          <a:solidFill>
-            <a:schemeClr val="bg2"/>
-          </a:solidFill>
-          <a:ln>
-            <a:noFill/>
-          </a:ln>
-        </p:spPr>
-        <p:style>
-          <a:lnRef idx="2">
-            <a:schemeClr val="accent1">
-              <a:shade val="15000"/>
-            </a:schemeClr>
-          </a:lnRef>
-          <a:fillRef idx="1">
-            <a:schemeClr val="accent1"/>
-          </a:fillRef>
-          <a:effectRef idx="0">
-            <a:schemeClr val="accent1"/>
-          </a:effectRef>
-          <a:fontRef idx="minor">
-            <a:schemeClr val="lt1"/>
-          </a:fontRef>
-        </p:style>
-        <p:txBody>
-          <a:bodyPr rtlCol="0" anchor="ctr"/>
+          <a:bodyPr vert="vert270" rtlCol="0" anchor="ctr"/>
           <a:lstStyle/>
           <a:p>
             <a:pPr algn="ctr"/>
             <a:r>
               <a:rPr lang="en-US" sz="1200" b="1" dirty="0">
                 <a:solidFill>
-                  <a:schemeClr val="tx1"/>
+                  <a:schemeClr val="tx1">
+                    <a:lumMod val="75000"/>
+                    <a:lumOff val="25000"/>
+                  </a:schemeClr>
                 </a:solidFill>
                 <a:latin typeface="Avenir Next LT Pro" panose="020B0504020202020204" pitchFamily="34" charset="0"/>
               </a:rPr>
-              <a:t>Chat</a:t>
+              <a:t>Management Ribbon</a:t>
             </a:r>
             <a:endParaRPr lang="en-IN" sz="1200" b="1" dirty="0">
               <a:solidFill>
-                <a:schemeClr val="tx1"/>
+                <a:schemeClr val="tx1">
+                  <a:lumMod val="75000"/>
+                  <a:lumOff val="25000"/>
+                </a:schemeClr>
               </a:solidFill>
               <a:latin typeface="Avenir Next LT Pro" panose="020B0504020202020204" pitchFamily="34" charset="0"/>
             </a:endParaRPr>
           </a:p>
         </p:txBody>
       </p:sp>
-      <p:sp>
-        <p:nvSpPr>
-          <p:cNvPr id="18" name="Rectangle: Rounded Corners 17">
-            <a:extLst>
-              <a:ext uri="{FF2B5EF4-FFF2-40B4-BE49-F238E27FC236}">
-                <a16:creationId xmlns:a16="http://schemas.microsoft.com/office/drawing/2014/main" id="{DC4177C5-A6CD-654F-09EB-026741034DB3}"/>
-              </a:ext>
-            </a:extLst>
-          </p:cNvPr>
-          <p:cNvSpPr/>
-          <p:nvPr/>
-        </p:nvSpPr>
-        <p:spPr>
-          <a:xfrm>
-            <a:off x="8177777" y="2118885"/>
-            <a:ext cx="3170531" cy="830365"/>
-          </a:xfrm>
-          <a:prstGeom prst="roundRect">
-            <a:avLst>
-              <a:gd name="adj" fmla="val 9855"/>
-            </a:avLst>
-          </a:prstGeom>
-          <a:solidFill>
-            <a:schemeClr val="bg2"/>
-          </a:solidFill>
-          <a:ln>
-            <a:noFill/>
-          </a:ln>
-        </p:spPr>
-        <p:style>
-          <a:lnRef idx="2">
-            <a:schemeClr val="accent1">
-              <a:shade val="15000"/>
-            </a:schemeClr>
-          </a:lnRef>
-          <a:fillRef idx="1">
-            <a:schemeClr val="accent1"/>
-          </a:fillRef>
-          <a:effectRef idx="0">
-            <a:schemeClr val="accent1"/>
-          </a:effectRef>
-          <a:fontRef idx="minor">
-            <a:schemeClr val="lt1"/>
-          </a:fontRef>
-        </p:style>
-        <p:txBody>
-          <a:bodyPr rtlCol="0" anchor="ctr"/>
-          <a:lstStyle/>
-          <a:p>
-            <a:pPr algn="ctr"/>
-            <a:endParaRPr lang="en-IN" dirty="0"/>
-          </a:p>
-        </p:txBody>
-      </p:sp>
-      <p:sp>
-        <p:nvSpPr>
-          <p:cNvPr id="19" name="Rectangle: Rounded Corners 18">
-            <a:extLst>
-              <a:ext uri="{FF2B5EF4-FFF2-40B4-BE49-F238E27FC236}">
-                <a16:creationId xmlns:a16="http://schemas.microsoft.com/office/drawing/2014/main" id="{10ED8346-CEAF-0EB7-B1E1-A8C1BD3B18E0}"/>
-              </a:ext>
-            </a:extLst>
-          </p:cNvPr>
-          <p:cNvSpPr/>
-          <p:nvPr/>
-        </p:nvSpPr>
-        <p:spPr>
-          <a:xfrm>
-            <a:off x="7732643" y="375494"/>
-            <a:ext cx="4455753" cy="360000"/>
-          </a:xfrm>
-          <a:prstGeom prst="roundRect">
-            <a:avLst>
-              <a:gd name="adj" fmla="val 0"/>
-            </a:avLst>
-          </a:prstGeom>
-          <a:solidFill>
-            <a:schemeClr val="bg2"/>
-          </a:solidFill>
-          <a:ln>
-            <a:noFill/>
-          </a:ln>
-        </p:spPr>
-        <p:style>
-          <a:lnRef idx="2">
-            <a:schemeClr val="accent1">
-              <a:shade val="15000"/>
-            </a:schemeClr>
-          </a:lnRef>
-          <a:fillRef idx="1">
-            <a:schemeClr val="accent1"/>
-          </a:fillRef>
-          <a:effectRef idx="0">
-            <a:schemeClr val="accent1"/>
-          </a:effectRef>
-          <a:fontRef idx="minor">
-            <a:schemeClr val="lt1"/>
-          </a:fontRef>
-        </p:style>
-        <p:txBody>
-          <a:bodyPr rtlCol="0" anchor="ctr"/>
-          <a:lstStyle/>
-          <a:p>
-            <a:pPr algn="ctr"/>
-            <a:endParaRPr lang="en-IN" dirty="0"/>
-          </a:p>
-        </p:txBody>
-      </p:sp>
-      <p:sp>
-        <p:nvSpPr>
-          <p:cNvPr id="20" name="Rectangle: Rounded Corners 19">
-            <a:extLst>
-              <a:ext uri="{FF2B5EF4-FFF2-40B4-BE49-F238E27FC236}">
-                <a16:creationId xmlns:a16="http://schemas.microsoft.com/office/drawing/2014/main" id="{3659FD66-8FE2-A11E-947F-DE5BBA32F96D}"/>
-              </a:ext>
-            </a:extLst>
-          </p:cNvPr>
-          <p:cNvSpPr/>
-          <p:nvPr/>
-        </p:nvSpPr>
-        <p:spPr>
-          <a:xfrm>
-            <a:off x="7767685" y="4265131"/>
-            <a:ext cx="72000" cy="1800000"/>
-          </a:xfrm>
-          <a:prstGeom prst="roundRect">
-            <a:avLst/>
-          </a:prstGeom>
-          <a:solidFill>
-            <a:schemeClr val="bg2"/>
-          </a:solidFill>
-          <a:ln>
-            <a:noFill/>
-          </a:ln>
-        </p:spPr>
-        <p:style>
-          <a:lnRef idx="2">
-            <a:schemeClr val="accent1">
-              <a:shade val="15000"/>
-            </a:schemeClr>
-          </a:lnRef>
-          <a:fillRef idx="1">
-            <a:schemeClr val="accent1"/>
-          </a:fillRef>
-          <a:effectRef idx="0">
-            <a:schemeClr val="accent1"/>
-          </a:effectRef>
-          <a:fontRef idx="minor">
-            <a:schemeClr val="lt1"/>
-          </a:fontRef>
-        </p:style>
-        <p:txBody>
-          <a:bodyPr rtlCol="0" anchor="ctr"/>
-          <a:lstStyle/>
-          <a:p>
-            <a:pPr algn="ctr"/>
-            <a:endParaRPr lang="en-IN" dirty="0"/>
-          </a:p>
-        </p:txBody>
-      </p:sp>
-      <p:sp>
-        <p:nvSpPr>
-          <p:cNvPr id="22" name="Oval 21">
-            <a:extLst>
-              <a:ext uri="{FF2B5EF4-FFF2-40B4-BE49-F238E27FC236}">
-                <a16:creationId xmlns:a16="http://schemas.microsoft.com/office/drawing/2014/main" id="{2E777251-7994-7ADC-CAA9-ED2E056B9B3F}"/>
-              </a:ext>
-            </a:extLst>
-          </p:cNvPr>
-          <p:cNvSpPr/>
-          <p:nvPr/>
-        </p:nvSpPr>
-        <p:spPr>
-          <a:xfrm>
-            <a:off x="11594969" y="1111607"/>
-            <a:ext cx="360000" cy="360000"/>
-          </a:xfrm>
-          <a:prstGeom prst="ellipse">
-            <a:avLst/>
-          </a:prstGeom>
-          <a:solidFill>
-            <a:schemeClr val="bg2"/>
-          </a:solidFill>
-          <a:ln>
-            <a:noFill/>
-          </a:ln>
-        </p:spPr>
-        <p:style>
-          <a:lnRef idx="2">
-            <a:schemeClr val="accent1">
-              <a:shade val="15000"/>
-            </a:schemeClr>
-          </a:lnRef>
-          <a:fillRef idx="1">
-            <a:schemeClr val="accent1"/>
-          </a:fillRef>
-          <a:effectRef idx="0">
-            <a:schemeClr val="accent1"/>
-          </a:effectRef>
-          <a:fontRef idx="minor">
-            <a:schemeClr val="lt1"/>
-          </a:fontRef>
-        </p:style>
-        <p:txBody>
-          <a:bodyPr rtlCol="0" anchor="ctr"/>
-          <a:lstStyle/>
-          <a:p>
-            <a:pPr algn="ctr"/>
-            <a:endParaRPr lang="en-IN" dirty="0"/>
-          </a:p>
-        </p:txBody>
-      </p:sp>
-      <p:sp>
-        <p:nvSpPr>
-          <p:cNvPr id="23" name="Oval 22">
-            <a:extLst>
-              <a:ext uri="{FF2B5EF4-FFF2-40B4-BE49-F238E27FC236}">
-                <a16:creationId xmlns:a16="http://schemas.microsoft.com/office/drawing/2014/main" id="{E746A41C-76F6-EB60-786A-8685509AEF83}"/>
-              </a:ext>
-            </a:extLst>
-          </p:cNvPr>
-          <p:cNvSpPr/>
-          <p:nvPr/>
-        </p:nvSpPr>
-        <p:spPr>
-          <a:xfrm>
-            <a:off x="11594969" y="2429095"/>
-            <a:ext cx="360000" cy="360000"/>
-          </a:xfrm>
-          <a:prstGeom prst="ellipse">
-            <a:avLst/>
-          </a:prstGeom>
-          <a:solidFill>
-            <a:schemeClr val="bg2"/>
-          </a:solidFill>
-          <a:ln>
-            <a:noFill/>
-          </a:ln>
-        </p:spPr>
-        <p:style>
-          <a:lnRef idx="2">
-            <a:schemeClr val="accent1">
-              <a:shade val="15000"/>
-            </a:schemeClr>
-          </a:lnRef>
-          <a:fillRef idx="1">
-            <a:schemeClr val="accent1"/>
-          </a:fillRef>
-          <a:effectRef idx="0">
-            <a:schemeClr val="accent1"/>
-          </a:effectRef>
-          <a:fontRef idx="minor">
-            <a:schemeClr val="lt1"/>
-          </a:fontRef>
-        </p:style>
-        <p:txBody>
-          <a:bodyPr rtlCol="0" anchor="ctr"/>
-          <a:lstStyle/>
-          <a:p>
-            <a:pPr algn="ctr"/>
-            <a:endParaRPr lang="en-IN" dirty="0"/>
-          </a:p>
-        </p:txBody>
-      </p:sp>
-      <p:sp>
-        <p:nvSpPr>
-          <p:cNvPr id="25" name="Oval 24">
-            <a:extLst>
-              <a:ext uri="{FF2B5EF4-FFF2-40B4-BE49-F238E27FC236}">
-                <a16:creationId xmlns:a16="http://schemas.microsoft.com/office/drawing/2014/main" id="{D117EB3D-2A79-5228-047C-0CF01F33B379}"/>
-              </a:ext>
-            </a:extLst>
-          </p:cNvPr>
-          <p:cNvSpPr/>
-          <p:nvPr/>
-        </p:nvSpPr>
-        <p:spPr>
-          <a:xfrm>
-            <a:off x="7897977" y="3739763"/>
-            <a:ext cx="360000" cy="360000"/>
-          </a:xfrm>
-          <a:prstGeom prst="ellipse">
-            <a:avLst/>
-          </a:prstGeom>
-          <a:solidFill>
-            <a:schemeClr val="bg2"/>
-          </a:solidFill>
-          <a:ln>
-            <a:noFill/>
-          </a:ln>
-        </p:spPr>
-        <p:style>
-          <a:lnRef idx="2">
-            <a:schemeClr val="accent1">
-              <a:shade val="15000"/>
-            </a:schemeClr>
-          </a:lnRef>
-          <a:fillRef idx="1">
-            <a:schemeClr val="accent1"/>
-          </a:fillRef>
-          <a:effectRef idx="0">
-            <a:schemeClr val="accent1"/>
-          </a:effectRef>
-          <a:fontRef idx="minor">
-            <a:schemeClr val="lt1"/>
-          </a:fontRef>
-        </p:style>
-        <p:txBody>
-          <a:bodyPr rtlCol="0" anchor="ctr"/>
-          <a:lstStyle/>
-          <a:p>
-            <a:pPr algn="ctr"/>
-            <a:endParaRPr lang="en-IN" dirty="0"/>
-          </a:p>
-        </p:txBody>
-      </p:sp>
-      <p:sp>
-        <p:nvSpPr>
-          <p:cNvPr id="26" name="Oval 25">
-            <a:extLst>
-              <a:ext uri="{FF2B5EF4-FFF2-40B4-BE49-F238E27FC236}">
-                <a16:creationId xmlns:a16="http://schemas.microsoft.com/office/drawing/2014/main" id="{8A09E4B2-42E7-CE48-431D-72F81693350B}"/>
-              </a:ext>
-            </a:extLst>
-          </p:cNvPr>
-          <p:cNvSpPr/>
-          <p:nvPr/>
-        </p:nvSpPr>
-        <p:spPr>
-          <a:xfrm>
-            <a:off x="7897977" y="4983559"/>
-            <a:ext cx="360000" cy="360000"/>
-          </a:xfrm>
-          <a:prstGeom prst="ellipse">
-            <a:avLst/>
-          </a:prstGeom>
-          <a:solidFill>
-            <a:schemeClr val="bg2"/>
-          </a:solidFill>
-          <a:ln>
-            <a:noFill/>
-          </a:ln>
-        </p:spPr>
-        <p:style>
-          <a:lnRef idx="2">
-            <a:schemeClr val="accent1">
-              <a:shade val="15000"/>
-            </a:schemeClr>
-          </a:lnRef>
-          <a:fillRef idx="1">
-            <a:schemeClr val="accent1"/>
-          </a:fillRef>
-          <a:effectRef idx="0">
-            <a:schemeClr val="accent1"/>
-          </a:effectRef>
-          <a:fontRef idx="minor">
-            <a:schemeClr val="lt1"/>
-          </a:fontRef>
-        </p:style>
-        <p:txBody>
-          <a:bodyPr rtlCol="0" anchor="ctr"/>
-          <a:lstStyle/>
-          <a:p>
-            <a:pPr algn="ctr"/>
-            <a:endParaRPr lang="en-IN" dirty="0"/>
-          </a:p>
-        </p:txBody>
-      </p:sp>
-      <p:sp>
-        <p:nvSpPr>
-          <p:cNvPr id="27" name="Oval 26">
-            <a:extLst>
-              <a:ext uri="{FF2B5EF4-FFF2-40B4-BE49-F238E27FC236}">
-                <a16:creationId xmlns:a16="http://schemas.microsoft.com/office/drawing/2014/main" id="{80E69582-31EE-1E6E-B2F8-01F9F2246B3D}"/>
-              </a:ext>
-            </a:extLst>
-          </p:cNvPr>
-          <p:cNvSpPr/>
-          <p:nvPr/>
-        </p:nvSpPr>
-        <p:spPr>
-          <a:xfrm>
-            <a:off x="11765296" y="6432243"/>
-            <a:ext cx="252000" cy="252000"/>
-          </a:xfrm>
-          <a:prstGeom prst="ellipse">
-            <a:avLst/>
-          </a:prstGeom>
-          <a:solidFill>
-            <a:schemeClr val="bg2"/>
-          </a:solidFill>
-          <a:ln>
-            <a:noFill/>
-          </a:ln>
-        </p:spPr>
-        <p:style>
-          <a:lnRef idx="2">
-            <a:schemeClr val="accent1">
-              <a:shade val="15000"/>
-            </a:schemeClr>
-          </a:lnRef>
-          <a:fillRef idx="1">
-            <a:schemeClr val="accent1"/>
-          </a:fillRef>
-          <a:effectRef idx="0">
-            <a:schemeClr val="accent1"/>
-          </a:effectRef>
-          <a:fontRef idx="minor">
-            <a:schemeClr val="lt1"/>
-          </a:fontRef>
-        </p:style>
-        <p:txBody>
-          <a:bodyPr rtlCol="0" anchor="ctr"/>
-          <a:lstStyle/>
-          <a:p>
-            <a:pPr algn="ctr"/>
-            <a:endParaRPr lang="en-IN" dirty="0"/>
-          </a:p>
-        </p:txBody>
-      </p:sp>
-      <p:sp>
-        <p:nvSpPr>
-          <p:cNvPr id="28" name="Oval 27">
-            <a:extLst>
-              <a:ext uri="{FF2B5EF4-FFF2-40B4-BE49-F238E27FC236}">
-                <a16:creationId xmlns:a16="http://schemas.microsoft.com/office/drawing/2014/main" id="{CE8AAAF9-0454-609B-4D56-10CFBEBFD653}"/>
-              </a:ext>
-            </a:extLst>
-          </p:cNvPr>
-          <p:cNvSpPr/>
-          <p:nvPr/>
-        </p:nvSpPr>
-        <p:spPr>
-          <a:xfrm>
-            <a:off x="11424317" y="6436311"/>
-            <a:ext cx="252000" cy="252000"/>
-          </a:xfrm>
-          <a:prstGeom prst="ellipse">
-            <a:avLst/>
-          </a:prstGeom>
-          <a:solidFill>
-            <a:schemeClr val="bg2"/>
-          </a:solidFill>
-          <a:ln>
-            <a:noFill/>
-          </a:ln>
-        </p:spPr>
-        <p:style>
-          <a:lnRef idx="2">
-            <a:schemeClr val="accent1">
-              <a:shade val="15000"/>
-            </a:schemeClr>
-          </a:lnRef>
-          <a:fillRef idx="1">
-            <a:schemeClr val="accent1"/>
-          </a:fillRef>
-          <a:effectRef idx="0">
-            <a:schemeClr val="accent1"/>
-          </a:effectRef>
-          <a:fontRef idx="minor">
-            <a:schemeClr val="lt1"/>
-          </a:fontRef>
-        </p:style>
-        <p:txBody>
-          <a:bodyPr rtlCol="0" anchor="ctr"/>
-          <a:lstStyle/>
-          <a:p>
-            <a:pPr algn="ctr"/>
-            <a:endParaRPr lang="en-IN" dirty="0"/>
-          </a:p>
-        </p:txBody>
-      </p:sp>
     </p:spTree>
     <p:extLst>
       <p:ext uri="{BB962C8B-B14F-4D97-AF65-F5344CB8AC3E}">
-        <p14:creationId xmlns:p14="http://schemas.microsoft.com/office/powerpoint/2010/main" val="3210207412"/>
+        <p14:creationId xmlns:p14="http://schemas.microsoft.com/office/powerpoint/2010/main" val="1987782092"/>
       </p:ext>
     </p:extLst>
   </p:cSld>
@@ -14911,23 +16021,6 @@
 </file>
 
 <file path=customXml/item1.xml><?xml version="1.0" encoding="utf-8"?>
-<?mso-contentType ?>
-<FormTemplates xmlns="http://schemas.microsoft.com/sharepoint/v3/contenttype/forms">
-  <Display>DocumentLibraryForm</Display>
-  <Edit>DocumentLibraryForm</Edit>
-  <New>DocumentLibraryForm</New>
-</FormTemplates>
-</file>
-
-<file path=customXml/item2.xml><?xml version="1.0" encoding="utf-8"?>
-<p:properties xmlns:p="http://schemas.microsoft.com/office/2006/metadata/properties" xmlns:xsi="http://www.w3.org/2001/XMLSchema-instance" xmlns:pc="http://schemas.microsoft.com/office/infopath/2007/PartnerControls">
-  <documentManagement>
-    <_activity xmlns="0e1bb11d-1fe8-4e80-a80d-c671e8cd2a50" xsi:nil="true"/>
-  </documentManagement>
-</p:properties>
-</file>
-
-<file path=customXml/item3.xml><?xml version="1.0" encoding="utf-8"?>
 <ct:contentTypeSchema xmlns:ct="http://schemas.microsoft.com/office/2006/metadata/contentType" xmlns:ma="http://schemas.microsoft.com/office/2006/metadata/properties/metaAttributes" ct:_="" ma:_="" ma:contentTypeName="Document" ma:contentTypeID="0x010100A855378936633F46935DE081F3F0A723" ma:contentTypeVersion="14" ma:contentTypeDescription="Create a new document." ma:contentTypeScope="" ma:versionID="55f1e6ab26213e900d3ea6b73674690f">
   <xsd:schema xmlns:xsd="http://www.w3.org/2001/XMLSchema" xmlns:xs="http://www.w3.org/2001/XMLSchema" xmlns:p="http://schemas.microsoft.com/office/2006/metadata/properties" xmlns:ns3="0e1bb11d-1fe8-4e80-a80d-c671e8cd2a50" targetNamespace="http://schemas.microsoft.com/office/2006/metadata/properties" ma:root="true" ma:fieldsID="cb5bac23893b177075308ae0464414f8" ns3:_="">
     <xsd:import namespace="0e1bb11d-1fe8-4e80-a80d-c671e8cd2a50"/>
@@ -15135,10 +16228,37 @@
 </ct:contentTypeSchema>
 </file>
 
+<file path=customXml/item2.xml><?xml version="1.0" encoding="utf-8"?>
+<p:properties xmlns:p="http://schemas.microsoft.com/office/2006/metadata/properties" xmlns:xsi="http://www.w3.org/2001/XMLSchema-instance" xmlns:pc="http://schemas.microsoft.com/office/infopath/2007/PartnerControls">
+  <documentManagement>
+    <_activity xmlns="0e1bb11d-1fe8-4e80-a80d-c671e8cd2a50" xsi:nil="true"/>
+  </documentManagement>
+</p:properties>
+</file>
+
+<file path=customXml/item3.xml><?xml version="1.0" encoding="utf-8"?>
+<?mso-contentType ?>
+<FormTemplates xmlns="http://schemas.microsoft.com/sharepoint/v3/contenttype/forms">
+  <Display>DocumentLibraryForm</Display>
+  <Edit>DocumentLibraryForm</Edit>
+  <New>DocumentLibraryForm</New>
+</FormTemplates>
+</file>
+
 <file path=customXml/itemProps1.xml><?xml version="1.0" encoding="utf-8"?>
-<ds:datastoreItem xmlns:ds="http://schemas.openxmlformats.org/officeDocument/2006/customXml" ds:itemID="{D9A29AA5-5937-490C-A495-D5C320512737}">
+<ds:datastoreItem xmlns:ds="http://schemas.openxmlformats.org/officeDocument/2006/customXml" ds:itemID="{7B2E56D0-A161-47EC-9D87-E508F7ED6741}">
   <ds:schemaRefs>
-    <ds:schemaRef ds:uri="http://schemas.microsoft.com/sharepoint/v3/contenttype/forms"/>
+    <ds:schemaRef ds:uri="http://schemas.microsoft.com/office/2006/metadata/contentType"/>
+    <ds:schemaRef ds:uri="http://schemas.microsoft.com/office/2006/metadata/properties/metaAttributes"/>
+    <ds:schemaRef ds:uri="http://www.w3.org/2001/XMLSchema"/>
+    <ds:schemaRef ds:uri="http://schemas.microsoft.com/office/2006/metadata/properties"/>
+    <ds:schemaRef ds:uri="0e1bb11d-1fe8-4e80-a80d-c671e8cd2a50"/>
+    <ds:schemaRef ds:uri="http://schemas.microsoft.com/office/2006/documentManagement/types"/>
+    <ds:schemaRef ds:uri="http://schemas.microsoft.com/office/infopath/2007/PartnerControls"/>
+    <ds:schemaRef ds:uri="http://schemas.openxmlformats.org/package/2006/metadata/core-properties"/>
+    <ds:schemaRef ds:uri="http://purl.org/dc/elements/1.1/"/>
+    <ds:schemaRef ds:uri="http://purl.org/dc/terms/"/>
+    <ds:schemaRef ds:uri="http://schemas.microsoft.com/internal/obd"/>
   </ds:schemaRefs>
 </ds:datastoreItem>
 </file>
@@ -15160,19 +16280,9 @@
 </file>
 
 <file path=customXml/itemProps3.xml><?xml version="1.0" encoding="utf-8"?>
-<ds:datastoreItem xmlns:ds="http://schemas.openxmlformats.org/officeDocument/2006/customXml" ds:itemID="{7B2E56D0-A161-47EC-9D87-E508F7ED6741}">
+<ds:datastoreItem xmlns:ds="http://schemas.openxmlformats.org/officeDocument/2006/customXml" ds:itemID="{D9A29AA5-5937-490C-A495-D5C320512737}">
   <ds:schemaRefs>
-    <ds:schemaRef ds:uri="http://schemas.microsoft.com/office/2006/metadata/contentType"/>
-    <ds:schemaRef ds:uri="http://schemas.microsoft.com/office/2006/metadata/properties/metaAttributes"/>
-    <ds:schemaRef ds:uri="http://www.w3.org/2001/XMLSchema"/>
-    <ds:schemaRef ds:uri="http://schemas.microsoft.com/office/2006/metadata/properties"/>
-    <ds:schemaRef ds:uri="0e1bb11d-1fe8-4e80-a80d-c671e8cd2a50"/>
-    <ds:schemaRef ds:uri="http://schemas.microsoft.com/office/2006/documentManagement/types"/>
-    <ds:schemaRef ds:uri="http://schemas.microsoft.com/office/infopath/2007/PartnerControls"/>
-    <ds:schemaRef ds:uri="http://schemas.openxmlformats.org/package/2006/metadata/core-properties"/>
-    <ds:schemaRef ds:uri="http://purl.org/dc/elements/1.1/"/>
-    <ds:schemaRef ds:uri="http://purl.org/dc/terms/"/>
-    <ds:schemaRef ds:uri="http://schemas.microsoft.com/internal/obd"/>
+    <ds:schemaRef ds:uri="http://schemas.microsoft.com/sharepoint/v3/contenttype/forms"/>
   </ds:schemaRefs>
 </ds:datastoreItem>
 </file>
--- a/Design Requirement/Chat/Chat - LetsDiscuss.pptx
+++ b/Design Requirement/Chat/Chat - LetsDiscuss.pptx
@@ -210,7 +210,7 @@
           <a:p>
             <a:fld id="{DB6CA646-4DB0-4081-BAF1-518ED8EEB214}" type="datetimeFigureOut">
               <a:rPr lang="en-IN" smtClean="0"/>
-              <a:t>12-06-2024</a:t>
+              <a:t>14-06-2024</a:t>
             </a:fld>
             <a:endParaRPr lang="en-IN" dirty="0"/>
           </a:p>
@@ -1683,7 +1683,7 @@
           <a:p>
             <a:fld id="{40BFCB34-1D3A-4E3D-AF01-87C69294AC55}" type="datetimeFigureOut">
               <a:rPr lang="en-IN" smtClean="0"/>
-              <a:t>12-06-2024</a:t>
+              <a:t>14-06-2024</a:t>
             </a:fld>
             <a:endParaRPr lang="en-IN" dirty="0"/>
           </a:p>
@@ -1883,7 +1883,7 @@
           <a:p>
             <a:fld id="{40BFCB34-1D3A-4E3D-AF01-87C69294AC55}" type="datetimeFigureOut">
               <a:rPr lang="en-IN" smtClean="0"/>
-              <a:t>12-06-2024</a:t>
+              <a:t>14-06-2024</a:t>
             </a:fld>
             <a:endParaRPr lang="en-IN" dirty="0"/>
           </a:p>
@@ -2093,7 +2093,7 @@
           <a:p>
             <a:fld id="{40BFCB34-1D3A-4E3D-AF01-87C69294AC55}" type="datetimeFigureOut">
               <a:rPr lang="en-IN" smtClean="0"/>
-              <a:t>12-06-2024</a:t>
+              <a:t>14-06-2024</a:t>
             </a:fld>
             <a:endParaRPr lang="en-IN" dirty="0"/>
           </a:p>
@@ -2206,7 +2206,7 @@
           <a:p>
             <a:fld id="{53685DBC-317F-4C6B-AEE2-0BEBDE6560A6}" type="datetimeFigureOut">
               <a:rPr lang="en-US" smtClean="0"/>
-              <a:t>6/12/2024</a:t>
+              <a:t>6/14/2024</a:t>
             </a:fld>
             <a:endParaRPr lang="en-US" dirty="0"/>
           </a:p>
@@ -2406,7 +2406,7 @@
           <a:p>
             <a:fld id="{40BFCB34-1D3A-4E3D-AF01-87C69294AC55}" type="datetimeFigureOut">
               <a:rPr lang="en-IN" smtClean="0"/>
-              <a:t>12-06-2024</a:t>
+              <a:t>14-06-2024</a:t>
             </a:fld>
             <a:endParaRPr lang="en-IN" dirty="0"/>
           </a:p>
@@ -2682,7 +2682,7 @@
           <a:p>
             <a:fld id="{40BFCB34-1D3A-4E3D-AF01-87C69294AC55}" type="datetimeFigureOut">
               <a:rPr lang="en-IN" smtClean="0"/>
-              <a:t>12-06-2024</a:t>
+              <a:t>14-06-2024</a:t>
             </a:fld>
             <a:endParaRPr lang="en-IN" dirty="0"/>
           </a:p>
@@ -2950,7 +2950,7 @@
           <a:p>
             <a:fld id="{40BFCB34-1D3A-4E3D-AF01-87C69294AC55}" type="datetimeFigureOut">
               <a:rPr lang="en-IN" smtClean="0"/>
-              <a:t>12-06-2024</a:t>
+              <a:t>14-06-2024</a:t>
             </a:fld>
             <a:endParaRPr lang="en-IN" dirty="0"/>
           </a:p>
@@ -3365,7 +3365,7 @@
           <a:p>
             <a:fld id="{40BFCB34-1D3A-4E3D-AF01-87C69294AC55}" type="datetimeFigureOut">
               <a:rPr lang="en-IN" smtClean="0"/>
-              <a:t>12-06-2024</a:t>
+              <a:t>14-06-2024</a:t>
             </a:fld>
             <a:endParaRPr lang="en-IN" dirty="0"/>
           </a:p>
@@ -3507,7 +3507,7 @@
           <a:p>
             <a:fld id="{40BFCB34-1D3A-4E3D-AF01-87C69294AC55}" type="datetimeFigureOut">
               <a:rPr lang="en-IN" smtClean="0"/>
-              <a:t>12-06-2024</a:t>
+              <a:t>14-06-2024</a:t>
             </a:fld>
             <a:endParaRPr lang="en-IN" dirty="0"/>
           </a:p>
@@ -3620,7 +3620,7 @@
           <a:p>
             <a:fld id="{40BFCB34-1D3A-4E3D-AF01-87C69294AC55}" type="datetimeFigureOut">
               <a:rPr lang="en-IN" smtClean="0"/>
-              <a:t>12-06-2024</a:t>
+              <a:t>14-06-2024</a:t>
             </a:fld>
             <a:endParaRPr lang="en-IN" dirty="0"/>
           </a:p>
@@ -3933,7 +3933,7 @@
           <a:p>
             <a:fld id="{40BFCB34-1D3A-4E3D-AF01-87C69294AC55}" type="datetimeFigureOut">
               <a:rPr lang="en-IN" smtClean="0"/>
-              <a:t>12-06-2024</a:t>
+              <a:t>14-06-2024</a:t>
             </a:fld>
             <a:endParaRPr lang="en-IN" dirty="0"/>
           </a:p>
@@ -4222,7 +4222,7 @@
           <a:p>
             <a:fld id="{40BFCB34-1D3A-4E3D-AF01-87C69294AC55}" type="datetimeFigureOut">
               <a:rPr lang="en-IN" smtClean="0"/>
-              <a:t>12-06-2024</a:t>
+              <a:t>14-06-2024</a:t>
             </a:fld>
             <a:endParaRPr lang="en-IN" dirty="0"/>
           </a:p>
@@ -4465,7 +4465,7 @@
           <a:p>
             <a:fld id="{40BFCB34-1D3A-4E3D-AF01-87C69294AC55}" type="datetimeFigureOut">
               <a:rPr lang="en-IN" smtClean="0"/>
-              <a:t>12-06-2024</a:t>
+              <a:t>14-06-2024</a:t>
             </a:fld>
             <a:endParaRPr lang="en-IN" dirty="0"/>
           </a:p>
@@ -5036,7 +5036,7 @@
           <a:p>
             <a:fld id="{53685DBC-317F-4C6B-AEE2-0BEBDE6560A6}" type="datetimeFigureOut">
               <a:rPr lang="en-US" smtClean="0"/>
-              <a:t>6/12/2024</a:t>
+              <a:t>6/14/2024</a:t>
             </a:fld>
             <a:endParaRPr lang="en-US" dirty="0"/>
           </a:p>
@@ -13063,7 +13063,7 @@
         <p:spPr>
           <a:xfrm>
             <a:off x="120320" y="0"/>
-            <a:ext cx="12071680" cy="4524315"/>
+            <a:ext cx="12071680" cy="4708981"/>
           </a:xfrm>
           <a:prstGeom prst="rect">
             <a:avLst/>
@@ -13109,6 +13109,26 @@
               </a:rPr>
               <a:t>Chats : Appears by Names, option to add another name for user specific purpose</a:t>
             </a:r>
+          </a:p>
+          <a:p>
+            <a:pPr marL="228600" indent="-228600">
+              <a:buAutoNum type="arabicPeriod"/>
+            </a:pPr>
+            <a:r>
+              <a:rPr lang="en-US" sz="1200" dirty="0">
+                <a:latin typeface="Avenir Next LT Pro" panose="020B0504020202020204" pitchFamily="34" charset="0"/>
+              </a:rPr>
+              <a:t>Chats can be Schedule for the future (about a month ago) Update &amp; User Can see it only And can delete any Time before the time </a:t>
+            </a:r>
+            <a:r>
+              <a:rPr lang="en-US" sz="1200">
+                <a:latin typeface="Avenir Next LT Pro" panose="020B0504020202020204" pitchFamily="34" charset="0"/>
+              </a:rPr>
+              <a:t>arrived.</a:t>
+            </a:r>
+            <a:endParaRPr lang="en-US" sz="1200" dirty="0">
+              <a:latin typeface="Avenir Next LT Pro" panose="020B0504020202020204" pitchFamily="34" charset="0"/>
+            </a:endParaRPr>
           </a:p>
           <a:p>
             <a:pPr marL="228600" indent="-228600">
@@ -13397,7 +13417,19 @@
               <a:rPr lang="en-US" sz="1200" dirty="0">
                 <a:latin typeface="Avenir Next LT Pro" panose="020B0504020202020204" pitchFamily="34" charset="0"/>
               </a:rPr>
-              <a:t> have its own 1. Chat App2. Calender3. Meeting4. Phone  Note Making 5. and lot more and they will communicate with each other to make production highly effective</a:t>
+              <a:t> have its own Chat App, Calander, Meeting, Phone, Note Making, Remainder, </a:t>
+            </a:r>
+            <a:r>
+              <a:rPr lang="en-US" sz="1200">
+                <a:latin typeface="Avenir Next LT Pro" panose="020B0504020202020204" pitchFamily="34" charset="0"/>
+              </a:rPr>
+              <a:t>Payment, and </a:t>
+            </a:r>
+            <a:r>
+              <a:rPr lang="en-US" sz="1200" dirty="0">
+                <a:latin typeface="Avenir Next LT Pro" panose="020B0504020202020204" pitchFamily="34" charset="0"/>
+              </a:rPr>
+              <a:t>lot more and they will communicate with each other to make production highly effective</a:t>
             </a:r>
             <a:endParaRPr lang="en-IN" sz="1200" dirty="0">
               <a:latin typeface="Avenir Next LT Pro" panose="020B0504020202020204" pitchFamily="34" charset="0"/>

--- a/Design Requirement/Chat/Chat - LetsDiscuss.pptx
+++ b/Design Requirement/Chat/Chat - LetsDiscuss.pptx
@@ -210,7 +210,7 @@
           <a:p>
             <a:fld id="{DB6CA646-4DB0-4081-BAF1-518ED8EEB214}" type="datetimeFigureOut">
               <a:rPr lang="en-IN" smtClean="0"/>
-              <a:t>14-06-2024</a:t>
+              <a:t>16-06-2024</a:t>
             </a:fld>
             <a:endParaRPr lang="en-IN" dirty="0"/>
           </a:p>
@@ -1683,7 +1683,7 @@
           <a:p>
             <a:fld id="{40BFCB34-1D3A-4E3D-AF01-87C69294AC55}" type="datetimeFigureOut">
               <a:rPr lang="en-IN" smtClean="0"/>
-              <a:t>14-06-2024</a:t>
+              <a:t>16-06-2024</a:t>
             </a:fld>
             <a:endParaRPr lang="en-IN" dirty="0"/>
           </a:p>
@@ -1883,7 +1883,7 @@
           <a:p>
             <a:fld id="{40BFCB34-1D3A-4E3D-AF01-87C69294AC55}" type="datetimeFigureOut">
               <a:rPr lang="en-IN" smtClean="0"/>
-              <a:t>14-06-2024</a:t>
+              <a:t>16-06-2024</a:t>
             </a:fld>
             <a:endParaRPr lang="en-IN" dirty="0"/>
           </a:p>
@@ -2093,7 +2093,7 @@
           <a:p>
             <a:fld id="{40BFCB34-1D3A-4E3D-AF01-87C69294AC55}" type="datetimeFigureOut">
               <a:rPr lang="en-IN" smtClean="0"/>
-              <a:t>14-06-2024</a:t>
+              <a:t>16-06-2024</a:t>
             </a:fld>
             <a:endParaRPr lang="en-IN" dirty="0"/>
           </a:p>
@@ -2206,7 +2206,7 @@
           <a:p>
             <a:fld id="{53685DBC-317F-4C6B-AEE2-0BEBDE6560A6}" type="datetimeFigureOut">
               <a:rPr lang="en-US" smtClean="0"/>
-              <a:t>6/14/2024</a:t>
+              <a:t>6/16/2024</a:t>
             </a:fld>
             <a:endParaRPr lang="en-US" dirty="0"/>
           </a:p>
@@ -2406,7 +2406,7 @@
           <a:p>
             <a:fld id="{40BFCB34-1D3A-4E3D-AF01-87C69294AC55}" type="datetimeFigureOut">
               <a:rPr lang="en-IN" smtClean="0"/>
-              <a:t>14-06-2024</a:t>
+              <a:t>16-06-2024</a:t>
             </a:fld>
             <a:endParaRPr lang="en-IN" dirty="0"/>
           </a:p>
@@ -2682,7 +2682,7 @@
           <a:p>
             <a:fld id="{40BFCB34-1D3A-4E3D-AF01-87C69294AC55}" type="datetimeFigureOut">
               <a:rPr lang="en-IN" smtClean="0"/>
-              <a:t>14-06-2024</a:t>
+              <a:t>16-06-2024</a:t>
             </a:fld>
             <a:endParaRPr lang="en-IN" dirty="0"/>
           </a:p>
@@ -2950,7 +2950,7 @@
           <a:p>
             <a:fld id="{40BFCB34-1D3A-4E3D-AF01-87C69294AC55}" type="datetimeFigureOut">
               <a:rPr lang="en-IN" smtClean="0"/>
-              <a:t>14-06-2024</a:t>
+              <a:t>16-06-2024</a:t>
             </a:fld>
             <a:endParaRPr lang="en-IN" dirty="0"/>
           </a:p>
@@ -3365,7 +3365,7 @@
           <a:p>
             <a:fld id="{40BFCB34-1D3A-4E3D-AF01-87C69294AC55}" type="datetimeFigureOut">
               <a:rPr lang="en-IN" smtClean="0"/>
-              <a:t>14-06-2024</a:t>
+              <a:t>16-06-2024</a:t>
             </a:fld>
             <a:endParaRPr lang="en-IN" dirty="0"/>
           </a:p>
@@ -3507,7 +3507,7 @@
           <a:p>
             <a:fld id="{40BFCB34-1D3A-4E3D-AF01-87C69294AC55}" type="datetimeFigureOut">
               <a:rPr lang="en-IN" smtClean="0"/>
-              <a:t>14-06-2024</a:t>
+              <a:t>16-06-2024</a:t>
             </a:fld>
             <a:endParaRPr lang="en-IN" dirty="0"/>
           </a:p>
@@ -3620,7 +3620,7 @@
           <a:p>
             <a:fld id="{40BFCB34-1D3A-4E3D-AF01-87C69294AC55}" type="datetimeFigureOut">
               <a:rPr lang="en-IN" smtClean="0"/>
-              <a:t>14-06-2024</a:t>
+              <a:t>16-06-2024</a:t>
             </a:fld>
             <a:endParaRPr lang="en-IN" dirty="0"/>
           </a:p>
@@ -3933,7 +3933,7 @@
           <a:p>
             <a:fld id="{40BFCB34-1D3A-4E3D-AF01-87C69294AC55}" type="datetimeFigureOut">
               <a:rPr lang="en-IN" smtClean="0"/>
-              <a:t>14-06-2024</a:t>
+              <a:t>16-06-2024</a:t>
             </a:fld>
             <a:endParaRPr lang="en-IN" dirty="0"/>
           </a:p>
@@ -4222,7 +4222,7 @@
           <a:p>
             <a:fld id="{40BFCB34-1D3A-4E3D-AF01-87C69294AC55}" type="datetimeFigureOut">
               <a:rPr lang="en-IN" smtClean="0"/>
-              <a:t>14-06-2024</a:t>
+              <a:t>16-06-2024</a:t>
             </a:fld>
             <a:endParaRPr lang="en-IN" dirty="0"/>
           </a:p>
@@ -4465,7 +4465,7 @@
           <a:p>
             <a:fld id="{40BFCB34-1D3A-4E3D-AF01-87C69294AC55}" type="datetimeFigureOut">
               <a:rPr lang="en-IN" smtClean="0"/>
-              <a:t>14-06-2024</a:t>
+              <a:t>16-06-2024</a:t>
             </a:fld>
             <a:endParaRPr lang="en-IN" dirty="0"/>
           </a:p>
@@ -5036,7 +5036,7 @@
           <a:p>
             <a:fld id="{53685DBC-317F-4C6B-AEE2-0BEBDE6560A6}" type="datetimeFigureOut">
               <a:rPr lang="en-US" smtClean="0"/>
-              <a:t>6/14/2024</a:t>
+              <a:t>6/16/2024</a:t>
             </a:fld>
             <a:endParaRPr lang="en-US" dirty="0"/>
           </a:p>
@@ -13063,7 +13063,7 @@
         <p:spPr>
           <a:xfrm>
             <a:off x="120320" y="0"/>
-            <a:ext cx="12071680" cy="4708981"/>
+            <a:ext cx="12071680" cy="4893647"/>
           </a:xfrm>
           <a:prstGeom prst="rect">
             <a:avLst/>
@@ -13118,28 +13118,39 @@
               <a:rPr lang="en-US" sz="1200" dirty="0">
                 <a:latin typeface="Avenir Next LT Pro" panose="020B0504020202020204" pitchFamily="34" charset="0"/>
               </a:rPr>
-              <a:t>Chats can be Schedule for the future (about a month ago) Update &amp; User Can see it only And can delete any Time before the time </a:t>
+              <a:t>Chats can be Schedule for the future (about a month ago) Update &amp; User Can see it only And can delete any Time before the time arrived.</a:t>
+            </a:r>
+          </a:p>
+          <a:p>
+            <a:pPr marL="228600" indent="-228600">
+              <a:buAutoNum type="arabicPeriod"/>
+            </a:pPr>
+            <a:r>
+              <a:rPr lang="en-US" sz="1200" dirty="0">
+                <a:latin typeface="Avenir Next LT Pro" panose="020B0504020202020204" pitchFamily="34" charset="0"/>
+              </a:rPr>
+              <a:t>Fixed msg : At the top center of every chat legal msg that these chats can be challenged in court</a:t>
+            </a:r>
+          </a:p>
+          <a:p>
+            <a:pPr marL="228600" indent="-228600">
+              <a:buAutoNum type="arabicPeriod"/>
+            </a:pPr>
+            <a:r>
+              <a:rPr lang="en-US" sz="1200" dirty="0">
+                <a:latin typeface="Avenir Next LT Pro" panose="020B0504020202020204" pitchFamily="34" charset="0"/>
+              </a:rPr>
+              <a:t>Status : Online or offline (Used Red &amp; green filled circles along with text – Filled Circle : Available, Non-filled Circle : </a:t>
             </a:r>
             <a:r>
               <a:rPr lang="en-US" sz="1200">
                 <a:latin typeface="Avenir Next LT Pro" panose="020B0504020202020204" pitchFamily="34" charset="0"/>
               </a:rPr>
-              <a:t>arrived.</a:t>
+              <a:t>Not available)</a:t>
             </a:r>
             <a:endParaRPr lang="en-US" sz="1200" dirty="0">
               <a:latin typeface="Avenir Next LT Pro" panose="020B0504020202020204" pitchFamily="34" charset="0"/>
             </a:endParaRPr>
-          </a:p>
-          <a:p>
-            <a:pPr marL="228600" indent="-228600">
-              <a:buAutoNum type="arabicPeriod"/>
-            </a:pPr>
-            <a:r>
-              <a:rPr lang="en-US" sz="1200" dirty="0">
-                <a:latin typeface="Avenir Next LT Pro" panose="020B0504020202020204" pitchFamily="34" charset="0"/>
-              </a:rPr>
-              <a:t>Fixed msg : At the top center of every chat legal msg that these chats can be challenged in court</a:t>
-            </a:r>
           </a:p>
           <a:p>
             <a:pPr marL="228600" indent="-228600">
@@ -16053,6 +16064,23 @@
 </file>
 
 <file path=customXml/item1.xml><?xml version="1.0" encoding="utf-8"?>
+<?mso-contentType ?>
+<FormTemplates xmlns="http://schemas.microsoft.com/sharepoint/v3/contenttype/forms">
+  <Display>DocumentLibraryForm</Display>
+  <Edit>DocumentLibraryForm</Edit>
+  <New>DocumentLibraryForm</New>
+</FormTemplates>
+</file>
+
+<file path=customXml/item2.xml><?xml version="1.0" encoding="utf-8"?>
+<p:properties xmlns:p="http://schemas.microsoft.com/office/2006/metadata/properties" xmlns:xsi="http://www.w3.org/2001/XMLSchema-instance" xmlns:pc="http://schemas.microsoft.com/office/infopath/2007/PartnerControls">
+  <documentManagement>
+    <_activity xmlns="0e1bb11d-1fe8-4e80-a80d-c671e8cd2a50" xsi:nil="true"/>
+  </documentManagement>
+</p:properties>
+</file>
+
+<file path=customXml/item3.xml><?xml version="1.0" encoding="utf-8"?>
 <ct:contentTypeSchema xmlns:ct="http://schemas.microsoft.com/office/2006/metadata/contentType" xmlns:ma="http://schemas.microsoft.com/office/2006/metadata/properties/metaAttributes" ct:_="" ma:_="" ma:contentTypeName="Document" ma:contentTypeID="0x010100A855378936633F46935DE081F3F0A723" ma:contentTypeVersion="14" ma:contentTypeDescription="Create a new document." ma:contentTypeScope="" ma:versionID="55f1e6ab26213e900d3ea6b73674690f">
   <xsd:schema xmlns:xsd="http://www.w3.org/2001/XMLSchema" xmlns:xs="http://www.w3.org/2001/XMLSchema" xmlns:p="http://schemas.microsoft.com/office/2006/metadata/properties" xmlns:ns3="0e1bb11d-1fe8-4e80-a80d-c671e8cd2a50" targetNamespace="http://schemas.microsoft.com/office/2006/metadata/properties" ma:root="true" ma:fieldsID="cb5bac23893b177075308ae0464414f8" ns3:_="">
     <xsd:import namespace="0e1bb11d-1fe8-4e80-a80d-c671e8cd2a50"/>
@@ -16260,37 +16288,10 @@
 </ct:contentTypeSchema>
 </file>
 
-<file path=customXml/item2.xml><?xml version="1.0" encoding="utf-8"?>
-<p:properties xmlns:p="http://schemas.microsoft.com/office/2006/metadata/properties" xmlns:xsi="http://www.w3.org/2001/XMLSchema-instance" xmlns:pc="http://schemas.microsoft.com/office/infopath/2007/PartnerControls">
-  <documentManagement>
-    <_activity xmlns="0e1bb11d-1fe8-4e80-a80d-c671e8cd2a50" xsi:nil="true"/>
-  </documentManagement>
-</p:properties>
-</file>
-
-<file path=customXml/item3.xml><?xml version="1.0" encoding="utf-8"?>
-<?mso-contentType ?>
-<FormTemplates xmlns="http://schemas.microsoft.com/sharepoint/v3/contenttype/forms">
-  <Display>DocumentLibraryForm</Display>
-  <Edit>DocumentLibraryForm</Edit>
-  <New>DocumentLibraryForm</New>
-</FormTemplates>
-</file>
-
 <file path=customXml/itemProps1.xml><?xml version="1.0" encoding="utf-8"?>
-<ds:datastoreItem xmlns:ds="http://schemas.openxmlformats.org/officeDocument/2006/customXml" ds:itemID="{7B2E56D0-A161-47EC-9D87-E508F7ED6741}">
+<ds:datastoreItem xmlns:ds="http://schemas.openxmlformats.org/officeDocument/2006/customXml" ds:itemID="{D9A29AA5-5937-490C-A495-D5C320512737}">
   <ds:schemaRefs>
-    <ds:schemaRef ds:uri="http://schemas.microsoft.com/office/2006/metadata/contentType"/>
-    <ds:schemaRef ds:uri="http://schemas.microsoft.com/office/2006/metadata/properties/metaAttributes"/>
-    <ds:schemaRef ds:uri="http://www.w3.org/2001/XMLSchema"/>
-    <ds:schemaRef ds:uri="http://schemas.microsoft.com/office/2006/metadata/properties"/>
-    <ds:schemaRef ds:uri="0e1bb11d-1fe8-4e80-a80d-c671e8cd2a50"/>
-    <ds:schemaRef ds:uri="http://schemas.microsoft.com/office/2006/documentManagement/types"/>
-    <ds:schemaRef ds:uri="http://schemas.microsoft.com/office/infopath/2007/PartnerControls"/>
-    <ds:schemaRef ds:uri="http://schemas.openxmlformats.org/package/2006/metadata/core-properties"/>
-    <ds:schemaRef ds:uri="http://purl.org/dc/elements/1.1/"/>
-    <ds:schemaRef ds:uri="http://purl.org/dc/terms/"/>
-    <ds:schemaRef ds:uri="http://schemas.microsoft.com/internal/obd"/>
+    <ds:schemaRef ds:uri="http://schemas.microsoft.com/sharepoint/v3/contenttype/forms"/>
   </ds:schemaRefs>
 </ds:datastoreItem>
 </file>
@@ -16312,9 +16313,19 @@
 </file>
 
 <file path=customXml/itemProps3.xml><?xml version="1.0" encoding="utf-8"?>
-<ds:datastoreItem xmlns:ds="http://schemas.openxmlformats.org/officeDocument/2006/customXml" ds:itemID="{D9A29AA5-5937-490C-A495-D5C320512737}">
+<ds:datastoreItem xmlns:ds="http://schemas.openxmlformats.org/officeDocument/2006/customXml" ds:itemID="{7B2E56D0-A161-47EC-9D87-E508F7ED6741}">
   <ds:schemaRefs>
-    <ds:schemaRef ds:uri="http://schemas.microsoft.com/sharepoint/v3/contenttype/forms"/>
+    <ds:schemaRef ds:uri="http://schemas.microsoft.com/office/2006/metadata/contentType"/>
+    <ds:schemaRef ds:uri="http://schemas.microsoft.com/office/2006/metadata/properties/metaAttributes"/>
+    <ds:schemaRef ds:uri="http://www.w3.org/2001/XMLSchema"/>
+    <ds:schemaRef ds:uri="http://schemas.microsoft.com/office/2006/metadata/properties"/>
+    <ds:schemaRef ds:uri="0e1bb11d-1fe8-4e80-a80d-c671e8cd2a50"/>
+    <ds:schemaRef ds:uri="http://schemas.microsoft.com/office/2006/documentManagement/types"/>
+    <ds:schemaRef ds:uri="http://schemas.microsoft.com/office/infopath/2007/PartnerControls"/>
+    <ds:schemaRef ds:uri="http://schemas.openxmlformats.org/package/2006/metadata/core-properties"/>
+    <ds:schemaRef ds:uri="http://purl.org/dc/elements/1.1/"/>
+    <ds:schemaRef ds:uri="http://purl.org/dc/terms/"/>
+    <ds:schemaRef ds:uri="http://schemas.microsoft.com/internal/obd"/>
   </ds:schemaRefs>
 </ds:datastoreItem>
 </file>
--- a/Design Requirement/Chat/Chat - LetsDiscuss.pptx
+++ b/Design Requirement/Chat/Chat - LetsDiscuss.pptx
@@ -13063,7 +13063,7 @@
         <p:spPr>
           <a:xfrm>
             <a:off x="120320" y="0"/>
-            <a:ext cx="12071680" cy="4893647"/>
+            <a:ext cx="12071680" cy="5262979"/>
           </a:xfrm>
           <a:prstGeom prst="rect">
             <a:avLst/>
@@ -13140,13 +13140,47 @@
               <a:rPr lang="en-US" sz="1200" dirty="0">
                 <a:latin typeface="Avenir Next LT Pro" panose="020B0504020202020204" pitchFamily="34" charset="0"/>
               </a:rPr>
-              <a:t>Status : Online or offline (Used Red &amp; green filled circles along with text – Filled Circle : Available, Non-filled Circle : </a:t>
+              <a:t>Status : Online or offline (Used Red &amp; green filled circles along with text – Filled Circle : Available, Non-filled Circle : Not available)</a:t>
+            </a:r>
+          </a:p>
+          <a:p>
+            <a:pPr marL="228600" indent="-228600">
+              <a:buAutoNum type="arabicPeriod"/>
+            </a:pPr>
+            <a:r>
+              <a:rPr lang="en-US" sz="1200" dirty="0">
+                <a:latin typeface="Avenir Next LT Pro" panose="020B0504020202020204" pitchFamily="34" charset="0"/>
+              </a:rPr>
+              <a:t>Share Button : On Click if Expand and ask for option [copy msg, copy card, forward msg, select]</a:t>
+            </a:r>
+          </a:p>
+          <a:p>
+            <a:pPr marL="228600" indent="-228600">
+              <a:buAutoNum type="arabicPeriod"/>
+            </a:pPr>
+            <a:r>
+              <a:rPr lang="en-US" sz="1200" dirty="0">
+                <a:latin typeface="Avenir Next LT Pro" panose="020B0504020202020204" pitchFamily="34" charset="0"/>
+              </a:rPr>
+              <a:t>Taps : Double tap to forward msg, tap &amp; hold for select, triple tab to </a:t>
             </a:r>
             <a:r>
               <a:rPr lang="en-US" sz="1200">
                 <a:latin typeface="Avenir Next LT Pro" panose="020B0504020202020204" pitchFamily="34" charset="0"/>
               </a:rPr>
-              <a:t>Not available)</a:t>
+              <a:t>Show Option </a:t>
+            </a:r>
+            <a:r>
+              <a:rPr lang="en-US" sz="1200" dirty="0">
+                <a:latin typeface="Avenir Next LT Pro" panose="020B0504020202020204" pitchFamily="34" charset="0"/>
+              </a:rPr>
+              <a:t>to save msg as </a:t>
+            </a:r>
+            <a:r>
+              <a:rPr lang="en-US" sz="1200">
+                <a:latin typeface="Avenir Next LT Pro" panose="020B0504020202020204" pitchFamily="34" charset="0"/>
+              </a:rPr>
+              <a:t>a card</a:t>
             </a:r>
             <a:endParaRPr lang="en-US" sz="1200" dirty="0">
               <a:latin typeface="Avenir Next LT Pro" panose="020B0504020202020204" pitchFamily="34" charset="0"/>
@@ -16064,23 +16098,6 @@
 </file>
 
 <file path=customXml/item1.xml><?xml version="1.0" encoding="utf-8"?>
-<?mso-contentType ?>
-<FormTemplates xmlns="http://schemas.microsoft.com/sharepoint/v3/contenttype/forms">
-  <Display>DocumentLibraryForm</Display>
-  <Edit>DocumentLibraryForm</Edit>
-  <New>DocumentLibraryForm</New>
-</FormTemplates>
-</file>
-
-<file path=customXml/item2.xml><?xml version="1.0" encoding="utf-8"?>
-<p:properties xmlns:p="http://schemas.microsoft.com/office/2006/metadata/properties" xmlns:xsi="http://www.w3.org/2001/XMLSchema-instance" xmlns:pc="http://schemas.microsoft.com/office/infopath/2007/PartnerControls">
-  <documentManagement>
-    <_activity xmlns="0e1bb11d-1fe8-4e80-a80d-c671e8cd2a50" xsi:nil="true"/>
-  </documentManagement>
-</p:properties>
-</file>
-
-<file path=customXml/item3.xml><?xml version="1.0" encoding="utf-8"?>
 <ct:contentTypeSchema xmlns:ct="http://schemas.microsoft.com/office/2006/metadata/contentType" xmlns:ma="http://schemas.microsoft.com/office/2006/metadata/properties/metaAttributes" ct:_="" ma:_="" ma:contentTypeName="Document" ma:contentTypeID="0x010100A855378936633F46935DE081F3F0A723" ma:contentTypeVersion="14" ma:contentTypeDescription="Create a new document." ma:contentTypeScope="" ma:versionID="55f1e6ab26213e900d3ea6b73674690f">
   <xsd:schema xmlns:xsd="http://www.w3.org/2001/XMLSchema" xmlns:xs="http://www.w3.org/2001/XMLSchema" xmlns:p="http://schemas.microsoft.com/office/2006/metadata/properties" xmlns:ns3="0e1bb11d-1fe8-4e80-a80d-c671e8cd2a50" targetNamespace="http://schemas.microsoft.com/office/2006/metadata/properties" ma:root="true" ma:fieldsID="cb5bac23893b177075308ae0464414f8" ns3:_="">
     <xsd:import namespace="0e1bb11d-1fe8-4e80-a80d-c671e8cd2a50"/>
@@ -16288,10 +16305,37 @@
 </ct:contentTypeSchema>
 </file>
 
+<file path=customXml/item2.xml><?xml version="1.0" encoding="utf-8"?>
+<p:properties xmlns:p="http://schemas.microsoft.com/office/2006/metadata/properties" xmlns:xsi="http://www.w3.org/2001/XMLSchema-instance" xmlns:pc="http://schemas.microsoft.com/office/infopath/2007/PartnerControls">
+  <documentManagement>
+    <_activity xmlns="0e1bb11d-1fe8-4e80-a80d-c671e8cd2a50" xsi:nil="true"/>
+  </documentManagement>
+</p:properties>
+</file>
+
+<file path=customXml/item3.xml><?xml version="1.0" encoding="utf-8"?>
+<?mso-contentType ?>
+<FormTemplates xmlns="http://schemas.microsoft.com/sharepoint/v3/contenttype/forms">
+  <Display>DocumentLibraryForm</Display>
+  <Edit>DocumentLibraryForm</Edit>
+  <New>DocumentLibraryForm</New>
+</FormTemplates>
+</file>
+
 <file path=customXml/itemProps1.xml><?xml version="1.0" encoding="utf-8"?>
-<ds:datastoreItem xmlns:ds="http://schemas.openxmlformats.org/officeDocument/2006/customXml" ds:itemID="{D9A29AA5-5937-490C-A495-D5C320512737}">
+<ds:datastoreItem xmlns:ds="http://schemas.openxmlformats.org/officeDocument/2006/customXml" ds:itemID="{7B2E56D0-A161-47EC-9D87-E508F7ED6741}">
   <ds:schemaRefs>
-    <ds:schemaRef ds:uri="http://schemas.microsoft.com/sharepoint/v3/contenttype/forms"/>
+    <ds:schemaRef ds:uri="http://schemas.microsoft.com/office/2006/metadata/contentType"/>
+    <ds:schemaRef ds:uri="http://schemas.microsoft.com/office/2006/metadata/properties/metaAttributes"/>
+    <ds:schemaRef ds:uri="http://www.w3.org/2001/XMLSchema"/>
+    <ds:schemaRef ds:uri="http://schemas.microsoft.com/office/2006/metadata/properties"/>
+    <ds:schemaRef ds:uri="0e1bb11d-1fe8-4e80-a80d-c671e8cd2a50"/>
+    <ds:schemaRef ds:uri="http://schemas.microsoft.com/office/2006/documentManagement/types"/>
+    <ds:schemaRef ds:uri="http://schemas.microsoft.com/office/infopath/2007/PartnerControls"/>
+    <ds:schemaRef ds:uri="http://schemas.openxmlformats.org/package/2006/metadata/core-properties"/>
+    <ds:schemaRef ds:uri="http://purl.org/dc/elements/1.1/"/>
+    <ds:schemaRef ds:uri="http://purl.org/dc/terms/"/>
+    <ds:schemaRef ds:uri="http://schemas.microsoft.com/internal/obd"/>
   </ds:schemaRefs>
 </ds:datastoreItem>
 </file>
@@ -16313,19 +16357,9 @@
 </file>
 
 <file path=customXml/itemProps3.xml><?xml version="1.0" encoding="utf-8"?>
-<ds:datastoreItem xmlns:ds="http://schemas.openxmlformats.org/officeDocument/2006/customXml" ds:itemID="{7B2E56D0-A161-47EC-9D87-E508F7ED6741}">
+<ds:datastoreItem xmlns:ds="http://schemas.openxmlformats.org/officeDocument/2006/customXml" ds:itemID="{D9A29AA5-5937-490C-A495-D5C320512737}">
   <ds:schemaRefs>
-    <ds:schemaRef ds:uri="http://schemas.microsoft.com/office/2006/metadata/contentType"/>
-    <ds:schemaRef ds:uri="http://schemas.microsoft.com/office/2006/metadata/properties/metaAttributes"/>
-    <ds:schemaRef ds:uri="http://www.w3.org/2001/XMLSchema"/>
-    <ds:schemaRef ds:uri="http://schemas.microsoft.com/office/2006/metadata/properties"/>
-    <ds:schemaRef ds:uri="0e1bb11d-1fe8-4e80-a80d-c671e8cd2a50"/>
-    <ds:schemaRef ds:uri="http://schemas.microsoft.com/office/2006/documentManagement/types"/>
-    <ds:schemaRef ds:uri="http://schemas.microsoft.com/office/infopath/2007/PartnerControls"/>
-    <ds:schemaRef ds:uri="http://schemas.openxmlformats.org/package/2006/metadata/core-properties"/>
-    <ds:schemaRef ds:uri="http://purl.org/dc/elements/1.1/"/>
-    <ds:schemaRef ds:uri="http://purl.org/dc/terms/"/>
-    <ds:schemaRef ds:uri="http://schemas.microsoft.com/internal/obd"/>
+    <ds:schemaRef ds:uri="http://schemas.microsoft.com/sharepoint/v3/contenttype/forms"/>
   </ds:schemaRefs>
 </ds:datastoreItem>
 </file>
--- a/Design Requirement/Chat/Chat - LetsDiscuss.pptx
+++ b/Design Requirement/Chat/Chat - LetsDiscuss.pptx
@@ -13162,29 +13162,8 @@
               <a:rPr lang="en-US" sz="1200" dirty="0">
                 <a:latin typeface="Avenir Next LT Pro" panose="020B0504020202020204" pitchFamily="34" charset="0"/>
               </a:rPr>
-              <a:t>Taps : Double tap to forward msg, tap &amp; hold for select, triple tab to </a:t>
-            </a:r>
-            <a:r>
-              <a:rPr lang="en-US" sz="1200">
-                <a:latin typeface="Avenir Next LT Pro" panose="020B0504020202020204" pitchFamily="34" charset="0"/>
-              </a:rPr>
-              <a:t>Show Option </a:t>
-            </a:r>
-            <a:r>
-              <a:rPr lang="en-US" sz="1200" dirty="0">
-                <a:latin typeface="Avenir Next LT Pro" panose="020B0504020202020204" pitchFamily="34" charset="0"/>
-              </a:rPr>
-              <a:t>to save msg as </a:t>
-            </a:r>
-            <a:r>
-              <a:rPr lang="en-US" sz="1200">
-                <a:latin typeface="Avenir Next LT Pro" panose="020B0504020202020204" pitchFamily="34" charset="0"/>
-              </a:rPr>
-              <a:t>a card</a:t>
-            </a:r>
-            <a:endParaRPr lang="en-US" sz="1200" dirty="0">
-              <a:latin typeface="Avenir Next LT Pro" panose="020B0504020202020204" pitchFamily="34" charset="0"/>
-            </a:endParaRPr>
+              <a:t>Taps : Double tap to forward msg, tap &amp; hold for select, triple tab to Show Option to save msg as a card</a:t>
+            </a:r>
           </a:p>
           <a:p>
             <a:pPr marL="228600" indent="-228600">
@@ -13216,7 +13195,7 @@
               <a:rPr lang="en-US" sz="1200" dirty="0">
                 <a:latin typeface="Avenir Next LT Pro" panose="020B0504020202020204" pitchFamily="34" charset="0"/>
               </a:rPr>
-              <a:t>For Single Chat: on click of top of chat Information section will be appears Information 1. User Basic Details, 2. Information of Today's Present in office (skippable) or last active, 2. Yours Basic Details, 3. Tab Section: that have list of all items that can be present in + button4. Chat Lock : two types of lock General Lock that will asked on every time to open any chat or if you are inactive for last 5 minutes (this setting is adjustable by the used end) or Screen unLock,5. Lock : Specific to some chats (if this enable than general Lock will be disable)</a:t>
+              <a:t>For Single Chat: on click of top of chat Information section will be appears Information 1. User Basic Details, 2. Information of Today's Present in office (skippable) or last active, 2. Yours Basic Details, 3. Tab Section: that have list of all items that can be present in + button 4. Chat Lock : two types of lock General Lock that will asked on every time to open any chat or if you are inactive for last 5 minutes (this setting is adjustable by the used end) or Screen unlock, 5. Lock : Specific to some chats (if this enable than general Lock will be disable) 6. Schedule Queue</a:t>
             </a:r>
           </a:p>
           <a:p>
@@ -13412,7 +13391,7 @@
         <p:spPr>
           <a:xfrm>
             <a:off x="120320" y="0"/>
-            <a:ext cx="12071680" cy="3231654"/>
+            <a:ext cx="12071680" cy="5816977"/>
           </a:xfrm>
           <a:prstGeom prst="rect">
             <a:avLst/>
@@ -13462,19 +13441,7 @@
               <a:rPr lang="en-US" sz="1200" dirty="0">
                 <a:latin typeface="Avenir Next LT Pro" panose="020B0504020202020204" pitchFamily="34" charset="0"/>
               </a:rPr>
-              <a:t> have its own Chat App, Calander, Meeting, Phone, Note Making, Remainder, </a:t>
-            </a:r>
-            <a:r>
-              <a:rPr lang="en-US" sz="1200">
-                <a:latin typeface="Avenir Next LT Pro" panose="020B0504020202020204" pitchFamily="34" charset="0"/>
-              </a:rPr>
-              <a:t>Payment, and </a:t>
-            </a:r>
-            <a:r>
-              <a:rPr lang="en-US" sz="1200" dirty="0">
-                <a:latin typeface="Avenir Next LT Pro" panose="020B0504020202020204" pitchFamily="34" charset="0"/>
-              </a:rPr>
-              <a:t>lot more and they will communicate with each other to make production highly effective</a:t>
+              <a:t> have its own Chat App, Calander, Meeting, Phone, Note Making, Remainder, Payment, and lot more and they will communicate with each other to make production highly effective</a:t>
             </a:r>
             <a:endParaRPr lang="en-IN" sz="1200" dirty="0">
               <a:latin typeface="Avenir Next LT Pro" panose="020B0504020202020204" pitchFamily="34" charset="0"/>
@@ -13562,6 +13529,126 @@
               </a:rPr>
               <a:t>This conversation summary will be appears on the phone app as well</a:t>
             </a:r>
+          </a:p>
+          <a:p>
+            <a:pPr marL="228600" indent="-228600">
+              <a:buAutoNum type="arabicPeriod"/>
+            </a:pPr>
+            <a:endParaRPr lang="en-US" sz="1200" dirty="0">
+              <a:latin typeface="Avenir Next LT Pro" panose="020B0504020202020204" pitchFamily="34" charset="0"/>
+            </a:endParaRPr>
+          </a:p>
+          <a:p>
+            <a:pPr marL="228600" indent="-228600">
+              <a:buAutoNum type="arabicPeriod"/>
+            </a:pPr>
+            <a:endParaRPr lang="en-US" sz="1200" dirty="0">
+              <a:latin typeface="Avenir Next LT Pro" panose="020B0504020202020204" pitchFamily="34" charset="0"/>
+            </a:endParaRPr>
+          </a:p>
+          <a:p>
+            <a:pPr marL="228600" indent="-228600">
+              <a:buAutoNum type="arabicPeriod"/>
+            </a:pPr>
+            <a:endParaRPr lang="en-US" sz="1200" dirty="0">
+              <a:latin typeface="Avenir Next LT Pro" panose="020B0504020202020204" pitchFamily="34" charset="0"/>
+            </a:endParaRPr>
+          </a:p>
+          <a:p>
+            <a:pPr marL="171450" indent="-171450">
+              <a:buFont typeface="Arial" panose="020B0604020202020204" pitchFamily="34" charset="0"/>
+              <a:buChar char="•"/>
+            </a:pPr>
+            <a:r>
+              <a:rPr lang="en-US" sz="1200" dirty="0">
+                <a:latin typeface="Avenir Next LT Pro" panose="020B0504020202020204" pitchFamily="34" charset="0"/>
+              </a:rPr>
+              <a:t>Ghost Mode : When chatting in ghost mode then the conversation will not recorded in the database instead it recorded on the common temporary database where record will be deleted after few minutes. but in you log history there will be record that how many time you used ghost mode and how many conversation (can be feature). Ghost feature will not available in business webpage it is available only in personal chats</a:t>
+            </a:r>
+          </a:p>
+          <a:p>
+            <a:pPr marL="171450" indent="-171450">
+              <a:buFont typeface="Arial" panose="020B0604020202020204" pitchFamily="34" charset="0"/>
+              <a:buChar char="•"/>
+            </a:pPr>
+            <a:r>
+              <a:rPr lang="en-US" sz="1200" dirty="0">
+                <a:latin typeface="Avenir Next LT Pro" panose="020B0504020202020204" pitchFamily="34" charset="0"/>
+              </a:rPr>
+              <a:t>Open for Community : We can ask organization that are they open for Community, where they can directly connect with general </a:t>
+            </a:r>
+            <a:r>
+              <a:rPr lang="en-US" sz="1200" dirty="0" err="1">
+                <a:latin typeface="Avenir Next LT Pro" panose="020B0504020202020204" pitchFamily="34" charset="0"/>
+              </a:rPr>
+              <a:t>Audiance</a:t>
+            </a:r>
+            <a:r>
+              <a:rPr lang="en-US" sz="1200" dirty="0">
+                <a:latin typeface="Avenir Next LT Pro" panose="020B0504020202020204" pitchFamily="34" charset="0"/>
+              </a:rPr>
+              <a:t> and can Share important updates, and  other Stuffs</a:t>
+            </a:r>
+          </a:p>
+          <a:p>
+            <a:pPr marL="171450" indent="-171450">
+              <a:buFont typeface="Arial" panose="020B0604020202020204" pitchFamily="34" charset="0"/>
+              <a:buChar char="•"/>
+            </a:pPr>
+            <a:r>
+              <a:rPr lang="en-US" sz="1200" dirty="0">
+                <a:latin typeface="Avenir Next LT Pro" panose="020B0504020202020204" pitchFamily="34" charset="0"/>
+              </a:rPr>
+              <a:t>Integration with Hiring Stuffs : Interview Platform, Record Maintaining, etc..</a:t>
+            </a:r>
+          </a:p>
+          <a:p>
+            <a:pPr marL="171450" indent="-171450">
+              <a:buFont typeface="Arial" panose="020B0604020202020204" pitchFamily="34" charset="0"/>
+              <a:buChar char="•"/>
+            </a:pPr>
+            <a:r>
+              <a:rPr lang="en-US" sz="1200" dirty="0">
+                <a:latin typeface="Avenir Next LT Pro" panose="020B0504020202020204" pitchFamily="34" charset="0"/>
+              </a:rPr>
+              <a:t>Quick Send: User can Add or create its Quick Send Msg for fast reply. Bind that msg with a character and </a:t>
+            </a:r>
+            <a:r>
+              <a:rPr lang="en-US" sz="1200">
+                <a:latin typeface="Avenir Next LT Pro" panose="020B0504020202020204" pitchFamily="34" charset="0"/>
+              </a:rPr>
+              <a:t>Word (&amp;hello </a:t>
+            </a:r>
+            <a:r>
+              <a:rPr lang="en-US" sz="1200" dirty="0">
+                <a:latin typeface="Avenir Next LT Pro" panose="020B0504020202020204" pitchFamily="34" charset="0"/>
+              </a:rPr>
+              <a:t>: Hey, This </a:t>
+            </a:r>
+            <a:r>
+              <a:rPr lang="en-US" sz="1200">
+                <a:latin typeface="Avenir Next LT Pro" panose="020B0504020202020204" pitchFamily="34" charset="0"/>
+              </a:rPr>
+              <a:t>is Danishan)</a:t>
+            </a:r>
+            <a:endParaRPr lang="en-US" sz="1200" dirty="0">
+              <a:latin typeface="Avenir Next LT Pro" panose="020B0504020202020204" pitchFamily="34" charset="0"/>
+            </a:endParaRPr>
+          </a:p>
+          <a:p>
+            <a:endParaRPr lang="en-US" sz="1200" dirty="0">
+              <a:latin typeface="Avenir Next LT Pro" panose="020B0504020202020204" pitchFamily="34" charset="0"/>
+            </a:endParaRPr>
+          </a:p>
+          <a:p>
+            <a:endParaRPr lang="en-US" sz="1200" dirty="0">
+              <a:latin typeface="Avenir Next LT Pro" panose="020B0504020202020204" pitchFamily="34" charset="0"/>
+            </a:endParaRPr>
+          </a:p>
+          <a:p>
+            <a:endParaRPr lang="en-US" sz="1200" dirty="0">
+              <a:latin typeface="Avenir Next LT Pro" panose="020B0504020202020204" pitchFamily="34" charset="0"/>
+            </a:endParaRPr>
           </a:p>
           <a:p>
             <a:pPr marL="228600" indent="-228600">
@@ -16098,6 +16185,23 @@
 </file>
 
 <file path=customXml/item1.xml><?xml version="1.0" encoding="utf-8"?>
+<?mso-contentType ?>
+<FormTemplates xmlns="http://schemas.microsoft.com/sharepoint/v3/contenttype/forms">
+  <Display>DocumentLibraryForm</Display>
+  <Edit>DocumentLibraryForm</Edit>
+  <New>DocumentLibraryForm</New>
+</FormTemplates>
+</file>
+
+<file path=customXml/item2.xml><?xml version="1.0" encoding="utf-8"?>
+<p:properties xmlns:p="http://schemas.microsoft.com/office/2006/metadata/properties" xmlns:xsi="http://www.w3.org/2001/XMLSchema-instance" xmlns:pc="http://schemas.microsoft.com/office/infopath/2007/PartnerControls">
+  <documentManagement>
+    <_activity xmlns="0e1bb11d-1fe8-4e80-a80d-c671e8cd2a50" xsi:nil="true"/>
+  </documentManagement>
+</p:properties>
+</file>
+
+<file path=customXml/item3.xml><?xml version="1.0" encoding="utf-8"?>
 <ct:contentTypeSchema xmlns:ct="http://schemas.microsoft.com/office/2006/metadata/contentType" xmlns:ma="http://schemas.microsoft.com/office/2006/metadata/properties/metaAttributes" ct:_="" ma:_="" ma:contentTypeName="Document" ma:contentTypeID="0x010100A855378936633F46935DE081F3F0A723" ma:contentTypeVersion="14" ma:contentTypeDescription="Create a new document." ma:contentTypeScope="" ma:versionID="55f1e6ab26213e900d3ea6b73674690f">
   <xsd:schema xmlns:xsd="http://www.w3.org/2001/XMLSchema" xmlns:xs="http://www.w3.org/2001/XMLSchema" xmlns:p="http://schemas.microsoft.com/office/2006/metadata/properties" xmlns:ns3="0e1bb11d-1fe8-4e80-a80d-c671e8cd2a50" targetNamespace="http://schemas.microsoft.com/office/2006/metadata/properties" ma:root="true" ma:fieldsID="cb5bac23893b177075308ae0464414f8" ns3:_="">
     <xsd:import namespace="0e1bb11d-1fe8-4e80-a80d-c671e8cd2a50"/>
@@ -16305,37 +16409,10 @@
 </ct:contentTypeSchema>
 </file>
 
-<file path=customXml/item2.xml><?xml version="1.0" encoding="utf-8"?>
-<p:properties xmlns:p="http://schemas.microsoft.com/office/2006/metadata/properties" xmlns:xsi="http://www.w3.org/2001/XMLSchema-instance" xmlns:pc="http://schemas.microsoft.com/office/infopath/2007/PartnerControls">
-  <documentManagement>
-    <_activity xmlns="0e1bb11d-1fe8-4e80-a80d-c671e8cd2a50" xsi:nil="true"/>
-  </documentManagement>
-</p:properties>
-</file>
-
-<file path=customXml/item3.xml><?xml version="1.0" encoding="utf-8"?>
-<?mso-contentType ?>
-<FormTemplates xmlns="http://schemas.microsoft.com/sharepoint/v3/contenttype/forms">
-  <Display>DocumentLibraryForm</Display>
-  <Edit>DocumentLibraryForm</Edit>
-  <New>DocumentLibraryForm</New>
-</FormTemplates>
-</file>
-
 <file path=customXml/itemProps1.xml><?xml version="1.0" encoding="utf-8"?>
-<ds:datastoreItem xmlns:ds="http://schemas.openxmlformats.org/officeDocument/2006/customXml" ds:itemID="{7B2E56D0-A161-47EC-9D87-E508F7ED6741}">
+<ds:datastoreItem xmlns:ds="http://schemas.openxmlformats.org/officeDocument/2006/customXml" ds:itemID="{D9A29AA5-5937-490C-A495-D5C320512737}">
   <ds:schemaRefs>
-    <ds:schemaRef ds:uri="http://schemas.microsoft.com/office/2006/metadata/contentType"/>
-    <ds:schemaRef ds:uri="http://schemas.microsoft.com/office/2006/metadata/properties/metaAttributes"/>
-    <ds:schemaRef ds:uri="http://www.w3.org/2001/XMLSchema"/>
-    <ds:schemaRef ds:uri="http://schemas.microsoft.com/office/2006/metadata/properties"/>
-    <ds:schemaRef ds:uri="0e1bb11d-1fe8-4e80-a80d-c671e8cd2a50"/>
-    <ds:schemaRef ds:uri="http://schemas.microsoft.com/office/2006/documentManagement/types"/>
-    <ds:schemaRef ds:uri="http://schemas.microsoft.com/office/infopath/2007/PartnerControls"/>
-    <ds:schemaRef ds:uri="http://schemas.openxmlformats.org/package/2006/metadata/core-properties"/>
-    <ds:schemaRef ds:uri="http://purl.org/dc/elements/1.1/"/>
-    <ds:schemaRef ds:uri="http://purl.org/dc/terms/"/>
-    <ds:schemaRef ds:uri="http://schemas.microsoft.com/internal/obd"/>
+    <ds:schemaRef ds:uri="http://schemas.microsoft.com/sharepoint/v3/contenttype/forms"/>
   </ds:schemaRefs>
 </ds:datastoreItem>
 </file>
@@ -16357,9 +16434,19 @@
 </file>
 
 <file path=customXml/itemProps3.xml><?xml version="1.0" encoding="utf-8"?>
-<ds:datastoreItem xmlns:ds="http://schemas.openxmlformats.org/officeDocument/2006/customXml" ds:itemID="{D9A29AA5-5937-490C-A495-D5C320512737}">
+<ds:datastoreItem xmlns:ds="http://schemas.openxmlformats.org/officeDocument/2006/customXml" ds:itemID="{7B2E56D0-A161-47EC-9D87-E508F7ED6741}">
   <ds:schemaRefs>
-    <ds:schemaRef ds:uri="http://schemas.microsoft.com/sharepoint/v3/contenttype/forms"/>
+    <ds:schemaRef ds:uri="http://schemas.microsoft.com/office/2006/metadata/contentType"/>
+    <ds:schemaRef ds:uri="http://schemas.microsoft.com/office/2006/metadata/properties/metaAttributes"/>
+    <ds:schemaRef ds:uri="http://www.w3.org/2001/XMLSchema"/>
+    <ds:schemaRef ds:uri="http://schemas.microsoft.com/office/2006/metadata/properties"/>
+    <ds:schemaRef ds:uri="0e1bb11d-1fe8-4e80-a80d-c671e8cd2a50"/>
+    <ds:schemaRef ds:uri="http://schemas.microsoft.com/office/2006/documentManagement/types"/>
+    <ds:schemaRef ds:uri="http://schemas.microsoft.com/office/infopath/2007/PartnerControls"/>
+    <ds:schemaRef ds:uri="http://schemas.openxmlformats.org/package/2006/metadata/core-properties"/>
+    <ds:schemaRef ds:uri="http://purl.org/dc/elements/1.1/"/>
+    <ds:schemaRef ds:uri="http://purl.org/dc/terms/"/>
+    <ds:schemaRef ds:uri="http://schemas.microsoft.com/internal/obd"/>
   </ds:schemaRefs>
 </ds:datastoreItem>
 </file>